--- a/IMAGE SEGMENTATION.pptx
+++ b/IMAGE SEGMENTATION.pptx
@@ -1,23 +1,29 @@
 
 <file path=ppt/presentation.xml><?xml version="1.0" encoding="utf-8"?>
-<p:presentation xmlns:a="http://schemas.openxmlformats.org/drawingml/2006/main" xmlns:r="http://schemas.openxmlformats.org/officeDocument/2006/relationships" xmlns:p="http://schemas.openxmlformats.org/presentationml/2006/main" saveSubsetFonts="1">
+<p:presentation xmlns:a="http://schemas.openxmlformats.org/drawingml/2006/main" xmlns:r="http://schemas.openxmlformats.org/officeDocument/2006/relationships" xmlns:p="http://schemas.openxmlformats.org/presentationml/2006/main" showSpecialPlsOnTitleSld="0" saveSubsetFonts="1">
   <p:sldMasterIdLst>
     <p:sldMasterId id="2147483660" r:id="rId1"/>
   </p:sldMasterIdLst>
+  <p:notesMasterIdLst>
+    <p:notesMasterId r:id="rId18"/>
+  </p:notesMasterIdLst>
   <p:sldIdLst>
     <p:sldId id="256" r:id="rId2"/>
     <p:sldId id="257" r:id="rId3"/>
     <p:sldId id="259" r:id="rId4"/>
-    <p:sldId id="271" r:id="rId5"/>
-    <p:sldId id="261" r:id="rId6"/>
-    <p:sldId id="268" r:id="rId7"/>
-    <p:sldId id="269" r:id="rId8"/>
-    <p:sldId id="270" r:id="rId9"/>
-    <p:sldId id="262" r:id="rId10"/>
-    <p:sldId id="273" r:id="rId11"/>
-    <p:sldId id="264" r:id="rId12"/>
-    <p:sldId id="266" r:id="rId13"/>
-    <p:sldId id="272" r:id="rId14"/>
+    <p:sldId id="262" r:id="rId5"/>
+    <p:sldId id="271" r:id="rId6"/>
+    <p:sldId id="261" r:id="rId7"/>
+    <p:sldId id="284" r:id="rId8"/>
+    <p:sldId id="268" r:id="rId9"/>
+    <p:sldId id="275" r:id="rId10"/>
+    <p:sldId id="269" r:id="rId11"/>
+    <p:sldId id="280" r:id="rId12"/>
+    <p:sldId id="281" r:id="rId13"/>
+    <p:sldId id="282" r:id="rId14"/>
+    <p:sldId id="283" r:id="rId15"/>
+    <p:sldId id="266" r:id="rId16"/>
+    <p:sldId id="272" r:id="rId17"/>
   </p:sldIdLst>
   <p:sldSz cx="9144000" cy="6858000" type="screen4x3"/>
   <p:notesSz cx="6858000" cy="9144000"/>
@@ -116,7 +122,373 @@
       </a:defRPr>
     </a:lvl9pPr>
   </p:defaultTextStyle>
+  <p:extLst>
+    <p:ext uri="{EFAFB233-063F-42B5-8137-9DF3F51BA10A}">
+      <p15:sldGuideLst xmlns:p15="http://schemas.microsoft.com/office/powerpoint/2012/main">
+        <p15:guide id="1" orient="horz" pos="2160">
+          <p15:clr>
+            <a:srgbClr val="A4A3A4"/>
+          </p15:clr>
+        </p15:guide>
+        <p15:guide id="2" pos="2880">
+          <p15:clr>
+            <a:srgbClr val="A4A3A4"/>
+          </p15:clr>
+        </p15:guide>
+      </p15:sldGuideLst>
+    </p:ext>
+  </p:extLst>
 </p:presentation>
+</file>
+
+<file path=ppt/notesMasters/notesMaster1.xml><?xml version="1.0" encoding="utf-8"?>
+<p:notesMaster xmlns:a="http://schemas.openxmlformats.org/drawingml/2006/main" xmlns:r="http://schemas.openxmlformats.org/officeDocument/2006/relationships" xmlns:p="http://schemas.openxmlformats.org/presentationml/2006/main">
+  <p:cSld>
+    <p:bg>
+      <p:bgRef idx="1001">
+        <a:schemeClr val="bg1"/>
+      </p:bgRef>
+    </p:bg>
+    <p:spTree>
+      <p:nvGrpSpPr>
+        <p:cNvPr id="1" name=""/>
+        <p:cNvGrpSpPr/>
+        <p:nvPr/>
+      </p:nvGrpSpPr>
+      <p:grpSpPr>
+        <a:xfrm>
+          <a:off x="0" y="0"/>
+          <a:ext cx="0" cy="0"/>
+          <a:chOff x="0" y="0"/>
+          <a:chExt cx="0" cy="0"/>
+        </a:xfrm>
+      </p:grpSpPr>
+      <p:sp>
+        <p:nvSpPr>
+          <p:cNvPr id="2" name="Header Placeholder 1"/>
+          <p:cNvSpPr>
+            <a:spLocks noGrp="1"/>
+          </p:cNvSpPr>
+          <p:nvPr>
+            <p:ph type="hdr" sz="quarter"/>
+          </p:nvPr>
+        </p:nvSpPr>
+        <p:spPr>
+          <a:xfrm>
+            <a:off x="0" y="0"/>
+            <a:ext cx="2971800" cy="458788"/>
+          </a:xfrm>
+          <a:prstGeom prst="rect">
+            <a:avLst/>
+          </a:prstGeom>
+        </p:spPr>
+        <p:txBody>
+          <a:bodyPr vert="horz" lIns="91440" tIns="45720" rIns="91440" bIns="45720" rtlCol="0"/>
+          <a:lstStyle>
+            <a:lvl1pPr algn="l">
+              <a:defRPr sz="1200"/>
+            </a:lvl1pPr>
+          </a:lstStyle>
+          <a:p>
+            <a:endParaRPr lang="de-DE"/>
+          </a:p>
+        </p:txBody>
+      </p:sp>
+      <p:sp>
+        <p:nvSpPr>
+          <p:cNvPr id="3" name="Date Placeholder 2"/>
+          <p:cNvSpPr>
+            <a:spLocks noGrp="1"/>
+          </p:cNvSpPr>
+          <p:nvPr>
+            <p:ph type="dt" idx="1"/>
+          </p:nvPr>
+        </p:nvSpPr>
+        <p:spPr>
+          <a:xfrm>
+            <a:off x="3884613" y="0"/>
+            <a:ext cx="2971800" cy="458788"/>
+          </a:xfrm>
+          <a:prstGeom prst="rect">
+            <a:avLst/>
+          </a:prstGeom>
+        </p:spPr>
+        <p:txBody>
+          <a:bodyPr vert="horz" lIns="91440" tIns="45720" rIns="91440" bIns="45720" rtlCol="0"/>
+          <a:lstStyle>
+            <a:lvl1pPr algn="r">
+              <a:defRPr sz="1200"/>
+            </a:lvl1pPr>
+          </a:lstStyle>
+          <a:p>
+            <a:fld id="{6839AFA3-066E-426F-9A23-03FBAB8834A4}" type="datetimeFigureOut">
+              <a:rPr lang="de-DE" smtClean="0"/>
+              <a:t>24.01.2021</a:t>
+            </a:fld>
+            <a:endParaRPr lang="de-DE"/>
+          </a:p>
+        </p:txBody>
+      </p:sp>
+      <p:sp>
+        <p:nvSpPr>
+          <p:cNvPr id="4" name="Slide Image Placeholder 3"/>
+          <p:cNvSpPr>
+            <a:spLocks noGrp="1" noRot="1" noChangeAspect="1"/>
+          </p:cNvSpPr>
+          <p:nvPr>
+            <p:ph type="sldImg" idx="2"/>
+          </p:nvPr>
+        </p:nvSpPr>
+        <p:spPr>
+          <a:xfrm>
+            <a:off x="1371600" y="1143000"/>
+            <a:ext cx="4114800" cy="3086100"/>
+          </a:xfrm>
+          <a:prstGeom prst="rect">
+            <a:avLst/>
+          </a:prstGeom>
+          <a:noFill/>
+          <a:ln w="12700">
+            <a:solidFill>
+              <a:prstClr val="black"/>
+            </a:solidFill>
+          </a:ln>
+        </p:spPr>
+        <p:txBody>
+          <a:bodyPr vert="horz" lIns="91440" tIns="45720" rIns="91440" bIns="45720" rtlCol="0" anchor="ctr"/>
+          <a:lstStyle/>
+          <a:p>
+            <a:endParaRPr lang="de-DE"/>
+          </a:p>
+        </p:txBody>
+      </p:sp>
+      <p:sp>
+        <p:nvSpPr>
+          <p:cNvPr id="5" name="Notes Placeholder 4"/>
+          <p:cNvSpPr>
+            <a:spLocks noGrp="1"/>
+          </p:cNvSpPr>
+          <p:nvPr>
+            <p:ph type="body" sz="quarter" idx="3"/>
+          </p:nvPr>
+        </p:nvSpPr>
+        <p:spPr>
+          <a:xfrm>
+            <a:off x="685800" y="4400550"/>
+            <a:ext cx="5486400" cy="3600450"/>
+          </a:xfrm>
+          <a:prstGeom prst="rect">
+            <a:avLst/>
+          </a:prstGeom>
+        </p:spPr>
+        <p:txBody>
+          <a:bodyPr vert="horz" lIns="91440" tIns="45720" rIns="91440" bIns="45720" rtlCol="0"/>
+          <a:lstStyle/>
+          <a:p>
+            <a:pPr lvl="0"/>
+            <a:r>
+              <a:rPr lang="en-US"/>
+              <a:t>Edit Master text styles</a:t>
+            </a:r>
+          </a:p>
+          <a:p>
+            <a:pPr lvl="1"/>
+            <a:r>
+              <a:rPr lang="en-US"/>
+              <a:t>Second level</a:t>
+            </a:r>
+          </a:p>
+          <a:p>
+            <a:pPr lvl="2"/>
+            <a:r>
+              <a:rPr lang="en-US"/>
+              <a:t>Third level</a:t>
+            </a:r>
+          </a:p>
+          <a:p>
+            <a:pPr lvl="3"/>
+            <a:r>
+              <a:rPr lang="en-US"/>
+              <a:t>Fourth level</a:t>
+            </a:r>
+          </a:p>
+          <a:p>
+            <a:pPr lvl="4"/>
+            <a:r>
+              <a:rPr lang="en-US"/>
+              <a:t>Fifth level</a:t>
+            </a:r>
+            <a:endParaRPr lang="de-DE"/>
+          </a:p>
+        </p:txBody>
+      </p:sp>
+      <p:sp>
+        <p:nvSpPr>
+          <p:cNvPr id="6" name="Footer Placeholder 5"/>
+          <p:cNvSpPr>
+            <a:spLocks noGrp="1"/>
+          </p:cNvSpPr>
+          <p:nvPr>
+            <p:ph type="ftr" sz="quarter" idx="4"/>
+          </p:nvPr>
+        </p:nvSpPr>
+        <p:spPr>
+          <a:xfrm>
+            <a:off x="0" y="8685213"/>
+            <a:ext cx="2971800" cy="458787"/>
+          </a:xfrm>
+          <a:prstGeom prst="rect">
+            <a:avLst/>
+          </a:prstGeom>
+        </p:spPr>
+        <p:txBody>
+          <a:bodyPr vert="horz" lIns="91440" tIns="45720" rIns="91440" bIns="45720" rtlCol="0" anchor="b"/>
+          <a:lstStyle>
+            <a:lvl1pPr algn="l">
+              <a:defRPr sz="1200"/>
+            </a:lvl1pPr>
+          </a:lstStyle>
+          <a:p>
+            <a:endParaRPr lang="de-DE"/>
+          </a:p>
+        </p:txBody>
+      </p:sp>
+      <p:sp>
+        <p:nvSpPr>
+          <p:cNvPr id="7" name="Slide Number Placeholder 6"/>
+          <p:cNvSpPr>
+            <a:spLocks noGrp="1"/>
+          </p:cNvSpPr>
+          <p:nvPr>
+            <p:ph type="sldNum" sz="quarter" idx="5"/>
+          </p:nvPr>
+        </p:nvSpPr>
+        <p:spPr>
+          <a:xfrm>
+            <a:off x="3884613" y="8685213"/>
+            <a:ext cx="2971800" cy="458787"/>
+          </a:xfrm>
+          <a:prstGeom prst="rect">
+            <a:avLst/>
+          </a:prstGeom>
+        </p:spPr>
+        <p:txBody>
+          <a:bodyPr vert="horz" lIns="91440" tIns="45720" rIns="91440" bIns="45720" rtlCol="0" anchor="b"/>
+          <a:lstStyle>
+            <a:lvl1pPr algn="r">
+              <a:defRPr sz="1200"/>
+            </a:lvl1pPr>
+          </a:lstStyle>
+          <a:p>
+            <a:fld id="{39A2FA89-5C40-43E3-96EB-3554E1C73D37}" type="slidenum">
+              <a:rPr lang="de-DE" smtClean="0"/>
+              <a:t>‹#›</a:t>
+            </a:fld>
+            <a:endParaRPr lang="de-DE"/>
+          </a:p>
+        </p:txBody>
+      </p:sp>
+    </p:spTree>
+    <p:extLst>
+      <p:ext uri="{BB962C8B-B14F-4D97-AF65-F5344CB8AC3E}">
+        <p14:creationId xmlns:p14="http://schemas.microsoft.com/office/powerpoint/2010/main" val="1100514512"/>
+      </p:ext>
+    </p:extLst>
+  </p:cSld>
+  <p:clrMap bg1="lt1" tx1="dk1" bg2="lt2" tx2="dk2" accent1="accent1" accent2="accent2" accent3="accent3" accent4="accent4" accent5="accent5" accent6="accent6" hlink="hlink" folHlink="folHlink"/>
+  <p:notesStyle>
+    <a:lvl1pPr marL="0" algn="l" defTabSz="914400" rtl="0" eaLnBrk="1" latinLnBrk="0" hangingPunct="1">
+      <a:defRPr sz="1200" kern="1200">
+        <a:solidFill>
+          <a:schemeClr val="tx1"/>
+        </a:solidFill>
+        <a:latin typeface="+mn-lt"/>
+        <a:ea typeface="+mn-ea"/>
+        <a:cs typeface="+mn-cs"/>
+      </a:defRPr>
+    </a:lvl1pPr>
+    <a:lvl2pPr marL="457200" algn="l" defTabSz="914400" rtl="0" eaLnBrk="1" latinLnBrk="0" hangingPunct="1">
+      <a:defRPr sz="1200" kern="1200">
+        <a:solidFill>
+          <a:schemeClr val="tx1"/>
+        </a:solidFill>
+        <a:latin typeface="+mn-lt"/>
+        <a:ea typeface="+mn-ea"/>
+        <a:cs typeface="+mn-cs"/>
+      </a:defRPr>
+    </a:lvl2pPr>
+    <a:lvl3pPr marL="914400" algn="l" defTabSz="914400" rtl="0" eaLnBrk="1" latinLnBrk="0" hangingPunct="1">
+      <a:defRPr sz="1200" kern="1200">
+        <a:solidFill>
+          <a:schemeClr val="tx1"/>
+        </a:solidFill>
+        <a:latin typeface="+mn-lt"/>
+        <a:ea typeface="+mn-ea"/>
+        <a:cs typeface="+mn-cs"/>
+      </a:defRPr>
+    </a:lvl3pPr>
+    <a:lvl4pPr marL="1371600" algn="l" defTabSz="914400" rtl="0" eaLnBrk="1" latinLnBrk="0" hangingPunct="1">
+      <a:defRPr sz="1200" kern="1200">
+        <a:solidFill>
+          <a:schemeClr val="tx1"/>
+        </a:solidFill>
+        <a:latin typeface="+mn-lt"/>
+        <a:ea typeface="+mn-ea"/>
+        <a:cs typeface="+mn-cs"/>
+      </a:defRPr>
+    </a:lvl4pPr>
+    <a:lvl5pPr marL="1828800" algn="l" defTabSz="914400" rtl="0" eaLnBrk="1" latinLnBrk="0" hangingPunct="1">
+      <a:defRPr sz="1200" kern="1200">
+        <a:solidFill>
+          <a:schemeClr val="tx1"/>
+        </a:solidFill>
+        <a:latin typeface="+mn-lt"/>
+        <a:ea typeface="+mn-ea"/>
+        <a:cs typeface="+mn-cs"/>
+      </a:defRPr>
+    </a:lvl5pPr>
+    <a:lvl6pPr marL="2286000" algn="l" defTabSz="914400" rtl="0" eaLnBrk="1" latinLnBrk="0" hangingPunct="1">
+      <a:defRPr sz="1200" kern="1200">
+        <a:solidFill>
+          <a:schemeClr val="tx1"/>
+        </a:solidFill>
+        <a:latin typeface="+mn-lt"/>
+        <a:ea typeface="+mn-ea"/>
+        <a:cs typeface="+mn-cs"/>
+      </a:defRPr>
+    </a:lvl6pPr>
+    <a:lvl7pPr marL="2743200" algn="l" defTabSz="914400" rtl="0" eaLnBrk="1" latinLnBrk="0" hangingPunct="1">
+      <a:defRPr sz="1200" kern="1200">
+        <a:solidFill>
+          <a:schemeClr val="tx1"/>
+        </a:solidFill>
+        <a:latin typeface="+mn-lt"/>
+        <a:ea typeface="+mn-ea"/>
+        <a:cs typeface="+mn-cs"/>
+      </a:defRPr>
+    </a:lvl7pPr>
+    <a:lvl8pPr marL="3200400" algn="l" defTabSz="914400" rtl="0" eaLnBrk="1" latinLnBrk="0" hangingPunct="1">
+      <a:defRPr sz="1200" kern="1200">
+        <a:solidFill>
+          <a:schemeClr val="tx1"/>
+        </a:solidFill>
+        <a:latin typeface="+mn-lt"/>
+        <a:ea typeface="+mn-ea"/>
+        <a:cs typeface="+mn-cs"/>
+      </a:defRPr>
+    </a:lvl8pPr>
+    <a:lvl9pPr marL="3657600" algn="l" defTabSz="914400" rtl="0" eaLnBrk="1" latinLnBrk="0" hangingPunct="1">
+      <a:defRPr sz="1200" kern="1200">
+        <a:solidFill>
+          <a:schemeClr val="tx1"/>
+        </a:solidFill>
+        <a:latin typeface="+mn-lt"/>
+        <a:ea typeface="+mn-ea"/>
+        <a:cs typeface="+mn-cs"/>
+      </a:defRPr>
+    </a:lvl9pPr>
+  </p:notesStyle>
+</p:notesMaster>
 </file>
 
 <file path=ppt/slideLayouts/slideLayout1.xml><?xml version="1.0" encoding="utf-8"?>
@@ -378,7 +750,7 @@
           </a:lstStyle>
           <a:p>
             <a:r>
-              <a:rPr lang="en-US" smtClean="0"/>
+              <a:rPr lang="en-US"/>
               <a:t>Click to edit Master title style</a:t>
             </a:r>
             <a:endParaRPr lang="en-US" dirty="0"/>
@@ -499,7 +871,7 @@
           </a:lstStyle>
           <a:p>
             <a:r>
-              <a:rPr lang="en-US" smtClean="0"/>
+              <a:rPr lang="en-US"/>
               <a:t>Click to edit Master subtitle style</a:t>
             </a:r>
             <a:endParaRPr lang="en-US" dirty="0"/>
@@ -526,9 +898,9 @@
           <a:bodyPr/>
           <a:lstStyle/>
           <a:p>
-            <a:fld id="{B58B6D85-6F87-46AF-AEA9-FBD5CDE40F21}" type="datetimeFigureOut">
+            <a:fld id="{7C830B46-A2EC-427A-8D8F-84E100DD4E10}" type="datetime1">
               <a:rPr lang="en-ZA" smtClean="0"/>
-              <a:t>2021/01/23</a:t>
+              <a:t>2021/01/24</a:t>
             </a:fld>
             <a:endParaRPr lang="en-ZA"/>
           </a:p>
@@ -627,10 +999,9 @@
           <a:lstStyle/>
           <a:p>
             <a:r>
-              <a:rPr lang="en-US" smtClean="0"/>
+              <a:rPr lang="en-US"/>
               <a:t>Click to edit Master title style</a:t>
             </a:r>
-            <a:endParaRPr lang="en-US"/>
           </a:p>
         </p:txBody>
       </p:sp>
@@ -651,38 +1022,37 @@
           <a:p>
             <a:pPr lvl="0"/>
             <a:r>
-              <a:rPr lang="en-US" smtClean="0"/>
+              <a:rPr lang="en-US"/>
               <a:t>Click to edit Master text styles</a:t>
             </a:r>
           </a:p>
           <a:p>
             <a:pPr lvl="1"/>
             <a:r>
-              <a:rPr lang="en-US" smtClean="0"/>
+              <a:rPr lang="en-US"/>
               <a:t>Second level</a:t>
             </a:r>
           </a:p>
           <a:p>
             <a:pPr lvl="2"/>
             <a:r>
-              <a:rPr lang="en-US" smtClean="0"/>
+              <a:rPr lang="en-US"/>
               <a:t>Third level</a:t>
             </a:r>
           </a:p>
           <a:p>
             <a:pPr lvl="3"/>
             <a:r>
-              <a:rPr lang="en-US" smtClean="0"/>
+              <a:rPr lang="en-US"/>
               <a:t>Fourth level</a:t>
             </a:r>
           </a:p>
           <a:p>
             <a:pPr lvl="4"/>
             <a:r>
-              <a:rPr lang="en-US" smtClean="0"/>
+              <a:rPr lang="en-US"/>
               <a:t>Fifth level</a:t>
             </a:r>
-            <a:endParaRPr lang="en-US"/>
           </a:p>
         </p:txBody>
       </p:sp>
@@ -860,9 +1230,9 @@
           <a:bodyPr/>
           <a:lstStyle/>
           <a:p>
-            <a:fld id="{B58B6D85-6F87-46AF-AEA9-FBD5CDE40F21}" type="datetimeFigureOut">
+            <a:fld id="{203DA2A9-DE62-4E7E-AEE6-80C6A6D9707D}" type="datetime1">
               <a:rPr lang="en-ZA" smtClean="0"/>
-              <a:t>2021/01/23</a:t>
+              <a:t>2021/01/24</a:t>
             </a:fld>
             <a:endParaRPr lang="en-ZA"/>
           </a:p>
@@ -1012,7 +1382,7 @@
           <a:lstStyle/>
           <a:p>
             <a:r>
-              <a:rPr lang="en-US" smtClean="0"/>
+              <a:rPr lang="en-US"/>
               <a:t>Click to edit Master title style</a:t>
             </a:r>
             <a:endParaRPr lang="en-US" dirty="0"/>
@@ -1041,35 +1411,35 @@
           <a:p>
             <a:pPr lvl="0"/>
             <a:r>
-              <a:rPr lang="en-US" smtClean="0"/>
+              <a:rPr lang="en-US"/>
               <a:t>Click to edit Master text styles</a:t>
             </a:r>
           </a:p>
           <a:p>
             <a:pPr lvl="1"/>
             <a:r>
-              <a:rPr lang="en-US" smtClean="0"/>
+              <a:rPr lang="en-US"/>
               <a:t>Second level</a:t>
             </a:r>
           </a:p>
           <a:p>
             <a:pPr lvl="2"/>
             <a:r>
-              <a:rPr lang="en-US" smtClean="0"/>
+              <a:rPr lang="en-US"/>
               <a:t>Third level</a:t>
             </a:r>
           </a:p>
           <a:p>
             <a:pPr lvl="3"/>
             <a:r>
-              <a:rPr lang="en-US" smtClean="0"/>
+              <a:rPr lang="en-US"/>
               <a:t>Fourth level</a:t>
             </a:r>
           </a:p>
           <a:p>
             <a:pPr lvl="4"/>
             <a:r>
-              <a:rPr lang="en-US" smtClean="0"/>
+              <a:rPr lang="en-US"/>
               <a:t>Fifth level</a:t>
             </a:r>
             <a:endParaRPr lang="en-US" dirty="0"/>
@@ -1250,9 +1620,9 @@
           <a:bodyPr/>
           <a:lstStyle/>
           <a:p>
-            <a:fld id="{B58B6D85-6F87-46AF-AEA9-FBD5CDE40F21}" type="datetimeFigureOut">
+            <a:fld id="{B40CBDA8-46E5-4F14-8ED4-C4D70764873D}" type="datetime1">
               <a:rPr lang="en-ZA" smtClean="0"/>
-              <a:t>2021/01/23</a:t>
+              <a:t>2021/01/24</a:t>
             </a:fld>
             <a:endParaRPr lang="en-ZA"/>
           </a:p>
@@ -1612,10 +1982,9 @@
           <a:lstStyle/>
           <a:p>
             <a:r>
-              <a:rPr lang="en-US" smtClean="0"/>
+              <a:rPr lang="en-US"/>
               <a:t>Click to edit Master title style</a:t>
             </a:r>
-            <a:endParaRPr lang="en-US"/>
           </a:p>
         </p:txBody>
       </p:sp>
@@ -1636,38 +2005,37 @@
           <a:p>
             <a:pPr lvl="0"/>
             <a:r>
-              <a:rPr lang="en-US" smtClean="0"/>
+              <a:rPr lang="en-US"/>
               <a:t>Click to edit Master text styles</a:t>
             </a:r>
           </a:p>
           <a:p>
             <a:pPr lvl="1"/>
             <a:r>
-              <a:rPr lang="en-US" smtClean="0"/>
+              <a:rPr lang="en-US"/>
               <a:t>Second level</a:t>
             </a:r>
           </a:p>
           <a:p>
             <a:pPr lvl="2"/>
             <a:r>
-              <a:rPr lang="en-US" smtClean="0"/>
+              <a:rPr lang="en-US"/>
               <a:t>Third level</a:t>
             </a:r>
           </a:p>
           <a:p>
             <a:pPr lvl="3"/>
             <a:r>
-              <a:rPr lang="en-US" smtClean="0"/>
+              <a:rPr lang="en-US"/>
               <a:t>Fourth level</a:t>
             </a:r>
           </a:p>
           <a:p>
             <a:pPr lvl="4"/>
             <a:r>
-              <a:rPr lang="en-US" smtClean="0"/>
+              <a:rPr lang="en-US"/>
               <a:t>Fifth level</a:t>
             </a:r>
-            <a:endParaRPr lang="en-US"/>
           </a:p>
         </p:txBody>
       </p:sp>
@@ -1686,9 +2054,9 @@
           <a:bodyPr/>
           <a:lstStyle/>
           <a:p>
-            <a:fld id="{B58B6D85-6F87-46AF-AEA9-FBD5CDE40F21}" type="datetimeFigureOut">
+            <a:fld id="{E75B8BEE-FE19-4A3F-832F-20365A76ECDA}" type="datetime1">
               <a:rPr lang="en-ZA" smtClean="0"/>
-              <a:t>2021/01/23</a:t>
+              <a:t>2021/01/24</a:t>
             </a:fld>
             <a:endParaRPr lang="en-ZA"/>
           </a:p>
@@ -1947,7 +2315,7 @@
           </a:lstStyle>
           <a:p>
             <a:r>
-              <a:rPr lang="en-US" smtClean="0"/>
+              <a:rPr lang="en-US"/>
               <a:t>Click to edit Master title style</a:t>
             </a:r>
             <a:endParaRPr lang="en-US" dirty="0"/>
@@ -2069,7 +2437,7 @@
           <a:p>
             <a:pPr lvl="0"/>
             <a:r>
-              <a:rPr lang="en-US" smtClean="0"/>
+              <a:rPr lang="en-US"/>
               <a:t>Click to edit Master text styles</a:t>
             </a:r>
           </a:p>
@@ -2119,9 +2487,9 @@
           <a:bodyPr/>
           <a:lstStyle/>
           <a:p>
-            <a:fld id="{B58B6D85-6F87-46AF-AEA9-FBD5CDE40F21}" type="datetimeFigureOut">
+            <a:fld id="{6C7A8444-4954-46F4-B2FA-0551C5A13827}" type="datetime1">
               <a:rPr lang="en-ZA" smtClean="0"/>
-              <a:t>2021/01/23</a:t>
+              <a:t>2021/01/24</a:t>
             </a:fld>
             <a:endParaRPr lang="en-ZA"/>
           </a:p>
@@ -2284,10 +2652,9 @@
           <a:lstStyle/>
           <a:p>
             <a:r>
-              <a:rPr lang="en-US" smtClean="0"/>
+              <a:rPr lang="en-US"/>
               <a:t>Click to edit Master title style</a:t>
             </a:r>
-            <a:endParaRPr lang="en-US"/>
           </a:p>
         </p:txBody>
       </p:sp>
@@ -2337,38 +2704,37 @@
           <a:p>
             <a:pPr lvl="0"/>
             <a:r>
-              <a:rPr lang="en-US" smtClean="0"/>
+              <a:rPr lang="en-US"/>
               <a:t>Click to edit Master text styles</a:t>
             </a:r>
           </a:p>
           <a:p>
             <a:pPr lvl="1"/>
             <a:r>
-              <a:rPr lang="en-US" smtClean="0"/>
+              <a:rPr lang="en-US"/>
               <a:t>Second level</a:t>
             </a:r>
           </a:p>
           <a:p>
             <a:pPr lvl="2"/>
             <a:r>
-              <a:rPr lang="en-US" smtClean="0"/>
+              <a:rPr lang="en-US"/>
               <a:t>Third level</a:t>
             </a:r>
           </a:p>
           <a:p>
             <a:pPr lvl="3"/>
             <a:r>
-              <a:rPr lang="en-US" smtClean="0"/>
+              <a:rPr lang="en-US"/>
               <a:t>Fourth level</a:t>
             </a:r>
           </a:p>
           <a:p>
             <a:pPr lvl="4"/>
             <a:r>
-              <a:rPr lang="en-US" smtClean="0"/>
+              <a:rPr lang="en-US"/>
               <a:t>Fifth level</a:t>
             </a:r>
-            <a:endParaRPr lang="en-US"/>
           </a:p>
         </p:txBody>
       </p:sp>
@@ -2394,38 +2760,37 @@
           <a:p>
             <a:pPr lvl="0"/>
             <a:r>
-              <a:rPr lang="en-US" smtClean="0"/>
+              <a:rPr lang="en-US"/>
               <a:t>Click to edit Master text styles</a:t>
             </a:r>
           </a:p>
           <a:p>
             <a:pPr lvl="1"/>
             <a:r>
-              <a:rPr lang="en-US" smtClean="0"/>
+              <a:rPr lang="en-US"/>
               <a:t>Second level</a:t>
             </a:r>
           </a:p>
           <a:p>
             <a:pPr lvl="2"/>
             <a:r>
-              <a:rPr lang="en-US" smtClean="0"/>
+              <a:rPr lang="en-US"/>
               <a:t>Third level</a:t>
             </a:r>
           </a:p>
           <a:p>
             <a:pPr lvl="3"/>
             <a:r>
-              <a:rPr lang="en-US" smtClean="0"/>
+              <a:rPr lang="en-US"/>
               <a:t>Fourth level</a:t>
             </a:r>
           </a:p>
           <a:p>
             <a:pPr lvl="4"/>
             <a:r>
-              <a:rPr lang="en-US" smtClean="0"/>
+              <a:rPr lang="en-US"/>
               <a:t>Fifth level</a:t>
             </a:r>
-            <a:endParaRPr lang="en-US"/>
           </a:p>
         </p:txBody>
       </p:sp>
@@ -2603,9 +2968,9 @@
           <a:bodyPr/>
           <a:lstStyle/>
           <a:p>
-            <a:fld id="{B58B6D85-6F87-46AF-AEA9-FBD5CDE40F21}" type="datetimeFigureOut">
+            <a:fld id="{1D30602B-60D8-4ABC-8D5D-1F522C9BC656}" type="datetime1">
               <a:rPr lang="en-ZA" smtClean="0"/>
-              <a:t>2021/01/23</a:t>
+              <a:t>2021/01/24</a:t>
             </a:fld>
             <a:endParaRPr lang="en-ZA"/>
           </a:p>
@@ -2698,10 +3063,9 @@
           </a:lstStyle>
           <a:p>
             <a:r>
-              <a:rPr lang="en-US" smtClean="0"/>
+              <a:rPr lang="en-US"/>
               <a:t>Click to edit Master title style</a:t>
             </a:r>
-            <a:endParaRPr lang="en-US"/>
           </a:p>
         </p:txBody>
       </p:sp>
@@ -2769,7 +3133,7 @@
           <a:p>
             <a:pPr lvl="0"/>
             <a:r>
-              <a:rPr lang="en-US" smtClean="0"/>
+              <a:rPr lang="en-US"/>
               <a:t>Click to edit Master text styles</a:t>
             </a:r>
           </a:p>
@@ -2863,7 +3227,7 @@
           <a:p>
             <a:pPr lvl="0"/>
             <a:r>
-              <a:rPr lang="en-US" smtClean="0"/>
+              <a:rPr lang="en-US"/>
               <a:t>Click to edit Master text styles</a:t>
             </a:r>
           </a:p>
@@ -2891,38 +3255,37 @@
           <a:p>
             <a:pPr lvl="0"/>
             <a:r>
-              <a:rPr lang="en-US" smtClean="0"/>
+              <a:rPr lang="en-US"/>
               <a:t>Click to edit Master text styles</a:t>
             </a:r>
           </a:p>
           <a:p>
             <a:pPr lvl="1"/>
             <a:r>
-              <a:rPr lang="en-US" smtClean="0"/>
+              <a:rPr lang="en-US"/>
               <a:t>Second level</a:t>
             </a:r>
           </a:p>
           <a:p>
             <a:pPr lvl="2"/>
             <a:r>
-              <a:rPr lang="en-US" smtClean="0"/>
+              <a:rPr lang="en-US"/>
               <a:t>Third level</a:t>
             </a:r>
           </a:p>
           <a:p>
             <a:pPr lvl="3"/>
             <a:r>
-              <a:rPr lang="en-US" smtClean="0"/>
+              <a:rPr lang="en-US"/>
               <a:t>Fourth level</a:t>
             </a:r>
           </a:p>
           <a:p>
             <a:pPr lvl="4"/>
             <a:r>
-              <a:rPr lang="en-US" smtClean="0"/>
+              <a:rPr lang="en-US"/>
               <a:t>Fifth level</a:t>
             </a:r>
-            <a:endParaRPr lang="en-US"/>
           </a:p>
         </p:txBody>
       </p:sp>
@@ -2948,35 +3311,35 @@
           <a:p>
             <a:pPr lvl="0"/>
             <a:r>
-              <a:rPr lang="en-US" smtClean="0"/>
+              <a:rPr lang="en-US"/>
               <a:t>Click to edit Master text styles</a:t>
             </a:r>
           </a:p>
           <a:p>
             <a:pPr lvl="1"/>
             <a:r>
-              <a:rPr lang="en-US" smtClean="0"/>
+              <a:rPr lang="en-US"/>
               <a:t>Second level</a:t>
             </a:r>
           </a:p>
           <a:p>
             <a:pPr lvl="2"/>
             <a:r>
-              <a:rPr lang="en-US" smtClean="0"/>
+              <a:rPr lang="en-US"/>
               <a:t>Third level</a:t>
             </a:r>
           </a:p>
           <a:p>
             <a:pPr lvl="3"/>
             <a:r>
-              <a:rPr lang="en-US" smtClean="0"/>
+              <a:rPr lang="en-US"/>
               <a:t>Fourth level</a:t>
             </a:r>
           </a:p>
           <a:p>
             <a:pPr lvl="4"/>
             <a:r>
-              <a:rPr lang="en-US" smtClean="0"/>
+              <a:rPr lang="en-US"/>
               <a:t>Fifth level</a:t>
             </a:r>
             <a:endParaRPr lang="en-US" dirty="0"/>
@@ -3189,9 +3552,9 @@
           <a:bodyPr/>
           <a:lstStyle/>
           <a:p>
-            <a:fld id="{B58B6D85-6F87-46AF-AEA9-FBD5CDE40F21}" type="datetimeFigureOut">
+            <a:fld id="{9043D78C-35BC-4D63-B1E6-62C1B78EC277}" type="datetime1">
               <a:rPr lang="en-ZA" smtClean="0"/>
-              <a:t>2021/01/23</a:t>
+              <a:t>2021/01/24</a:t>
             </a:fld>
             <a:endParaRPr lang="en-ZA"/>
           </a:p>
@@ -3280,10 +3643,9 @@
           <a:lstStyle/>
           <a:p>
             <a:r>
-              <a:rPr lang="en-US" smtClean="0"/>
+              <a:rPr lang="en-US"/>
               <a:t>Click to edit Master title style</a:t>
             </a:r>
-            <a:endParaRPr lang="en-US"/>
           </a:p>
         </p:txBody>
       </p:sp>
@@ -3517,9 +3879,9 @@
           <a:bodyPr/>
           <a:lstStyle/>
           <a:p>
-            <a:fld id="{B58B6D85-6F87-46AF-AEA9-FBD5CDE40F21}" type="datetimeFigureOut">
+            <a:fld id="{E2B72425-8363-4373-8C26-9E2A99C7E8DB}" type="datetime1">
               <a:rPr lang="en-ZA" smtClean="0"/>
-              <a:t>2021/01/23</a:t>
+              <a:t>2021/01/24</a:t>
             </a:fld>
             <a:endParaRPr lang="en-ZA"/>
           </a:p>
@@ -3766,9 +4128,9 @@
           <a:bodyPr/>
           <a:lstStyle/>
           <a:p>
-            <a:fld id="{B58B6D85-6F87-46AF-AEA9-FBD5CDE40F21}" type="datetimeFigureOut">
+            <a:fld id="{704B1348-A818-4749-A7C1-DE49C4024F71}" type="datetime1">
               <a:rPr lang="en-ZA" smtClean="0"/>
-              <a:t>2021/01/23</a:t>
+              <a:t>2021/01/24</a:t>
             </a:fld>
             <a:endParaRPr lang="en-ZA"/>
           </a:p>
@@ -3929,7 +4291,7 @@
           <a:p>
             <a:pPr lvl="0"/>
             <a:r>
-              <a:rPr lang="en-US" smtClean="0"/>
+              <a:rPr lang="en-US"/>
               <a:t>Click to edit Master title style</a:t>
             </a:r>
           </a:p>
@@ -3957,38 +4319,37 @@
           <a:p>
             <a:pPr lvl="0"/>
             <a:r>
-              <a:rPr lang="en-US" smtClean="0"/>
+              <a:rPr lang="en-US"/>
               <a:t>Click to edit Master text styles</a:t>
             </a:r>
           </a:p>
           <a:p>
             <a:pPr lvl="1"/>
             <a:r>
-              <a:rPr lang="en-US" smtClean="0"/>
+              <a:rPr lang="en-US"/>
               <a:t>Second level</a:t>
             </a:r>
           </a:p>
           <a:p>
             <a:pPr lvl="2"/>
             <a:r>
-              <a:rPr lang="en-US" smtClean="0"/>
+              <a:rPr lang="en-US"/>
               <a:t>Third level</a:t>
             </a:r>
           </a:p>
           <a:p>
             <a:pPr lvl="3"/>
             <a:r>
-              <a:rPr lang="en-US" smtClean="0"/>
+              <a:rPr lang="en-US"/>
               <a:t>Fourth level</a:t>
             </a:r>
           </a:p>
           <a:p>
             <a:pPr lvl="4"/>
             <a:r>
-              <a:rPr lang="en-US" smtClean="0"/>
+              <a:rPr lang="en-US"/>
               <a:t>Fifth level</a:t>
             </a:r>
-            <a:endParaRPr lang="en-US"/>
           </a:p>
         </p:txBody>
       </p:sp>
@@ -4057,7 +4418,7 @@
           <a:p>
             <a:pPr lvl="0"/>
             <a:r>
-              <a:rPr lang="en-US" smtClean="0"/>
+              <a:rPr lang="en-US"/>
               <a:t>Click to edit Master text styles</a:t>
             </a:r>
           </a:p>
@@ -4269,9 +4630,9 @@
           <a:bodyPr/>
           <a:lstStyle/>
           <a:p>
-            <a:fld id="{B58B6D85-6F87-46AF-AEA9-FBD5CDE40F21}" type="datetimeFigureOut">
+            <a:fld id="{7A4BD097-EC90-4BB1-A0E1-1D91A9F26359}" type="datetime1">
               <a:rPr lang="en-ZA" smtClean="0"/>
-              <a:t>2021/01/23</a:t>
+              <a:t>2021/01/24</a:t>
             </a:fld>
             <a:endParaRPr lang="en-ZA"/>
           </a:p>
@@ -4550,7 +4911,7 @@
               <a:buNone/>
             </a:pPr>
             <a:r>
-              <a:rPr lang="en-US" smtClean="0"/>
+              <a:rPr lang="en-US"/>
               <a:t>Click to edit Master title style</a:t>
             </a:r>
             <a:endParaRPr lang="en-US" dirty="0"/>
@@ -4620,7 +4981,7 @@
           </a:lstStyle>
           <a:p>
             <a:r>
-              <a:rPr lang="en-US" smtClean="0"/>
+              <a:rPr lang="en-US"/>
               <a:t>Click icon to add picture</a:t>
             </a:r>
             <a:endParaRPr lang="en-US" dirty="0"/>
@@ -4699,7 +5060,7 @@
           <a:p>
             <a:pPr lvl="0"/>
             <a:r>
-              <a:rPr lang="en-US" smtClean="0"/>
+              <a:rPr lang="en-US"/>
               <a:t>Click to edit Master text styles</a:t>
             </a:r>
           </a:p>
@@ -4720,9 +5081,9 @@
           <a:bodyPr/>
           <a:lstStyle/>
           <a:p>
-            <a:fld id="{B58B6D85-6F87-46AF-AEA9-FBD5CDE40F21}" type="datetimeFigureOut">
+            <a:fld id="{CAD7D4A2-1917-4A6B-9695-912788A3FED3}" type="datetime1">
               <a:rPr lang="en-ZA" smtClean="0"/>
-              <a:t>2021/01/23</a:t>
+              <a:t>2021/01/24</a:t>
             </a:fld>
             <a:endParaRPr lang="en-ZA"/>
           </a:p>
@@ -5022,7 +5383,7 @@
           <a:lstStyle/>
           <a:p>
             <a:r>
-              <a:rPr lang="en-US" smtClean="0"/>
+              <a:rPr lang="en-US"/>
               <a:t>Click to edit Master title style</a:t>
             </a:r>
             <a:endParaRPr lang="en-US" dirty="0"/>
@@ -5056,35 +5417,35 @@
           <a:p>
             <a:pPr lvl="0"/>
             <a:r>
-              <a:rPr lang="en-US" smtClean="0"/>
+              <a:rPr lang="en-US"/>
               <a:t>Click to edit Master text styles</a:t>
             </a:r>
           </a:p>
           <a:p>
             <a:pPr lvl="1"/>
             <a:r>
-              <a:rPr lang="en-US" smtClean="0"/>
+              <a:rPr lang="en-US"/>
               <a:t>Second level</a:t>
             </a:r>
           </a:p>
           <a:p>
             <a:pPr lvl="2"/>
             <a:r>
-              <a:rPr lang="en-US" smtClean="0"/>
+              <a:rPr lang="en-US"/>
               <a:t>Third level</a:t>
             </a:r>
           </a:p>
           <a:p>
             <a:pPr lvl="3"/>
             <a:r>
-              <a:rPr lang="en-US" smtClean="0"/>
+              <a:rPr lang="en-US"/>
               <a:t>Fourth level</a:t>
             </a:r>
           </a:p>
           <a:p>
             <a:pPr lvl="4"/>
             <a:r>
-              <a:rPr lang="en-US" smtClean="0"/>
+              <a:rPr lang="en-US"/>
               <a:t>Fifth level</a:t>
             </a:r>
             <a:endParaRPr lang="en-US" dirty="0"/>
@@ -5122,9 +5483,9 @@
             </a:lvl1pPr>
           </a:lstStyle>
           <a:p>
-            <a:fld id="{B58B6D85-6F87-46AF-AEA9-FBD5CDE40F21}" type="datetimeFigureOut">
+            <a:fld id="{66C507BD-2102-4C6C-AE53-1C9B877C518E}" type="datetime1">
               <a:rPr lang="en-ZA" smtClean="0"/>
-              <a:t>2021/01/23</a:t>
+              <a:t>2021/01/24</a:t>
             </a:fld>
             <a:endParaRPr lang="en-ZA"/>
           </a:p>
@@ -5220,6 +5581,7 @@
     <p:sldLayoutId id="2147483670" r:id="rId10"/>
     <p:sldLayoutId id="2147483671" r:id="rId11"/>
   </p:sldLayoutIdLst>
+  <p:hf hdr="0" ftr="0" dt="0"/>
   <p:txStyles>
     <p:titleStyle>
       <a:lvl1pPr algn="l" defTabSz="914400" rtl="0" eaLnBrk="1" latinLnBrk="0" hangingPunct="1">
@@ -5634,17 +5996,16 @@
           <a:lstStyle/>
           <a:p>
             <a:r>
-              <a:rPr lang="en-ZA" dirty="0" smtClean="0"/>
+              <a:rPr lang="en-ZA" dirty="0"/>
               <a:t>IMAGE SEGMENTATION </a:t>
             </a:r>
             <a:br>
-              <a:rPr lang="en-ZA" dirty="0" smtClean="0"/>
+              <a:rPr lang="en-ZA" dirty="0"/>
             </a:br>
             <a:r>
-              <a:rPr lang="en-ZA" dirty="0" smtClean="0"/>
+              <a:rPr lang="en-ZA" dirty="0"/>
               <a:t>DEEP LEARNING </a:t>
             </a:r>
-            <a:endParaRPr lang="en-ZA" dirty="0"/>
           </a:p>
         </p:txBody>
       </p:sp>
@@ -5671,7 +6032,7 @@
           <a:lstStyle/>
           <a:p>
             <a:r>
-              <a:rPr lang="en-ZA" dirty="0" smtClean="0"/>
+              <a:rPr lang="en-ZA" dirty="0"/>
               <a:t>SEGMENTING THE CARVANA IMAGE DATASET</a:t>
             </a:r>
           </a:p>
@@ -5702,7 +6063,7 @@
         </p:spPr>
         <p:txBody>
           <a:bodyPr vert="horz" lIns="0" tIns="0" rIns="0" bIns="45720" rtlCol="0">
-            <a:normAutofit fontScale="92500" lnSpcReduction="20000"/>
+            <a:normAutofit/>
           </a:bodyPr>
           <a:lstStyle>
             <a:lvl1pPr marL="0" indent="0" algn="l" defTabSz="914400" rtl="0" eaLnBrk="1" latinLnBrk="0" hangingPunct="1">
@@ -5932,52 +6293,80 @@
             </a:lvl9pPr>
           </a:lstStyle>
           <a:p>
-            <a:r>
-              <a:rPr lang="en-ZA" dirty="0" smtClean="0"/>
-              <a:t>BY </a:t>
-            </a:r>
-          </a:p>
-          <a:p>
-            <a:r>
-              <a:rPr lang="en-ZA" dirty="0" smtClean="0"/>
+            <a:endParaRPr lang="en-ZA" dirty="0"/>
+          </a:p>
+          <a:p>
+            <a:r>
+              <a:rPr lang="en-ZA" dirty="0"/>
               <a:t>ERWIN SMITH</a:t>
             </a:r>
           </a:p>
           <a:p>
             <a:r>
-              <a:rPr lang="en-ZA" dirty="0" smtClean="0"/>
+              <a:rPr lang="en-ZA" dirty="0"/>
               <a:t>SEBASTIAN KOCH</a:t>
             </a:r>
           </a:p>
           <a:p>
             <a:r>
-              <a:rPr lang="en-ZA" dirty="0" smtClean="0"/>
+              <a:rPr lang="en-ZA" dirty="0"/>
               <a:t>YI-JIE YANG</a:t>
             </a:r>
           </a:p>
           <a:p>
-            <a:r>
-              <a:rPr lang="en-ZA" dirty="0" smtClean="0"/>
-              <a:t>SUMAN?</a:t>
-            </a:r>
-          </a:p>
-          <a:p>
-            <a:endParaRPr lang="en-ZA" dirty="0" smtClean="0"/>
-          </a:p>
-          <a:p>
             <a:endParaRPr lang="en-ZA" dirty="0"/>
           </a:p>
           <a:p>
-            <a:endParaRPr lang="en-ZA" dirty="0" smtClean="0"/>
-          </a:p>
-          <a:p>
-            <a:endParaRPr lang="en-ZA" dirty="0" smtClean="0"/>
-          </a:p>
-          <a:p>
-            <a:endParaRPr lang="en-ZA" dirty="0" smtClean="0"/>
-          </a:p>
-          <a:p>
             <a:endParaRPr lang="en-ZA" dirty="0"/>
+          </a:p>
+          <a:p>
+            <a:endParaRPr lang="en-ZA" dirty="0"/>
+          </a:p>
+          <a:p>
+            <a:endParaRPr lang="en-ZA" dirty="0"/>
+          </a:p>
+          <a:p>
+            <a:endParaRPr lang="en-ZA" dirty="0"/>
+          </a:p>
+        </p:txBody>
+      </p:sp>
+      <p:sp>
+        <p:nvSpPr>
+          <p:cNvPr id="6" name="TextBox 5">
+            <a:extLst>
+              <a:ext uri="{FF2B5EF4-FFF2-40B4-BE49-F238E27FC236}">
+                <a16:creationId xmlns:a16="http://schemas.microsoft.com/office/drawing/2014/main" id="{18466DFA-5A29-41C1-9995-6585B070E9A8}"/>
+              </a:ext>
+            </a:extLst>
+          </p:cNvPr>
+          <p:cNvSpPr txBox="1"/>
+          <p:nvPr/>
+        </p:nvSpPr>
+        <p:spPr>
+          <a:xfrm>
+            <a:off x="2267744" y="6165304"/>
+            <a:ext cx="5362815" cy="307777"/>
+          </a:xfrm>
+          <a:prstGeom prst="rect">
+            <a:avLst/>
+          </a:prstGeom>
+          <a:noFill/>
+        </p:spPr>
+        <p:txBody>
+          <a:bodyPr wrap="none" rtlCol="0">
+            <a:spAutoFit/>
+          </a:bodyPr>
+          <a:lstStyle/>
+          <a:p>
+            <a:r>
+              <a:rPr lang="en-US" sz="1400" dirty="0"/>
+              <a:t>Check GitHub repository: yej117/</a:t>
+            </a:r>
+            <a:r>
+              <a:rPr lang="en-US" sz="1400" dirty="0" err="1"/>
+              <a:t>Image_Segmentation_Deep_Learning</a:t>
+            </a:r>
+            <a:endParaRPr lang="en-US" sz="1400" dirty="0"/>
           </a:p>
         </p:txBody>
       </p:sp>
@@ -6023,121 +6412,159 @@
         </p:nvSpPr>
         <p:spPr/>
         <p:txBody>
+          <a:bodyPr>
+            <a:normAutofit/>
+          </a:bodyPr>
+          <a:lstStyle/>
+          <a:p>
+            <a:r>
+              <a:rPr lang="de-DE" dirty="0"/>
+              <a:t>NETWORK ARCHITECTURE: U-</a:t>
+            </a:r>
+            <a:r>
+              <a:rPr lang="de-DE" dirty="0" err="1"/>
+              <a:t>net</a:t>
+            </a:r>
+            <a:r>
+              <a:rPr lang="de-DE" dirty="0"/>
+              <a:t> </a:t>
+            </a:r>
+            <a:r>
+              <a:rPr lang="en-ZA" sz="1400" dirty="0"/>
+              <a:t>(</a:t>
+            </a:r>
+            <a:r>
+              <a:rPr lang="en-ZA" sz="1400" dirty="0" err="1">
+                <a:solidFill>
+                  <a:srgbClr val="0070C0"/>
+                </a:solidFill>
+                <a:hlinkClick r:id="rId2">
+                  <a:extLst>
+                    <a:ext uri="{A12FA001-AC4F-418D-AE19-62706E023703}">
+                      <ahyp:hlinkClr xmlns:ahyp="http://schemas.microsoft.com/office/drawing/2018/hyperlinkcolor" val="tx"/>
+                    </a:ext>
+                  </a:extLst>
+                </a:hlinkClick>
+              </a:rPr>
+              <a:t>Ronneberger</a:t>
+            </a:r>
+            <a:r>
+              <a:rPr lang="en-ZA" sz="1400" dirty="0">
+                <a:solidFill>
+                  <a:srgbClr val="0070C0"/>
+                </a:solidFill>
+                <a:hlinkClick r:id="rId2">
+                  <a:extLst>
+                    <a:ext uri="{A12FA001-AC4F-418D-AE19-62706E023703}">
+                      <ahyp:hlinkClr xmlns:ahyp="http://schemas.microsoft.com/office/drawing/2018/hyperlinkcolor" val="tx"/>
+                    </a:ext>
+                  </a:extLst>
+                </a:hlinkClick>
+              </a:rPr>
+              <a:t> et al., 2015</a:t>
+            </a:r>
+            <a:r>
+              <a:rPr lang="en-ZA" sz="1400" dirty="0"/>
+              <a:t>)</a:t>
+            </a:r>
+            <a:endParaRPr lang="en-ZA" dirty="0"/>
+          </a:p>
+        </p:txBody>
+      </p:sp>
+      <p:sp>
+        <p:nvSpPr>
+          <p:cNvPr id="3" name="Content Placeholder 2"/>
+          <p:cNvSpPr>
+            <a:spLocks noGrp="1"/>
+          </p:cNvSpPr>
+          <p:nvPr>
+            <p:ph idx="1"/>
+          </p:nvPr>
+        </p:nvSpPr>
+        <p:spPr/>
+        <p:txBody>
           <a:bodyPr/>
           <a:lstStyle/>
           <a:p>
-            <a:r>
-              <a:rPr lang="en-ZA" dirty="0" smtClean="0"/>
-              <a:t>RESULTS:</a:t>
+            <a:pPr>
+              <a:lnSpc>
+                <a:spcPct val="150000"/>
+              </a:lnSpc>
+            </a:pPr>
+            <a:r>
+              <a:rPr lang="en-ZA" dirty="0"/>
+              <a:t>An end-to-end fully convolutional network with no dense layer</a:t>
+            </a:r>
+          </a:p>
+          <a:p>
+            <a:pPr>
+              <a:lnSpc>
+                <a:spcPct val="150000"/>
+              </a:lnSpc>
+            </a:pPr>
+            <a:r>
+              <a:rPr lang="en-US" dirty="0"/>
+              <a:t>Accept image of any size</a:t>
             </a:r>
             <a:endParaRPr lang="en-ZA" dirty="0"/>
           </a:p>
-        </p:txBody>
-      </p:sp>
-      <p:pic>
-        <p:nvPicPr>
-          <p:cNvPr id="3074" name="Picture 2"/>
-          <p:cNvPicPr>
-            <a:picLocks noGrp="1" noChangeAspect="1" noChangeArrowheads="1"/>
-          </p:cNvPicPr>
-          <p:nvPr>
-            <p:ph idx="1"/>
-          </p:nvPr>
-        </p:nvPicPr>
-        <p:blipFill>
-          <a:blip r:embed="rId2">
+          <a:p>
+            <a:pPr>
+              <a:lnSpc>
+                <a:spcPct val="150000"/>
+              </a:lnSpc>
+            </a:pPr>
+            <a:r>
+              <a:rPr lang="en-ZA" dirty="0"/>
+              <a:t>Especially useful for image segmentation tasks</a:t>
+            </a:r>
+          </a:p>
+          <a:p>
+            <a:pPr>
+              <a:lnSpc>
+                <a:spcPct val="150000"/>
+              </a:lnSpc>
+            </a:pPr>
+            <a:r>
+              <a:rPr lang="en-ZA" dirty="0"/>
+              <a:t>Works through repeated applications of convolutions, each followed by a rectified linear unit (</a:t>
+            </a:r>
+            <a:r>
+              <a:rPr lang="en-ZA" dirty="0" err="1"/>
+              <a:t>ReLU</a:t>
+            </a:r>
+            <a:r>
+              <a:rPr lang="en-ZA" dirty="0"/>
+              <a:t>) and max pooling (up-sampling)</a:t>
+            </a:r>
+          </a:p>
+        </p:txBody>
+      </p:sp>
+      <p:sp>
+        <p:nvSpPr>
+          <p:cNvPr id="4" name="Slide Number Placeholder 3">
             <a:extLst>
-              <a:ext uri="{28A0092B-C50C-407E-A947-70E740481C1C}">
-                <a14:useLocalDpi xmlns:a14="http://schemas.microsoft.com/office/drawing/2010/main" val="0"/>
+              <a:ext uri="{FF2B5EF4-FFF2-40B4-BE49-F238E27FC236}">
+                <a16:creationId xmlns:a16="http://schemas.microsoft.com/office/drawing/2014/main" id="{EFC3D43E-2042-4BFD-9BFC-1ED48590F5B8}"/>
               </a:ext>
             </a:extLst>
-          </a:blip>
-          <a:srcRect/>
-          <a:stretch>
-            <a:fillRect/>
-          </a:stretch>
-        </p:blipFill>
-        <p:spPr bwMode="auto">
-          <a:xfrm>
-            <a:off x="529390" y="1988840"/>
-            <a:ext cx="8219074" cy="4198050"/>
-          </a:xfrm>
-          <a:prstGeom prst="rect">
-            <a:avLst/>
-          </a:prstGeom>
-          <a:noFill/>
-          <a:ln>
-            <a:noFill/>
-          </a:ln>
-          <a:extLst>
-            <a:ext uri="{909E8E84-426E-40DD-AFC4-6F175D3DCCD1}">
-              <a14:hiddenFill xmlns:a14="http://schemas.microsoft.com/office/drawing/2010/main">
-                <a:solidFill>
-                  <a:schemeClr val="accent1"/>
-                </a:solidFill>
-              </a14:hiddenFill>
-            </a:ext>
-            <a:ext uri="{91240B29-F687-4F45-9708-019B960494DF}">
-              <a14:hiddenLine xmlns:a14="http://schemas.microsoft.com/office/drawing/2010/main" w="9525">
-                <a:solidFill>
-                  <a:schemeClr val="tx1"/>
-                </a:solidFill>
-                <a:miter lim="800000"/>
-                <a:headEnd/>
-                <a:tailEnd/>
-              </a14:hiddenLine>
-            </a:ext>
-          </a:extLst>
-        </p:spPr>
-      </p:pic>
-      <p:sp>
-        <p:nvSpPr>
-          <p:cNvPr id="4" name="Rectangle 3"/>
-          <p:cNvSpPr/>
-          <p:nvPr/>
-        </p:nvSpPr>
-        <p:spPr>
-          <a:xfrm>
-            <a:off x="1907704" y="1988840"/>
-            <a:ext cx="6840760" cy="4248472"/>
-          </a:xfrm>
-          <a:prstGeom prst="rect">
-            <a:avLst/>
-          </a:prstGeom>
-          <a:solidFill>
-            <a:schemeClr val="accent1">
-              <a:alpha val="0"/>
-            </a:schemeClr>
-          </a:solidFill>
-          <a:ln>
-            <a:solidFill>
-              <a:schemeClr val="accent1">
-                <a:shade val="50000"/>
-              </a:schemeClr>
-            </a:solidFill>
-          </a:ln>
-        </p:spPr>
-        <p:style>
-          <a:lnRef idx="2">
-            <a:schemeClr val="accent1">
-              <a:shade val="50000"/>
-            </a:schemeClr>
-          </a:lnRef>
-          <a:fillRef idx="1">
-            <a:schemeClr val="accent1"/>
-          </a:fillRef>
-          <a:effectRef idx="0">
-            <a:schemeClr val="accent1"/>
-          </a:effectRef>
-          <a:fontRef idx="minor">
-            <a:schemeClr val="lt1"/>
-          </a:fontRef>
-        </p:style>
-        <p:txBody>
-          <a:bodyPr rtlCol="0" anchor="ctr"/>
+          </p:cNvPr>
+          <p:cNvSpPr>
+            <a:spLocks noGrp="1"/>
+          </p:cNvSpPr>
+          <p:nvPr>
+            <p:ph type="sldNum" sz="quarter" idx="11"/>
+          </p:nvPr>
+        </p:nvSpPr>
+        <p:spPr/>
+        <p:txBody>
+          <a:bodyPr/>
           <a:lstStyle/>
           <a:p>
-            <a:pPr algn="ctr"/>
+            <a:fld id="{D27E33E7-AE20-4AF7-9F7C-3359FB83C8D6}" type="slidenum">
+              <a:rPr lang="en-ZA" smtClean="0"/>
+              <a:t>10</a:t>
+            </a:fld>
             <a:endParaRPr lang="en-ZA"/>
           </a:p>
         </p:txBody>
@@ -6145,7 +6572,7 @@
     </p:spTree>
     <p:extLst>
       <p:ext uri="{BB962C8B-B14F-4D97-AF65-F5344CB8AC3E}">
-        <p14:creationId xmlns:p14="http://schemas.microsoft.com/office/powerpoint/2010/main" val="1270914397"/>
+        <p14:creationId xmlns:p14="http://schemas.microsoft.com/office/powerpoint/2010/main" val="704688067"/>
       </p:ext>
     </p:extLst>
   </p:cSld>
@@ -6174,7 +6601,99 @@
       </p:grpSpPr>
       <p:sp>
         <p:nvSpPr>
-          <p:cNvPr id="2" name="Title 1"/>
+          <p:cNvPr id="11" name="Rectangle 10">
+            <a:extLst>
+              <a:ext uri="{FF2B5EF4-FFF2-40B4-BE49-F238E27FC236}">
+                <a16:creationId xmlns:a16="http://schemas.microsoft.com/office/drawing/2014/main" id="{3587B039-A364-421F-B030-16C608863690}"/>
+              </a:ext>
+            </a:extLst>
+          </p:cNvPr>
+          <p:cNvSpPr/>
+          <p:nvPr/>
+        </p:nvSpPr>
+        <p:spPr>
+          <a:xfrm>
+            <a:off x="0" y="1844824"/>
+            <a:ext cx="9144000" cy="4752528"/>
+          </a:xfrm>
+          <a:prstGeom prst="rect">
+            <a:avLst/>
+          </a:prstGeom>
+          <a:solidFill>
+            <a:schemeClr val="bg1"/>
+          </a:solidFill>
+          <a:ln>
+            <a:solidFill>
+              <a:schemeClr val="bg1"/>
+            </a:solidFill>
+          </a:ln>
+        </p:spPr>
+        <p:style>
+          <a:lnRef idx="2">
+            <a:schemeClr val="accent1">
+              <a:shade val="50000"/>
+            </a:schemeClr>
+          </a:lnRef>
+          <a:fillRef idx="1">
+            <a:schemeClr val="accent1"/>
+          </a:fillRef>
+          <a:effectRef idx="0">
+            <a:schemeClr val="accent1"/>
+          </a:effectRef>
+          <a:fontRef idx="minor">
+            <a:schemeClr val="lt1"/>
+          </a:fontRef>
+        </p:style>
+        <p:txBody>
+          <a:bodyPr rtlCol="0" anchor="ctr"/>
+          <a:lstStyle/>
+          <a:p>
+            <a:pPr algn="ctr"/>
+            <a:endParaRPr lang="de-DE"/>
+          </a:p>
+        </p:txBody>
+      </p:sp>
+      <p:pic>
+        <p:nvPicPr>
+          <p:cNvPr id="9" name="Content Placeholder 8">
+            <a:extLst>
+              <a:ext uri="{FF2B5EF4-FFF2-40B4-BE49-F238E27FC236}">
+                <a16:creationId xmlns:a16="http://schemas.microsoft.com/office/drawing/2014/main" id="{BB173BA2-E86F-4D05-A270-4804FE634C29}"/>
+              </a:ext>
+            </a:extLst>
+          </p:cNvPr>
+          <p:cNvPicPr>
+            <a:picLocks noGrp="1" noChangeAspect="1"/>
+          </p:cNvPicPr>
+          <p:nvPr>
+            <p:ph idx="1"/>
+          </p:nvPr>
+        </p:nvPicPr>
+        <p:blipFill>
+          <a:blip r:embed="rId2"/>
+          <a:stretch>
+            <a:fillRect/>
+          </a:stretch>
+        </p:blipFill>
+        <p:spPr>
+          <a:xfrm>
+            <a:off x="1339412" y="1981200"/>
+            <a:ext cx="6465175" cy="4144963"/>
+          </a:xfrm>
+          <a:prstGeom prst="rect">
+            <a:avLst/>
+          </a:prstGeom>
+        </p:spPr>
+      </p:pic>
+      <p:sp>
+        <p:nvSpPr>
+          <p:cNvPr id="2" name="Title 1">
+            <a:extLst>
+              <a:ext uri="{FF2B5EF4-FFF2-40B4-BE49-F238E27FC236}">
+                <a16:creationId xmlns:a16="http://schemas.microsoft.com/office/drawing/2014/main" id="{0699D1D4-0363-4CEF-8349-C8213E81A16D}"/>
+              </a:ext>
+            </a:extLst>
+          </p:cNvPr>
           <p:cNvSpPr>
             <a:spLocks noGrp="1"/>
           </p:cNvSpPr>
@@ -6188,21 +6707,444 @@
           <a:lstStyle/>
           <a:p>
             <a:r>
-              <a:rPr lang="en-ZA" dirty="0" smtClean="0"/>
-              <a:t>WHAT IS MISSING?</a:t>
-            </a:r>
-            <a:endParaRPr lang="en-ZA" dirty="0"/>
-          </a:p>
-        </p:txBody>
-      </p:sp>
-      <p:sp>
-        <p:nvSpPr>
-          <p:cNvPr id="3" name="Content Placeholder 2"/>
+              <a:rPr lang="de-DE" dirty="0"/>
+              <a:t>NETWORK ARCHITECTURE: U-</a:t>
+            </a:r>
+            <a:r>
+              <a:rPr lang="de-DE" dirty="0" err="1"/>
+              <a:t>net</a:t>
+            </a:r>
+            <a:endParaRPr lang="de-DE" dirty="0"/>
+          </a:p>
+        </p:txBody>
+      </p:sp>
+      <p:sp>
+        <p:nvSpPr>
+          <p:cNvPr id="5" name="TextBox 4">
+            <a:extLst>
+              <a:ext uri="{FF2B5EF4-FFF2-40B4-BE49-F238E27FC236}">
+                <a16:creationId xmlns:a16="http://schemas.microsoft.com/office/drawing/2014/main" id="{C7E6A239-C99E-43A5-98FA-00E0EEC70D66}"/>
+              </a:ext>
+            </a:extLst>
+          </p:cNvPr>
+          <p:cNvSpPr txBox="1"/>
+          <p:nvPr/>
+        </p:nvSpPr>
+        <p:spPr>
+          <a:xfrm>
+            <a:off x="72208" y="4090719"/>
+            <a:ext cx="2204450" cy="1107996"/>
+          </a:xfrm>
+          <a:prstGeom prst="rect">
+            <a:avLst/>
+          </a:prstGeom>
+          <a:noFill/>
+        </p:spPr>
+        <p:txBody>
+          <a:bodyPr wrap="none" rtlCol="0">
+            <a:spAutoFit/>
+          </a:bodyPr>
+          <a:lstStyle/>
+          <a:p>
+            <a:r>
+              <a:rPr lang="de-DE" sz="1600" dirty="0">
+                <a:solidFill>
+                  <a:srgbClr val="000080"/>
+                </a:solidFill>
+                <a:latin typeface="Consolas" panose="020B0609020204030204" pitchFamily="49" charset="0"/>
+              </a:rPr>
+              <a:t>Conv2D (3,3)</a:t>
+            </a:r>
+          </a:p>
+          <a:p>
+            <a:r>
+              <a:rPr lang="de-DE" sz="1600" dirty="0">
+                <a:solidFill>
+                  <a:srgbClr val="000080"/>
+                </a:solidFill>
+                <a:latin typeface="Consolas" panose="020B0609020204030204" pitchFamily="49" charset="0"/>
+              </a:rPr>
+              <a:t>Conv2D (3,3)</a:t>
+            </a:r>
+          </a:p>
+          <a:p>
+            <a:r>
+              <a:rPr lang="de-DE" sz="1600" dirty="0">
+                <a:solidFill>
+                  <a:srgbClr val="800000"/>
+                </a:solidFill>
+                <a:latin typeface="Consolas" panose="020B0609020204030204" pitchFamily="49" charset="0"/>
+              </a:rPr>
+              <a:t>MaxPooling2D (2,2)</a:t>
+            </a:r>
+          </a:p>
+          <a:p>
+            <a:r>
+              <a:rPr lang="de-DE" sz="1600" dirty="0">
+                <a:solidFill>
+                  <a:srgbClr val="000080"/>
+                </a:solidFill>
+              </a:rPr>
+              <a:t>⁞</a:t>
+            </a:r>
+            <a:endParaRPr lang="de-DE" sz="1600" dirty="0">
+              <a:solidFill>
+                <a:srgbClr val="000080"/>
+              </a:solidFill>
+              <a:latin typeface="Consolas" panose="020B0609020204030204" pitchFamily="49" charset="0"/>
+            </a:endParaRPr>
+          </a:p>
+        </p:txBody>
+      </p:sp>
+      <p:sp>
+        <p:nvSpPr>
+          <p:cNvPr id="6" name="TextBox 5">
+            <a:extLst>
+              <a:ext uri="{FF2B5EF4-FFF2-40B4-BE49-F238E27FC236}">
+                <a16:creationId xmlns:a16="http://schemas.microsoft.com/office/drawing/2014/main" id="{02F7BA4C-85AC-40DC-9483-299F4E4EC5FA}"/>
+              </a:ext>
+            </a:extLst>
+          </p:cNvPr>
+          <p:cNvSpPr txBox="1"/>
+          <p:nvPr/>
+        </p:nvSpPr>
+        <p:spPr>
+          <a:xfrm>
+            <a:off x="3491880" y="6027221"/>
+            <a:ext cx="1531188" cy="584775"/>
+          </a:xfrm>
+          <a:prstGeom prst="rect">
+            <a:avLst/>
+          </a:prstGeom>
+          <a:noFill/>
+        </p:spPr>
+        <p:txBody>
+          <a:bodyPr wrap="none" rtlCol="0">
+            <a:spAutoFit/>
+          </a:bodyPr>
+          <a:lstStyle/>
+          <a:p>
+            <a:r>
+              <a:rPr lang="de-DE" sz="1600" dirty="0">
+                <a:solidFill>
+                  <a:srgbClr val="000080"/>
+                </a:solidFill>
+                <a:latin typeface="Consolas" panose="020B0609020204030204" pitchFamily="49" charset="0"/>
+              </a:rPr>
+              <a:t>Conv2D (3,3)</a:t>
+            </a:r>
+          </a:p>
+          <a:p>
+            <a:r>
+              <a:rPr lang="de-DE" sz="1600" dirty="0">
+                <a:solidFill>
+                  <a:srgbClr val="000080"/>
+                </a:solidFill>
+                <a:latin typeface="Consolas" panose="020B0609020204030204" pitchFamily="49" charset="0"/>
+              </a:rPr>
+              <a:t>Conv2D (3,3)</a:t>
+            </a:r>
+          </a:p>
+        </p:txBody>
+      </p:sp>
+      <p:sp>
+        <p:nvSpPr>
+          <p:cNvPr id="10" name="TextBox 9">
+            <a:extLst>
+              <a:ext uri="{FF2B5EF4-FFF2-40B4-BE49-F238E27FC236}">
+                <a16:creationId xmlns:a16="http://schemas.microsoft.com/office/drawing/2014/main" id="{459E0D73-574F-4624-B056-692EE49ADFE0}"/>
+              </a:ext>
+            </a:extLst>
+          </p:cNvPr>
+          <p:cNvSpPr txBox="1"/>
+          <p:nvPr/>
+        </p:nvSpPr>
+        <p:spPr>
+          <a:xfrm>
+            <a:off x="6578578" y="6109103"/>
+            <a:ext cx="2385910" cy="307777"/>
+          </a:xfrm>
+          <a:prstGeom prst="rect">
+            <a:avLst/>
+          </a:prstGeom>
+          <a:noFill/>
+        </p:spPr>
+        <p:txBody>
+          <a:bodyPr wrap="none" rtlCol="0">
+            <a:spAutoFit/>
+          </a:bodyPr>
+          <a:lstStyle/>
+          <a:p>
+            <a:r>
+              <a:rPr lang="en-ZA" sz="1400" dirty="0"/>
+              <a:t>(ref: </a:t>
+            </a:r>
+            <a:r>
+              <a:rPr lang="en-ZA" sz="1400" dirty="0" err="1">
+                <a:solidFill>
+                  <a:srgbClr val="0070C0"/>
+                </a:solidFill>
+                <a:hlinkClick r:id="rId3">
+                  <a:extLst>
+                    <a:ext uri="{A12FA001-AC4F-418D-AE19-62706E023703}">
+                      <ahyp:hlinkClr xmlns:ahyp="http://schemas.microsoft.com/office/drawing/2018/hyperlinkcolor" val="tx"/>
+                    </a:ext>
+                  </a:extLst>
+                </a:hlinkClick>
+              </a:rPr>
+              <a:t>Ronneberger</a:t>
+            </a:r>
+            <a:r>
+              <a:rPr lang="en-ZA" sz="1400" dirty="0">
+                <a:solidFill>
+                  <a:srgbClr val="0070C0"/>
+                </a:solidFill>
+                <a:hlinkClick r:id="rId3">
+                  <a:extLst>
+                    <a:ext uri="{A12FA001-AC4F-418D-AE19-62706E023703}">
+                      <ahyp:hlinkClr xmlns:ahyp="http://schemas.microsoft.com/office/drawing/2018/hyperlinkcolor" val="tx"/>
+                    </a:ext>
+                  </a:extLst>
+                </a:hlinkClick>
+              </a:rPr>
+              <a:t> et al., 2015</a:t>
+            </a:r>
+            <a:r>
+              <a:rPr lang="en-ZA" sz="1400" dirty="0"/>
+              <a:t>)</a:t>
+            </a:r>
+            <a:endParaRPr lang="de-DE" sz="1400" dirty="0"/>
+          </a:p>
+        </p:txBody>
+      </p:sp>
+      <p:sp>
+        <p:nvSpPr>
+          <p:cNvPr id="12" name="TextBox 11">
+            <a:extLst>
+              <a:ext uri="{FF2B5EF4-FFF2-40B4-BE49-F238E27FC236}">
+                <a16:creationId xmlns:a16="http://schemas.microsoft.com/office/drawing/2014/main" id="{B6904480-9A71-4613-B556-979F4630B60E}"/>
+              </a:ext>
+            </a:extLst>
+          </p:cNvPr>
+          <p:cNvSpPr txBox="1"/>
+          <p:nvPr/>
+        </p:nvSpPr>
+        <p:spPr>
+          <a:xfrm>
+            <a:off x="6516216" y="3284984"/>
+            <a:ext cx="2541080" cy="1323439"/>
+          </a:xfrm>
+          <a:prstGeom prst="rect">
+            <a:avLst/>
+          </a:prstGeom>
+          <a:noFill/>
+        </p:spPr>
+        <p:txBody>
+          <a:bodyPr wrap="none" rtlCol="0">
+            <a:spAutoFit/>
+          </a:bodyPr>
+          <a:lstStyle/>
+          <a:p>
+            <a:pPr algn="r"/>
+            <a:r>
+              <a:rPr lang="de-DE" sz="1600" dirty="0">
+                <a:solidFill>
+                  <a:srgbClr val="008000"/>
+                </a:solidFill>
+              </a:rPr>
+              <a:t>⁞</a:t>
+            </a:r>
+            <a:endParaRPr lang="de-DE" sz="1600" dirty="0">
+              <a:solidFill>
+                <a:srgbClr val="008000"/>
+              </a:solidFill>
+              <a:latin typeface="Consolas" panose="020B0609020204030204" pitchFamily="49" charset="0"/>
+            </a:endParaRPr>
+          </a:p>
+          <a:p>
+            <a:pPr algn="r"/>
+            <a:r>
+              <a:rPr lang="de-DE" sz="1600" dirty="0">
+                <a:solidFill>
+                  <a:srgbClr val="000080"/>
+                </a:solidFill>
+                <a:latin typeface="Consolas" panose="020B0609020204030204" pitchFamily="49" charset="0"/>
+              </a:rPr>
+              <a:t>Conv2D (3,3)</a:t>
+            </a:r>
+          </a:p>
+          <a:p>
+            <a:pPr algn="r"/>
+            <a:r>
+              <a:rPr lang="de-DE" sz="1600" dirty="0">
+                <a:solidFill>
+                  <a:srgbClr val="000080"/>
+                </a:solidFill>
+                <a:latin typeface="Consolas" panose="020B0609020204030204" pitchFamily="49" charset="0"/>
+              </a:rPr>
+              <a:t>Conv2D (3,3)</a:t>
+            </a:r>
+          </a:p>
+          <a:p>
+            <a:pPr algn="r"/>
+            <a:r>
+              <a:rPr lang="de-DE" sz="1600" dirty="0" err="1">
+                <a:solidFill>
+                  <a:srgbClr val="B3B3B3"/>
+                </a:solidFill>
+                <a:latin typeface="Consolas" panose="020B0609020204030204" pitchFamily="49" charset="0"/>
+              </a:rPr>
+              <a:t>concatenate</a:t>
+            </a:r>
+            <a:endParaRPr lang="de-DE" sz="1600" dirty="0">
+              <a:solidFill>
+                <a:srgbClr val="B3B3B3"/>
+              </a:solidFill>
+              <a:latin typeface="Consolas" panose="020B0609020204030204" pitchFamily="49" charset="0"/>
+            </a:endParaRPr>
+          </a:p>
+          <a:p>
+            <a:pPr algn="r"/>
+            <a:r>
+              <a:rPr lang="de-DE" sz="1600" dirty="0">
+                <a:solidFill>
+                  <a:srgbClr val="008000"/>
+                </a:solidFill>
+                <a:latin typeface="Consolas" panose="020B0609020204030204" pitchFamily="49" charset="0"/>
+              </a:rPr>
+              <a:t>Conv2DTranspose (2,2)</a:t>
+            </a:r>
+          </a:p>
+        </p:txBody>
+      </p:sp>
+      <p:sp>
+        <p:nvSpPr>
+          <p:cNvPr id="14" name="TextBox 13">
+            <a:extLst>
+              <a:ext uri="{FF2B5EF4-FFF2-40B4-BE49-F238E27FC236}">
+                <a16:creationId xmlns:a16="http://schemas.microsoft.com/office/drawing/2014/main" id="{B3252171-636D-4E7A-BF20-52096AB4DCEC}"/>
+              </a:ext>
+            </a:extLst>
+          </p:cNvPr>
+          <p:cNvSpPr txBox="1"/>
+          <p:nvPr/>
+        </p:nvSpPr>
+        <p:spPr>
+          <a:xfrm>
+            <a:off x="7452320" y="2155793"/>
+            <a:ext cx="1643399" cy="584775"/>
+          </a:xfrm>
+          <a:prstGeom prst="rect">
+            <a:avLst/>
+          </a:prstGeom>
+          <a:noFill/>
+        </p:spPr>
+        <p:txBody>
+          <a:bodyPr wrap="none" rtlCol="0">
+            <a:spAutoFit/>
+          </a:bodyPr>
+          <a:lstStyle/>
+          <a:p>
+            <a:r>
+              <a:rPr lang="de-DE" sz="1600" dirty="0">
+                <a:solidFill>
+                  <a:srgbClr val="0A8484"/>
+                </a:solidFill>
+                <a:latin typeface="Consolas" panose="020B0609020204030204" pitchFamily="49" charset="0"/>
+              </a:rPr>
+              <a:t>Output </a:t>
+            </a:r>
+            <a:r>
+              <a:rPr lang="de-DE" sz="1600" dirty="0" err="1">
+                <a:solidFill>
+                  <a:srgbClr val="0A8484"/>
+                </a:solidFill>
+                <a:latin typeface="Consolas" panose="020B0609020204030204" pitchFamily="49" charset="0"/>
+              </a:rPr>
+              <a:t>layer</a:t>
+            </a:r>
+            <a:r>
+              <a:rPr lang="de-DE" sz="1600" dirty="0">
+                <a:solidFill>
+                  <a:srgbClr val="0A8484"/>
+                </a:solidFill>
+                <a:latin typeface="Consolas" panose="020B0609020204030204" pitchFamily="49" charset="0"/>
+              </a:rPr>
+              <a:t>:</a:t>
+            </a:r>
+          </a:p>
+          <a:p>
+            <a:r>
+              <a:rPr lang="de-DE" sz="1600" dirty="0">
+                <a:solidFill>
+                  <a:srgbClr val="0A8484"/>
+                </a:solidFill>
+                <a:latin typeface="Consolas" panose="020B0609020204030204" pitchFamily="49" charset="0"/>
+              </a:rPr>
+              <a:t>Conv2D (2,2)</a:t>
+            </a:r>
+          </a:p>
+        </p:txBody>
+      </p:sp>
+      <p:sp>
+        <p:nvSpPr>
+          <p:cNvPr id="15" name="TextBox 14">
+            <a:extLst>
+              <a:ext uri="{FF2B5EF4-FFF2-40B4-BE49-F238E27FC236}">
+                <a16:creationId xmlns:a16="http://schemas.microsoft.com/office/drawing/2014/main" id="{FEE99F05-98E9-4E25-9DD4-2A20171CE57C}"/>
+              </a:ext>
+            </a:extLst>
+          </p:cNvPr>
+          <p:cNvSpPr txBox="1"/>
+          <p:nvPr/>
+        </p:nvSpPr>
+        <p:spPr>
+          <a:xfrm>
+            <a:off x="179512" y="2155794"/>
+            <a:ext cx="1643399" cy="584775"/>
+          </a:xfrm>
+          <a:prstGeom prst="rect">
+            <a:avLst/>
+          </a:prstGeom>
+          <a:noFill/>
+        </p:spPr>
+        <p:txBody>
+          <a:bodyPr wrap="none" rtlCol="0">
+            <a:spAutoFit/>
+          </a:bodyPr>
+          <a:lstStyle/>
+          <a:p>
+            <a:r>
+              <a:rPr lang="de-DE" sz="1600" dirty="0">
+                <a:latin typeface="Consolas" panose="020B0609020204030204" pitchFamily="49" charset="0"/>
+              </a:rPr>
+              <a:t>Input:</a:t>
+            </a:r>
+          </a:p>
+          <a:p>
+            <a:r>
+              <a:rPr lang="de-DE" sz="1600" dirty="0">
+                <a:latin typeface="Consolas" panose="020B0609020204030204" pitchFamily="49" charset="0"/>
+              </a:rPr>
+              <a:t>(256, 256, 3)</a:t>
+            </a:r>
+          </a:p>
+        </p:txBody>
+      </p:sp>
+      <p:sp>
+        <p:nvSpPr>
+          <p:cNvPr id="16" name="Slide Number Placeholder 15">
+            <a:extLst>
+              <a:ext uri="{FF2B5EF4-FFF2-40B4-BE49-F238E27FC236}">
+                <a16:creationId xmlns:a16="http://schemas.microsoft.com/office/drawing/2014/main" id="{9406CB5C-C9B7-4741-BE5B-510B78F9F3F5}"/>
+              </a:ext>
+            </a:extLst>
+          </p:cNvPr>
           <p:cNvSpPr>
             <a:spLocks noGrp="1"/>
           </p:cNvSpPr>
           <p:nvPr>
-            <p:ph idx="1"/>
+            <p:ph type="sldNum" sz="quarter" idx="11"/>
           </p:nvPr>
         </p:nvSpPr>
         <p:spPr/>
@@ -6210,46 +7152,176 @@
           <a:bodyPr/>
           <a:lstStyle/>
           <a:p>
-            <a:r>
-              <a:rPr lang="en-ZA" dirty="0" smtClean="0"/>
-              <a:t>We were unable to successfully define a loss function with some losses being represented as  “</a:t>
-            </a:r>
-            <a:r>
-              <a:rPr lang="en-ZA" dirty="0" err="1" smtClean="0"/>
-              <a:t>NaN</a:t>
-            </a:r>
-            <a:r>
-              <a:rPr lang="en-ZA" dirty="0" smtClean="0"/>
-              <a:t>”. </a:t>
-            </a:r>
-          </a:p>
-          <a:p>
-            <a:r>
-              <a:rPr lang="en-ZA" dirty="0" smtClean="0"/>
-              <a:t>We had some difficulties in representing the loss functions graphically as well.</a:t>
-            </a:r>
-          </a:p>
-          <a:p>
-            <a:r>
-              <a:rPr lang="en-ZA" dirty="0" smtClean="0"/>
-              <a:t>We also had some difficulties in creating and testing some of our test data sets.</a:t>
-            </a:r>
-          </a:p>
-          <a:p>
-            <a:endParaRPr lang="en-ZA" dirty="0" smtClean="0"/>
-          </a:p>
-          <a:p>
-            <a:pPr marL="0" indent="0">
-              <a:buNone/>
-            </a:pPr>
-            <a:endParaRPr lang="en-ZA" dirty="0" smtClean="0"/>
-          </a:p>
-        </p:txBody>
-      </p:sp>
+            <a:fld id="{D27E33E7-AE20-4AF7-9F7C-3359FB83C8D6}" type="slidenum">
+              <a:rPr lang="en-ZA" smtClean="0"/>
+              <a:t>11</a:t>
+            </a:fld>
+            <a:endParaRPr lang="en-ZA"/>
+          </a:p>
+        </p:txBody>
+      </p:sp>
+      <p:sp>
+        <p:nvSpPr>
+          <p:cNvPr id="17" name="Rectangle 16">
+            <a:extLst>
+              <a:ext uri="{FF2B5EF4-FFF2-40B4-BE49-F238E27FC236}">
+                <a16:creationId xmlns:a16="http://schemas.microsoft.com/office/drawing/2014/main" id="{D5D9AAE5-DC02-4796-8B30-B633137BA932}"/>
+              </a:ext>
+            </a:extLst>
+          </p:cNvPr>
+          <p:cNvSpPr/>
+          <p:nvPr/>
+        </p:nvSpPr>
+        <p:spPr>
+          <a:xfrm>
+            <a:off x="6372201" y="4941168"/>
+            <a:ext cx="1368151" cy="1086053"/>
+          </a:xfrm>
+          <a:prstGeom prst="rect">
+            <a:avLst/>
+          </a:prstGeom>
+          <a:solidFill>
+            <a:schemeClr val="bg1"/>
+          </a:solidFill>
+          <a:ln>
+            <a:solidFill>
+              <a:schemeClr val="bg1"/>
+            </a:solidFill>
+            <a:prstDash val="sysDash"/>
+          </a:ln>
+        </p:spPr>
+        <p:style>
+          <a:lnRef idx="2">
+            <a:schemeClr val="accent1">
+              <a:shade val="50000"/>
+            </a:schemeClr>
+          </a:lnRef>
+          <a:fillRef idx="1">
+            <a:schemeClr val="accent1"/>
+          </a:fillRef>
+          <a:effectRef idx="0">
+            <a:schemeClr val="accent1"/>
+          </a:effectRef>
+          <a:fontRef idx="minor">
+            <a:schemeClr val="lt1"/>
+          </a:fontRef>
+        </p:style>
+        <p:txBody>
+          <a:bodyPr rtlCol="0" anchor="ctr"/>
+          <a:lstStyle/>
+          <a:p>
+            <a:pPr algn="ctr"/>
+            <a:endParaRPr lang="de-DE" dirty="0"/>
+          </a:p>
+        </p:txBody>
+      </p:sp>
+      <p:grpSp>
+        <p:nvGrpSpPr>
+          <p:cNvPr id="21" name="Group 20">
+            <a:extLst>
+              <a:ext uri="{FF2B5EF4-FFF2-40B4-BE49-F238E27FC236}">
+                <a16:creationId xmlns:a16="http://schemas.microsoft.com/office/drawing/2014/main" id="{0D885614-21B8-4CA0-839F-3F9ED3CF8FBD}"/>
+              </a:ext>
+            </a:extLst>
+          </p:cNvPr>
+          <p:cNvGrpSpPr/>
+          <p:nvPr/>
+        </p:nvGrpSpPr>
+        <p:grpSpPr>
+          <a:xfrm>
+            <a:off x="7452320" y="4958635"/>
+            <a:ext cx="1368152" cy="1118057"/>
+            <a:chOff x="7455342" y="4958635"/>
+            <a:chExt cx="1368152" cy="1118057"/>
+          </a:xfrm>
+        </p:grpSpPr>
+        <p:pic>
+          <p:nvPicPr>
+            <p:cNvPr id="19" name="Content Placeholder 8">
+              <a:extLst>
+                <a:ext uri="{FF2B5EF4-FFF2-40B4-BE49-F238E27FC236}">
+                  <a16:creationId xmlns:a16="http://schemas.microsoft.com/office/drawing/2014/main" id="{35CACCBC-FF8A-40CA-90EE-9183766D5DE9}"/>
+                </a:ext>
+              </a:extLst>
+            </p:cNvPr>
+            <p:cNvPicPr>
+              <a:picLocks noChangeAspect="1"/>
+            </p:cNvPicPr>
+            <p:nvPr/>
+          </p:nvPicPr>
+          <p:blipFill rotWithShape="1">
+            <a:blip r:embed="rId2"/>
+            <a:srcRect l="77957" t="72281" r="882" b="1517"/>
+            <a:stretch/>
+          </p:blipFill>
+          <p:spPr>
+            <a:xfrm>
+              <a:off x="7455342" y="4990639"/>
+              <a:ext cx="1368151" cy="1086053"/>
+            </a:xfrm>
+            <a:prstGeom prst="rect">
+              <a:avLst/>
+            </a:prstGeom>
+          </p:spPr>
+        </p:pic>
+        <p:sp>
+          <p:nvSpPr>
+            <p:cNvPr id="20" name="Rectangle 19">
+              <a:extLst>
+                <a:ext uri="{FF2B5EF4-FFF2-40B4-BE49-F238E27FC236}">
+                  <a16:creationId xmlns:a16="http://schemas.microsoft.com/office/drawing/2014/main" id="{7F9BE63B-D36B-4ECA-A94D-FD305E3CEEEB}"/>
+                </a:ext>
+              </a:extLst>
+            </p:cNvPr>
+            <p:cNvSpPr/>
+            <p:nvPr/>
+          </p:nvSpPr>
+          <p:spPr>
+            <a:xfrm>
+              <a:off x="7455343" y="4958635"/>
+              <a:ext cx="1368151" cy="1086053"/>
+            </a:xfrm>
+            <a:prstGeom prst="rect">
+              <a:avLst/>
+            </a:prstGeom>
+            <a:noFill/>
+            <a:ln>
+              <a:solidFill>
+                <a:schemeClr val="tx1"/>
+              </a:solidFill>
+              <a:prstDash val="sysDash"/>
+            </a:ln>
+          </p:spPr>
+          <p:style>
+            <a:lnRef idx="2">
+              <a:schemeClr val="accent1">
+                <a:shade val="50000"/>
+              </a:schemeClr>
+            </a:lnRef>
+            <a:fillRef idx="1">
+              <a:schemeClr val="accent1"/>
+            </a:fillRef>
+            <a:effectRef idx="0">
+              <a:schemeClr val="accent1"/>
+            </a:effectRef>
+            <a:fontRef idx="minor">
+              <a:schemeClr val="lt1"/>
+            </a:fontRef>
+          </p:style>
+          <p:txBody>
+            <a:bodyPr rtlCol="0" anchor="ctr"/>
+            <a:lstStyle/>
+            <a:p>
+              <a:pPr algn="ctr"/>
+              <a:endParaRPr lang="de-DE" dirty="0"/>
+            </a:p>
+          </p:txBody>
+        </p:sp>
+      </p:grpSp>
     </p:spTree>
     <p:extLst>
       <p:ext uri="{BB962C8B-B14F-4D97-AF65-F5344CB8AC3E}">
-        <p14:creationId xmlns:p14="http://schemas.microsoft.com/office/powerpoint/2010/main" val="3483840862"/>
+        <p14:creationId xmlns:p14="http://schemas.microsoft.com/office/powerpoint/2010/main" val="3045018048"/>
       </p:ext>
     </p:extLst>
   </p:cSld>
@@ -6278,7 +7350,13 @@
       </p:grpSpPr>
       <p:sp>
         <p:nvSpPr>
-          <p:cNvPr id="2" name="Title 1"/>
+          <p:cNvPr id="2" name="Title 1">
+            <a:extLst>
+              <a:ext uri="{FF2B5EF4-FFF2-40B4-BE49-F238E27FC236}">
+                <a16:creationId xmlns:a16="http://schemas.microsoft.com/office/drawing/2014/main" id="{DD1B3F38-8001-4C21-A7F5-F235D2D93D72}"/>
+              </a:ext>
+            </a:extLst>
+          </p:cNvPr>
           <p:cNvSpPr>
             <a:spLocks noGrp="1"/>
           </p:cNvSpPr>
@@ -6292,21 +7370,26 @@
           <a:lstStyle/>
           <a:p>
             <a:r>
-              <a:rPr lang="en-ZA" dirty="0" smtClean="0"/>
-              <a:t>FUTURE WORK:</a:t>
-            </a:r>
-            <a:endParaRPr lang="en-ZA" dirty="0"/>
-          </a:p>
-        </p:txBody>
-      </p:sp>
-      <p:sp>
-        <p:nvSpPr>
-          <p:cNvPr id="3" name="Content Placeholder 2"/>
+              <a:rPr lang="de-DE" dirty="0"/>
+              <a:t>RESULTS</a:t>
+            </a:r>
+          </a:p>
+        </p:txBody>
+      </p:sp>
+      <p:sp>
+        <p:nvSpPr>
+          <p:cNvPr id="4" name="Slide Number Placeholder 3">
+            <a:extLst>
+              <a:ext uri="{FF2B5EF4-FFF2-40B4-BE49-F238E27FC236}">
+                <a16:creationId xmlns:a16="http://schemas.microsoft.com/office/drawing/2014/main" id="{06FE27C1-2F2F-4D57-9940-D896697B9BE9}"/>
+              </a:ext>
+            </a:extLst>
+          </p:cNvPr>
           <p:cNvSpPr>
             <a:spLocks noGrp="1"/>
           </p:cNvSpPr>
           <p:nvPr>
-            <p:ph idx="1"/>
+            <p:ph type="sldNum" sz="quarter" idx="11"/>
           </p:nvPr>
         </p:nvSpPr>
         <p:spPr/>
@@ -6314,50 +7397,152 @@
           <a:bodyPr/>
           <a:lstStyle/>
           <a:p>
-            <a:r>
-              <a:rPr lang="en-ZA" dirty="0" smtClean="0"/>
-              <a:t>We hope to find a way of training our model successfully.</a:t>
-            </a:r>
-          </a:p>
-          <a:p>
-            <a:r>
-              <a:rPr lang="en-ZA" dirty="0" smtClean="0"/>
-              <a:t>If we have a bit more time, perhaps we can do that.</a:t>
-            </a:r>
-          </a:p>
-          <a:p>
-            <a:pPr marL="0" indent="0">
-              <a:buNone/>
-            </a:pPr>
-            <a:r>
-              <a:rPr lang="en-ZA" dirty="0"/>
-              <a:t> </a:t>
-            </a:r>
-            <a:r>
-              <a:rPr lang="en-ZA" dirty="0" smtClean="0"/>
-              <a:t>     (student and working life </a:t>
-            </a:r>
-            <a:r>
-              <a:rPr lang="en-ZA" dirty="0" smtClean="0">
-                <a:sym typeface="Wingdings" panose="05000000000000000000" pitchFamily="2" charset="2"/>
+            <a:fld id="{D27E33E7-AE20-4AF7-9F7C-3359FB83C8D6}" type="slidenum">
+              <a:rPr lang="en-ZA" smtClean="0"/>
+              <a:t>12</a:t>
+            </a:fld>
+            <a:endParaRPr lang="en-ZA"/>
+          </a:p>
+        </p:txBody>
+      </p:sp>
+      <p:sp>
+        <p:nvSpPr>
+          <p:cNvPr id="7" name="TextBox 6">
+            <a:extLst>
+              <a:ext uri="{FF2B5EF4-FFF2-40B4-BE49-F238E27FC236}">
+                <a16:creationId xmlns:a16="http://schemas.microsoft.com/office/drawing/2014/main" id="{5C391329-63FE-4302-9431-F68C0EC016A3}"/>
+              </a:ext>
+            </a:extLst>
+          </p:cNvPr>
+          <p:cNvSpPr txBox="1"/>
+          <p:nvPr/>
+        </p:nvSpPr>
+        <p:spPr>
+          <a:xfrm>
+            <a:off x="457200" y="5085184"/>
+            <a:ext cx="2304256" cy="923330"/>
+          </a:xfrm>
+          <a:prstGeom prst="rect">
+            <a:avLst/>
+          </a:prstGeom>
+          <a:noFill/>
+        </p:spPr>
+        <p:txBody>
+          <a:bodyPr wrap="square" rtlCol="0">
+            <a:spAutoFit/>
+          </a:bodyPr>
+          <a:lstStyle/>
+          <a:p>
+            <a:r>
+              <a:rPr lang="de-DE" u="sng" dirty="0">
+                <a:latin typeface="Consolas" panose="020B0609020204030204" pitchFamily="49" charset="0"/>
               </a:rPr>
-              <a:t>)</a:t>
-            </a:r>
-            <a:endParaRPr lang="en-ZA" dirty="0" smtClean="0"/>
-          </a:p>
-          <a:p>
-            <a:r>
-              <a:rPr lang="en-ZA" dirty="0" smtClean="0"/>
-              <a:t>Using image segmentation for estimating cloud cover – which may be a great application in many fields such as rain and related weather prediction!</a:t>
-            </a:r>
-            <a:endParaRPr lang="en-ZA" dirty="0"/>
-          </a:p>
-        </p:txBody>
-      </p:sp>
+              <a:t>Test </a:t>
+            </a:r>
+            <a:r>
+              <a:rPr lang="de-DE" u="sng" dirty="0" err="1">
+                <a:latin typeface="Consolas" panose="020B0609020204030204" pitchFamily="49" charset="0"/>
+              </a:rPr>
+              <a:t>dataset</a:t>
+            </a:r>
+            <a:endParaRPr lang="de-DE" u="sng" dirty="0">
+              <a:latin typeface="Consolas" panose="020B0609020204030204" pitchFamily="49" charset="0"/>
+            </a:endParaRPr>
+          </a:p>
+          <a:p>
+            <a:r>
+              <a:rPr lang="de-DE" dirty="0" err="1">
+                <a:latin typeface="Consolas" panose="020B0609020204030204" pitchFamily="49" charset="0"/>
+              </a:rPr>
+              <a:t>loss</a:t>
+            </a:r>
+            <a:r>
+              <a:rPr lang="de-DE" dirty="0">
+                <a:latin typeface="Consolas" panose="020B0609020204030204" pitchFamily="49" charset="0"/>
+              </a:rPr>
+              <a:t>: 0.2288 </a:t>
+            </a:r>
+          </a:p>
+          <a:p>
+            <a:r>
+              <a:rPr lang="de-DE" dirty="0" err="1">
+                <a:latin typeface="Consolas" panose="020B0609020204030204" pitchFamily="49" charset="0"/>
+              </a:rPr>
+              <a:t>accuracy</a:t>
+            </a:r>
+            <a:r>
+              <a:rPr lang="de-DE" dirty="0">
+                <a:latin typeface="Consolas" panose="020B0609020204030204" pitchFamily="49" charset="0"/>
+              </a:rPr>
+              <a:t>: 0.9013</a:t>
+            </a:r>
+          </a:p>
+        </p:txBody>
+      </p:sp>
+      <p:pic>
+        <p:nvPicPr>
+          <p:cNvPr id="12" name="Picture 11">
+            <a:extLst>
+              <a:ext uri="{FF2B5EF4-FFF2-40B4-BE49-F238E27FC236}">
+                <a16:creationId xmlns:a16="http://schemas.microsoft.com/office/drawing/2014/main" id="{9E86614E-12CB-4479-B649-7A3EAAA89CAA}"/>
+              </a:ext>
+            </a:extLst>
+          </p:cNvPr>
+          <p:cNvPicPr>
+            <a:picLocks noChangeAspect="1"/>
+          </p:cNvPicPr>
+          <p:nvPr/>
+        </p:nvPicPr>
+        <p:blipFill>
+          <a:blip r:embed="rId2"/>
+          <a:stretch>
+            <a:fillRect/>
+          </a:stretch>
+        </p:blipFill>
+        <p:spPr>
+          <a:xfrm>
+            <a:off x="4427984" y="2060848"/>
+            <a:ext cx="4055079" cy="2808000"/>
+          </a:xfrm>
+          <a:prstGeom prst="rect">
+            <a:avLst/>
+          </a:prstGeom>
+        </p:spPr>
+      </p:pic>
+      <p:pic>
+        <p:nvPicPr>
+          <p:cNvPr id="13" name="Picture 12">
+            <a:extLst>
+              <a:ext uri="{FF2B5EF4-FFF2-40B4-BE49-F238E27FC236}">
+                <a16:creationId xmlns:a16="http://schemas.microsoft.com/office/drawing/2014/main" id="{5264599D-A302-4B81-8F45-FF92BAB3229C}"/>
+              </a:ext>
+            </a:extLst>
+          </p:cNvPr>
+          <p:cNvPicPr>
+            <a:picLocks noChangeAspect="1"/>
+          </p:cNvPicPr>
+          <p:nvPr/>
+        </p:nvPicPr>
+        <p:blipFill>
+          <a:blip r:embed="rId3"/>
+          <a:stretch>
+            <a:fillRect/>
+          </a:stretch>
+        </p:blipFill>
+        <p:spPr>
+          <a:xfrm>
+            <a:off x="457200" y="2060848"/>
+            <a:ext cx="4003409" cy="2808000"/>
+          </a:xfrm>
+          <a:prstGeom prst="rect">
+            <a:avLst/>
+          </a:prstGeom>
+        </p:spPr>
+      </p:pic>
     </p:spTree>
     <p:extLst>
       <p:ext uri="{BB962C8B-B14F-4D97-AF65-F5344CB8AC3E}">
-        <p14:creationId xmlns:p14="http://schemas.microsoft.com/office/powerpoint/2010/main" val="984975874"/>
+        <p14:creationId xmlns:p14="http://schemas.microsoft.com/office/powerpoint/2010/main" val="1140072722"/>
       </p:ext>
     </p:extLst>
   </p:cSld>
@@ -6386,6 +7571,352 @@
       </p:grpSpPr>
       <p:sp>
         <p:nvSpPr>
+          <p:cNvPr id="2" name="Title 1">
+            <a:extLst>
+              <a:ext uri="{FF2B5EF4-FFF2-40B4-BE49-F238E27FC236}">
+                <a16:creationId xmlns:a16="http://schemas.microsoft.com/office/drawing/2014/main" id="{74B3FD52-9957-4818-B7BB-11636269B38F}"/>
+              </a:ext>
+            </a:extLst>
+          </p:cNvPr>
+          <p:cNvSpPr>
+            <a:spLocks noGrp="1"/>
+          </p:cNvSpPr>
+          <p:nvPr>
+            <p:ph type="title"/>
+          </p:nvPr>
+        </p:nvSpPr>
+        <p:spPr/>
+        <p:txBody>
+          <a:bodyPr/>
+          <a:lstStyle/>
+          <a:p>
+            <a:r>
+              <a:rPr lang="de-DE" dirty="0"/>
+              <a:t>EXAMPLES (1/2)</a:t>
+            </a:r>
+          </a:p>
+        </p:txBody>
+      </p:sp>
+      <p:pic>
+        <p:nvPicPr>
+          <p:cNvPr id="5" name="Content Placeholder 4">
+            <a:extLst>
+              <a:ext uri="{FF2B5EF4-FFF2-40B4-BE49-F238E27FC236}">
+                <a16:creationId xmlns:a16="http://schemas.microsoft.com/office/drawing/2014/main" id="{72967728-00C0-48FC-911F-CDC2FB2B1D36}"/>
+              </a:ext>
+            </a:extLst>
+          </p:cNvPr>
+          <p:cNvPicPr>
+            <a:picLocks noGrp="1" noChangeAspect="1"/>
+          </p:cNvPicPr>
+          <p:nvPr>
+            <p:ph idx="1"/>
+          </p:nvPr>
+        </p:nvPicPr>
+        <p:blipFill>
+          <a:blip r:embed="rId2"/>
+          <a:stretch>
+            <a:fillRect/>
+          </a:stretch>
+        </p:blipFill>
+        <p:spPr>
+          <a:xfrm>
+            <a:off x="1684116" y="1981200"/>
+            <a:ext cx="5775768" cy="4144963"/>
+          </a:xfrm>
+          <a:prstGeom prst="rect">
+            <a:avLst/>
+          </a:prstGeom>
+        </p:spPr>
+      </p:pic>
+      <p:sp>
+        <p:nvSpPr>
+          <p:cNvPr id="4" name="Slide Number Placeholder 3">
+            <a:extLst>
+              <a:ext uri="{FF2B5EF4-FFF2-40B4-BE49-F238E27FC236}">
+                <a16:creationId xmlns:a16="http://schemas.microsoft.com/office/drawing/2014/main" id="{5C2230D4-7733-47EA-90B9-AFCE970C1D6E}"/>
+              </a:ext>
+            </a:extLst>
+          </p:cNvPr>
+          <p:cNvSpPr>
+            <a:spLocks noGrp="1"/>
+          </p:cNvSpPr>
+          <p:nvPr>
+            <p:ph type="sldNum" sz="quarter" idx="11"/>
+          </p:nvPr>
+        </p:nvSpPr>
+        <p:spPr/>
+        <p:txBody>
+          <a:bodyPr/>
+          <a:lstStyle/>
+          <a:p>
+            <a:fld id="{D27E33E7-AE20-4AF7-9F7C-3359FB83C8D6}" type="slidenum">
+              <a:rPr lang="en-ZA" smtClean="0"/>
+              <a:t>13</a:t>
+            </a:fld>
+            <a:endParaRPr lang="en-ZA"/>
+          </a:p>
+        </p:txBody>
+      </p:sp>
+    </p:spTree>
+    <p:extLst>
+      <p:ext uri="{BB962C8B-B14F-4D97-AF65-F5344CB8AC3E}">
+        <p14:creationId xmlns:p14="http://schemas.microsoft.com/office/powerpoint/2010/main" val="3115191259"/>
+      </p:ext>
+    </p:extLst>
+  </p:cSld>
+  <p:clrMapOvr>
+    <a:masterClrMapping/>
+  </p:clrMapOvr>
+</p:sld>
+</file>
+
+<file path=ppt/slides/slide14.xml><?xml version="1.0" encoding="utf-8"?>
+<p:sld xmlns:a="http://schemas.openxmlformats.org/drawingml/2006/main" xmlns:r="http://schemas.openxmlformats.org/officeDocument/2006/relationships" xmlns:p="http://schemas.openxmlformats.org/presentationml/2006/main">
+  <p:cSld>
+    <p:spTree>
+      <p:nvGrpSpPr>
+        <p:cNvPr id="1" name=""/>
+        <p:cNvGrpSpPr/>
+        <p:nvPr/>
+      </p:nvGrpSpPr>
+      <p:grpSpPr>
+        <a:xfrm>
+          <a:off x="0" y="0"/>
+          <a:ext cx="0" cy="0"/>
+          <a:chOff x="0" y="0"/>
+          <a:chExt cx="0" cy="0"/>
+        </a:xfrm>
+      </p:grpSpPr>
+      <p:sp>
+        <p:nvSpPr>
+          <p:cNvPr id="2" name="Title 1">
+            <a:extLst>
+              <a:ext uri="{FF2B5EF4-FFF2-40B4-BE49-F238E27FC236}">
+                <a16:creationId xmlns:a16="http://schemas.microsoft.com/office/drawing/2014/main" id="{4DE77ED6-BEC5-46E2-A5FF-FAC5D02E6C02}"/>
+              </a:ext>
+            </a:extLst>
+          </p:cNvPr>
+          <p:cNvSpPr>
+            <a:spLocks noGrp="1"/>
+          </p:cNvSpPr>
+          <p:nvPr>
+            <p:ph type="title"/>
+          </p:nvPr>
+        </p:nvSpPr>
+        <p:spPr/>
+        <p:txBody>
+          <a:bodyPr/>
+          <a:lstStyle/>
+          <a:p>
+            <a:r>
+              <a:rPr lang="de-DE" dirty="0"/>
+              <a:t>EXAMPLES (2/2)</a:t>
+            </a:r>
+          </a:p>
+        </p:txBody>
+      </p:sp>
+      <p:pic>
+        <p:nvPicPr>
+          <p:cNvPr id="5" name="Content Placeholder 4">
+            <a:extLst>
+              <a:ext uri="{FF2B5EF4-FFF2-40B4-BE49-F238E27FC236}">
+                <a16:creationId xmlns:a16="http://schemas.microsoft.com/office/drawing/2014/main" id="{8A73B824-66E0-4062-AE76-5796FBB71A24}"/>
+              </a:ext>
+            </a:extLst>
+          </p:cNvPr>
+          <p:cNvPicPr>
+            <a:picLocks noGrp="1" noChangeAspect="1"/>
+          </p:cNvPicPr>
+          <p:nvPr>
+            <p:ph idx="1"/>
+          </p:nvPr>
+        </p:nvPicPr>
+        <p:blipFill>
+          <a:blip r:embed="rId2"/>
+          <a:stretch>
+            <a:fillRect/>
+          </a:stretch>
+        </p:blipFill>
+        <p:spPr>
+          <a:xfrm>
+            <a:off x="1781696" y="1981200"/>
+            <a:ext cx="5580607" cy="4144963"/>
+          </a:xfrm>
+          <a:prstGeom prst="rect">
+            <a:avLst/>
+          </a:prstGeom>
+        </p:spPr>
+      </p:pic>
+      <p:sp>
+        <p:nvSpPr>
+          <p:cNvPr id="4" name="Slide Number Placeholder 3">
+            <a:extLst>
+              <a:ext uri="{FF2B5EF4-FFF2-40B4-BE49-F238E27FC236}">
+                <a16:creationId xmlns:a16="http://schemas.microsoft.com/office/drawing/2014/main" id="{95706616-D74F-41F0-8543-0395F8B4BE8F}"/>
+              </a:ext>
+            </a:extLst>
+          </p:cNvPr>
+          <p:cNvSpPr>
+            <a:spLocks noGrp="1"/>
+          </p:cNvSpPr>
+          <p:nvPr>
+            <p:ph type="sldNum" sz="quarter" idx="11"/>
+          </p:nvPr>
+        </p:nvSpPr>
+        <p:spPr/>
+        <p:txBody>
+          <a:bodyPr/>
+          <a:lstStyle/>
+          <a:p>
+            <a:fld id="{D27E33E7-AE20-4AF7-9F7C-3359FB83C8D6}" type="slidenum">
+              <a:rPr lang="en-ZA" smtClean="0"/>
+              <a:t>14</a:t>
+            </a:fld>
+            <a:endParaRPr lang="en-ZA"/>
+          </a:p>
+        </p:txBody>
+      </p:sp>
+    </p:spTree>
+    <p:extLst>
+      <p:ext uri="{BB962C8B-B14F-4D97-AF65-F5344CB8AC3E}">
+        <p14:creationId xmlns:p14="http://schemas.microsoft.com/office/powerpoint/2010/main" val="617374700"/>
+      </p:ext>
+    </p:extLst>
+  </p:cSld>
+  <p:clrMapOvr>
+    <a:masterClrMapping/>
+  </p:clrMapOvr>
+</p:sld>
+</file>
+
+<file path=ppt/slides/slide15.xml><?xml version="1.0" encoding="utf-8"?>
+<p:sld xmlns:a="http://schemas.openxmlformats.org/drawingml/2006/main" xmlns:r="http://schemas.openxmlformats.org/officeDocument/2006/relationships" xmlns:p="http://schemas.openxmlformats.org/presentationml/2006/main">
+  <p:cSld>
+    <p:spTree>
+      <p:nvGrpSpPr>
+        <p:cNvPr id="1" name=""/>
+        <p:cNvGrpSpPr/>
+        <p:nvPr/>
+      </p:nvGrpSpPr>
+      <p:grpSpPr>
+        <a:xfrm>
+          <a:off x="0" y="0"/>
+          <a:ext cx="0" cy="0"/>
+          <a:chOff x="0" y="0"/>
+          <a:chExt cx="0" cy="0"/>
+        </a:xfrm>
+      </p:grpSpPr>
+      <p:sp>
+        <p:nvSpPr>
+          <p:cNvPr id="2" name="Title 1"/>
+          <p:cNvSpPr>
+            <a:spLocks noGrp="1"/>
+          </p:cNvSpPr>
+          <p:nvPr>
+            <p:ph type="title"/>
+          </p:nvPr>
+        </p:nvSpPr>
+        <p:spPr/>
+        <p:txBody>
+          <a:bodyPr/>
+          <a:lstStyle/>
+          <a:p>
+            <a:r>
+              <a:rPr lang="en-ZA" dirty="0"/>
+              <a:t>FUTURE WORK:</a:t>
+            </a:r>
+          </a:p>
+        </p:txBody>
+      </p:sp>
+      <p:sp>
+        <p:nvSpPr>
+          <p:cNvPr id="3" name="Content Placeholder 2"/>
+          <p:cNvSpPr>
+            <a:spLocks noGrp="1"/>
+          </p:cNvSpPr>
+          <p:nvPr>
+            <p:ph idx="1"/>
+          </p:nvPr>
+        </p:nvSpPr>
+        <p:spPr/>
+        <p:txBody>
+          <a:bodyPr/>
+          <a:lstStyle/>
+          <a:p>
+            <a:pPr>
+              <a:lnSpc>
+                <a:spcPct val="150000"/>
+              </a:lnSpc>
+            </a:pPr>
+            <a:r>
+              <a:rPr lang="en-ZA" dirty="0"/>
+              <a:t>Using image segmentation for estimating cloud cover – which may be a great application in many fields such as rain and related weather prediction!</a:t>
+            </a:r>
+          </a:p>
+        </p:txBody>
+      </p:sp>
+      <p:sp>
+        <p:nvSpPr>
+          <p:cNvPr id="4" name="Slide Number Placeholder 3">
+            <a:extLst>
+              <a:ext uri="{FF2B5EF4-FFF2-40B4-BE49-F238E27FC236}">
+                <a16:creationId xmlns:a16="http://schemas.microsoft.com/office/drawing/2014/main" id="{FD3C870B-544D-4FE6-B83B-5E730D04F0B8}"/>
+              </a:ext>
+            </a:extLst>
+          </p:cNvPr>
+          <p:cNvSpPr>
+            <a:spLocks noGrp="1"/>
+          </p:cNvSpPr>
+          <p:nvPr>
+            <p:ph type="sldNum" sz="quarter" idx="11"/>
+          </p:nvPr>
+        </p:nvSpPr>
+        <p:spPr/>
+        <p:txBody>
+          <a:bodyPr/>
+          <a:lstStyle/>
+          <a:p>
+            <a:fld id="{D27E33E7-AE20-4AF7-9F7C-3359FB83C8D6}" type="slidenum">
+              <a:rPr lang="en-ZA" smtClean="0"/>
+              <a:t>15</a:t>
+            </a:fld>
+            <a:endParaRPr lang="en-ZA"/>
+          </a:p>
+        </p:txBody>
+      </p:sp>
+    </p:spTree>
+    <p:extLst>
+      <p:ext uri="{BB962C8B-B14F-4D97-AF65-F5344CB8AC3E}">
+        <p14:creationId xmlns:p14="http://schemas.microsoft.com/office/powerpoint/2010/main" val="984975874"/>
+      </p:ext>
+    </p:extLst>
+  </p:cSld>
+  <p:clrMapOvr>
+    <a:masterClrMapping/>
+  </p:clrMapOvr>
+</p:sld>
+</file>
+
+<file path=ppt/slides/slide16.xml><?xml version="1.0" encoding="utf-8"?>
+<p:sld xmlns:a="http://schemas.openxmlformats.org/drawingml/2006/main" xmlns:r="http://schemas.openxmlformats.org/officeDocument/2006/relationships" xmlns:p="http://schemas.openxmlformats.org/presentationml/2006/main">
+  <p:cSld>
+    <p:spTree>
+      <p:nvGrpSpPr>
+        <p:cNvPr id="1" name=""/>
+        <p:cNvGrpSpPr/>
+        <p:nvPr/>
+      </p:nvGrpSpPr>
+      <p:grpSpPr>
+        <a:xfrm>
+          <a:off x="0" y="0"/>
+          <a:ext cx="0" cy="0"/>
+          <a:chOff x="0" y="0"/>
+          <a:chExt cx="0" cy="0"/>
+        </a:xfrm>
+      </p:grpSpPr>
+      <p:sp>
+        <p:nvSpPr>
           <p:cNvPr id="3" name="Content Placeholder 2"/>
           <p:cNvSpPr>
             <a:spLocks noGrp="1"/>
@@ -6405,10 +7936,38 @@
               <a:buNone/>
             </a:pPr>
             <a:r>
-              <a:rPr lang="en-ZA" sz="8800" dirty="0" smtClean="0"/>
+              <a:rPr lang="en-ZA" sz="8800" dirty="0"/>
               <a:t>THANK YOU!</a:t>
             </a:r>
-            <a:endParaRPr lang="en-ZA" sz="8800" dirty="0"/>
+          </a:p>
+        </p:txBody>
+      </p:sp>
+      <p:sp>
+        <p:nvSpPr>
+          <p:cNvPr id="2" name="Slide Number Placeholder 1">
+            <a:extLst>
+              <a:ext uri="{FF2B5EF4-FFF2-40B4-BE49-F238E27FC236}">
+                <a16:creationId xmlns:a16="http://schemas.microsoft.com/office/drawing/2014/main" id="{381D7CA7-F923-4EC6-B326-D3893041790A}"/>
+              </a:ext>
+            </a:extLst>
+          </p:cNvPr>
+          <p:cNvSpPr>
+            <a:spLocks noGrp="1"/>
+          </p:cNvSpPr>
+          <p:nvPr>
+            <p:ph type="sldNum" sz="quarter" idx="11"/>
+          </p:nvPr>
+        </p:nvSpPr>
+        <p:spPr/>
+        <p:txBody>
+          <a:bodyPr/>
+          <a:lstStyle/>
+          <a:p>
+            <a:fld id="{D27E33E7-AE20-4AF7-9F7C-3359FB83C8D6}" type="slidenum">
+              <a:rPr lang="en-ZA" smtClean="0"/>
+              <a:t>16</a:t>
+            </a:fld>
+            <a:endParaRPr lang="en-ZA"/>
           </a:p>
         </p:txBody>
       </p:sp>
@@ -6458,10 +8017,9 @@
           <a:lstStyle/>
           <a:p>
             <a:r>
-              <a:rPr lang="en-ZA" dirty="0" smtClean="0"/>
+              <a:rPr lang="en-ZA" dirty="0"/>
               <a:t>PROJECT SUMMARY:</a:t>
             </a:r>
-            <a:endParaRPr lang="en-ZA" dirty="0"/>
           </a:p>
         </p:txBody>
       </p:sp>
@@ -6482,47 +8040,16 @@
           <a:p>
             <a:pPr algn="just"/>
             <a:r>
-              <a:rPr lang="en-ZA" dirty="0" smtClean="0"/>
-              <a:t>For this project, we attempted the task </a:t>
-            </a:r>
-            <a:r>
               <a:rPr lang="en-ZA" dirty="0"/>
-              <a:t>of image segmentation </a:t>
-            </a:r>
-            <a:r>
-              <a:rPr lang="en-ZA" dirty="0" smtClean="0"/>
-              <a:t>through using a dataset from </a:t>
-            </a:r>
-            <a:r>
-              <a:rPr lang="en-ZA" dirty="0" err="1" smtClean="0"/>
+              <a:t>For this project, we attempted the task of image segmentation through using a dataset from </a:t>
+            </a:r>
+            <a:r>
+              <a:rPr lang="en-ZA" dirty="0" err="1"/>
               <a:t>Kaggle</a:t>
             </a:r>
             <a:r>
-              <a:rPr lang="en-ZA" dirty="0" smtClean="0"/>
-              <a:t>; specifically the</a:t>
-            </a:r>
-            <a:r>
               <a:rPr lang="en-ZA" dirty="0"/>
-              <a:t> </a:t>
-            </a:r>
-            <a:r>
-              <a:rPr lang="en-ZA" dirty="0" err="1" smtClean="0"/>
-              <a:t>Carvana</a:t>
-            </a:r>
-            <a:r>
-              <a:rPr lang="en-ZA" dirty="0" smtClean="0"/>
-              <a:t> Masking Challenge. </a:t>
-            </a:r>
-          </a:p>
-          <a:p>
-            <a:pPr algn="just"/>
-            <a:r>
-              <a:rPr lang="en-ZA" dirty="0" smtClean="0"/>
-              <a:t>The </a:t>
-            </a:r>
-            <a:r>
-              <a:rPr lang="en-ZA" dirty="0"/>
-              <a:t>idea comes from the interests of knowing how to segment the object from the image. The datasets from the </a:t>
+              <a:t>; specifically the </a:t>
             </a:r>
             <a:r>
               <a:rPr lang="en-ZA" dirty="0" err="1"/>
@@ -6530,23 +8057,22 @@
             </a:r>
             <a:r>
               <a:rPr lang="en-ZA" dirty="0"/>
-              <a:t> Image Masking Challenge </a:t>
-            </a:r>
-            <a:r>
-              <a:rPr lang="en-ZA" dirty="0" smtClean="0"/>
-              <a:t>is based </a:t>
-            </a:r>
+              <a:t> Masking Challenge. </a:t>
+            </a:r>
+          </a:p>
+          <a:p>
+            <a:pPr algn="just"/>
             <a:r>
               <a:rPr lang="en-ZA" dirty="0"/>
-              <a:t>on high quality car photos and the backgrounds of the images usually c</a:t>
-            </a:r>
-            <a:r>
-              <a:rPr lang="en-ZA" dirty="0" smtClean="0"/>
-              <a:t>ontain </a:t>
+              <a:t>The idea comes from the interests of knowing how to segment the object from the image. The datasets from the </a:t>
+            </a:r>
+            <a:r>
+              <a:rPr lang="en-ZA" dirty="0" err="1"/>
+              <a:t>Carvana</a:t>
             </a:r>
             <a:r>
               <a:rPr lang="en-ZA" dirty="0"/>
-              <a:t>similar </a:t>
+              <a:t> Image Masking Challenge is based on high quality car photos and the backgrounds of the images usually contain similar </a:t>
             </a:r>
             <a:r>
               <a:rPr lang="en-ZA" dirty="0" err="1"/>
@@ -6600,6 +8126,35 @@
           </a:extLst>
         </p:spPr>
       </p:pic>
+      <p:sp>
+        <p:nvSpPr>
+          <p:cNvPr id="4" name="Slide Number Placeholder 3">
+            <a:extLst>
+              <a:ext uri="{FF2B5EF4-FFF2-40B4-BE49-F238E27FC236}">
+                <a16:creationId xmlns:a16="http://schemas.microsoft.com/office/drawing/2014/main" id="{9C8FDED6-1873-4B42-8090-388DF7FB6B5E}"/>
+              </a:ext>
+            </a:extLst>
+          </p:cNvPr>
+          <p:cNvSpPr>
+            <a:spLocks noGrp="1"/>
+          </p:cNvSpPr>
+          <p:nvPr>
+            <p:ph type="sldNum" sz="quarter" idx="11"/>
+          </p:nvPr>
+        </p:nvSpPr>
+        <p:spPr/>
+        <p:txBody>
+          <a:bodyPr/>
+          <a:lstStyle/>
+          <a:p>
+            <a:fld id="{D27E33E7-AE20-4AF7-9F7C-3359FB83C8D6}" type="slidenum">
+              <a:rPr lang="en-ZA" smtClean="0"/>
+              <a:t>2</a:t>
+            </a:fld>
+            <a:endParaRPr lang="en-ZA"/>
+          </a:p>
+        </p:txBody>
+      </p:sp>
     </p:spTree>
     <p:extLst>
       <p:ext uri="{BB962C8B-B14F-4D97-AF65-F5344CB8AC3E}">
@@ -6646,10 +8201,9 @@
           <a:lstStyle/>
           <a:p>
             <a:r>
-              <a:rPr lang="en-ZA" dirty="0" smtClean="0"/>
+              <a:rPr lang="en-ZA" dirty="0"/>
               <a:t>WHY THIS DATASET:</a:t>
             </a:r>
-            <a:endParaRPr lang="en-ZA" dirty="0"/>
           </a:p>
         </p:txBody>
       </p:sp>
@@ -6669,19 +8223,19 @@
           <a:lstStyle/>
           <a:p>
             <a:r>
-              <a:rPr lang="en-ZA" dirty="0" smtClean="0"/>
+              <a:rPr lang="en-ZA" dirty="0"/>
               <a:t>We first wanted to gain some basic understanding of image segmentation.</a:t>
             </a:r>
           </a:p>
           <a:p>
             <a:r>
-              <a:rPr lang="en-ZA" dirty="0" smtClean="0"/>
+              <a:rPr lang="en-ZA" dirty="0"/>
               <a:t>Car more easily separated from background – i.e. we have a somewhat more neutral background.</a:t>
             </a:r>
           </a:p>
           <a:p>
             <a:r>
-              <a:rPr lang="en-ZA" dirty="0" smtClean="0"/>
+              <a:rPr lang="en-ZA" dirty="0"/>
               <a:t>Once we have gained this basic understanding: </a:t>
             </a:r>
           </a:p>
@@ -6690,7 +8244,7 @@
               <a:buNone/>
             </a:pPr>
             <a:r>
-              <a:rPr lang="en-ZA" dirty="0" smtClean="0"/>
+              <a:rPr lang="en-ZA" dirty="0"/>
               <a:t>      Perhaps then move on to more complex tasks like cloud segmentation.</a:t>
             </a:r>
           </a:p>
@@ -6700,11 +8254,7 @@
             </a:pPr>
             <a:r>
               <a:rPr lang="en-ZA" dirty="0"/>
-              <a:t> </a:t>
-            </a:r>
-            <a:r>
-              <a:rPr lang="en-ZA" dirty="0" smtClean="0"/>
-              <a:t>     This is a more complex task as there are more background features/colours.</a:t>
+              <a:t>      This is a more complex task as there are more background features/colours.</a:t>
             </a:r>
           </a:p>
         </p:txBody>
@@ -6845,10 +8395,38 @@
           </a:lstStyle>
           <a:p>
             <a:r>
-              <a:rPr lang="en-ZA" dirty="0" smtClean="0"/>
+              <a:rPr lang="en-ZA" dirty="0"/>
               <a:t>A bit too complex for now – but someday!</a:t>
             </a:r>
-            <a:endParaRPr lang="en-ZA" dirty="0"/>
+          </a:p>
+        </p:txBody>
+      </p:sp>
+      <p:sp>
+        <p:nvSpPr>
+          <p:cNvPr id="4" name="Slide Number Placeholder 3">
+            <a:extLst>
+              <a:ext uri="{FF2B5EF4-FFF2-40B4-BE49-F238E27FC236}">
+                <a16:creationId xmlns:a16="http://schemas.microsoft.com/office/drawing/2014/main" id="{9E48DAE7-C019-4E1C-83DC-38844E24ECD8}"/>
+              </a:ext>
+            </a:extLst>
+          </p:cNvPr>
+          <p:cNvSpPr>
+            <a:spLocks noGrp="1"/>
+          </p:cNvSpPr>
+          <p:nvPr>
+            <p:ph type="sldNum" sz="quarter" idx="11"/>
+          </p:nvPr>
+        </p:nvSpPr>
+        <p:spPr/>
+        <p:txBody>
+          <a:bodyPr/>
+          <a:lstStyle/>
+          <a:p>
+            <a:fld id="{D27E33E7-AE20-4AF7-9F7C-3359FB83C8D6}" type="slidenum">
+              <a:rPr lang="en-ZA" smtClean="0"/>
+              <a:t>3</a:t>
+            </a:fld>
+            <a:endParaRPr lang="en-ZA"/>
           </a:p>
         </p:txBody>
       </p:sp>
@@ -6898,10 +8476,9 @@
           <a:lstStyle/>
           <a:p>
             <a:r>
-              <a:rPr lang="en-ZA" dirty="0" smtClean="0"/>
-              <a:t>MORE ABOUT THE DATASET:</a:t>
-            </a:r>
-            <a:endParaRPr lang="en-ZA" dirty="0"/>
+              <a:rPr lang="en-ZA" dirty="0"/>
+              <a:t>STORY:</a:t>
+            </a:r>
           </a:p>
         </p:txBody>
       </p:sp>
@@ -6921,12 +8498,135 @@
           <a:lstStyle/>
           <a:p>
             <a:r>
-              <a:rPr lang="en-ZA" dirty="0" smtClean="0"/>
-              <a:t>The </a:t>
-            </a:r>
-            <a:r>
               <a:rPr lang="en-ZA" dirty="0"/>
-              <a:t>dataset contains a large number of car images (as .jpg files). Each car has exactly 16 images, each one taken at different angles.</a:t>
+              <a:t>We initially wanted to do image segmentation on a cloud dataset.</a:t>
+            </a:r>
+          </a:p>
+          <a:p>
+            <a:r>
+              <a:rPr lang="en-ZA" dirty="0"/>
+              <a:t>This may have been useful in many applications such as in agriculture.</a:t>
+            </a:r>
+          </a:p>
+          <a:p>
+            <a:r>
+              <a:rPr lang="en-ZA" dirty="0"/>
+              <a:t>We found this a bit too challenging as beginners.</a:t>
+            </a:r>
+          </a:p>
+          <a:p>
+            <a:r>
+              <a:rPr lang="en-ZA" dirty="0"/>
+              <a:t>We decided to first try something a bit simpler as practice.</a:t>
+            </a:r>
+          </a:p>
+          <a:p>
+            <a:r>
+              <a:rPr lang="en-ZA" dirty="0"/>
+              <a:t>This led us to the Carvana Image Segmentation Challenge.</a:t>
+            </a:r>
+          </a:p>
+        </p:txBody>
+      </p:sp>
+      <p:sp>
+        <p:nvSpPr>
+          <p:cNvPr id="4" name="Slide Number Placeholder 3">
+            <a:extLst>
+              <a:ext uri="{FF2B5EF4-FFF2-40B4-BE49-F238E27FC236}">
+                <a16:creationId xmlns:a16="http://schemas.microsoft.com/office/drawing/2014/main" id="{6469688E-14BF-42D6-BB03-9054CA20DC65}"/>
+              </a:ext>
+            </a:extLst>
+          </p:cNvPr>
+          <p:cNvSpPr>
+            <a:spLocks noGrp="1"/>
+          </p:cNvSpPr>
+          <p:nvPr>
+            <p:ph type="sldNum" sz="quarter" idx="11"/>
+          </p:nvPr>
+        </p:nvSpPr>
+        <p:spPr/>
+        <p:txBody>
+          <a:bodyPr/>
+          <a:lstStyle/>
+          <a:p>
+            <a:fld id="{D27E33E7-AE20-4AF7-9F7C-3359FB83C8D6}" type="slidenum">
+              <a:rPr lang="en-ZA" smtClean="0"/>
+              <a:t>4</a:t>
+            </a:fld>
+            <a:endParaRPr lang="en-ZA"/>
+          </a:p>
+        </p:txBody>
+      </p:sp>
+    </p:spTree>
+    <p:extLst>
+      <p:ext uri="{BB962C8B-B14F-4D97-AF65-F5344CB8AC3E}">
+        <p14:creationId xmlns:p14="http://schemas.microsoft.com/office/powerpoint/2010/main" val="715285250"/>
+      </p:ext>
+    </p:extLst>
+  </p:cSld>
+  <p:clrMapOvr>
+    <a:masterClrMapping/>
+  </p:clrMapOvr>
+</p:sld>
+</file>
+
+<file path=ppt/slides/slide5.xml><?xml version="1.0" encoding="utf-8"?>
+<p:sld xmlns:a="http://schemas.openxmlformats.org/drawingml/2006/main" xmlns:r="http://schemas.openxmlformats.org/officeDocument/2006/relationships" xmlns:p="http://schemas.openxmlformats.org/presentationml/2006/main">
+  <p:cSld>
+    <p:spTree>
+      <p:nvGrpSpPr>
+        <p:cNvPr id="1" name=""/>
+        <p:cNvGrpSpPr/>
+        <p:nvPr/>
+      </p:nvGrpSpPr>
+      <p:grpSpPr>
+        <a:xfrm>
+          <a:off x="0" y="0"/>
+          <a:ext cx="0" cy="0"/>
+          <a:chOff x="0" y="0"/>
+          <a:chExt cx="0" cy="0"/>
+        </a:xfrm>
+      </p:grpSpPr>
+      <p:sp>
+        <p:nvSpPr>
+          <p:cNvPr id="2" name="Title 1"/>
+          <p:cNvSpPr>
+            <a:spLocks noGrp="1"/>
+          </p:cNvSpPr>
+          <p:nvPr>
+            <p:ph type="title"/>
+          </p:nvPr>
+        </p:nvSpPr>
+        <p:spPr/>
+        <p:txBody>
+          <a:bodyPr/>
+          <a:lstStyle/>
+          <a:p>
+            <a:r>
+              <a:rPr lang="en-ZA" dirty="0"/>
+              <a:t>MORE ABOUT THE DATASET:</a:t>
+            </a:r>
+          </a:p>
+        </p:txBody>
+      </p:sp>
+      <p:sp>
+        <p:nvSpPr>
+          <p:cNvPr id="3" name="Content Placeholder 2"/>
+          <p:cNvSpPr>
+            <a:spLocks noGrp="1"/>
+          </p:cNvSpPr>
+          <p:nvPr>
+            <p:ph idx="1"/>
+          </p:nvPr>
+        </p:nvSpPr>
+        <p:spPr/>
+        <p:txBody>
+          <a:bodyPr/>
+          <a:lstStyle/>
+          <a:p>
+            <a:r>
+              <a:rPr lang="en-ZA" dirty="0"/>
+              <a:t>The dataset contains a large number of car images (as .jpg files). Each car has exactly 16 images, each one taken at different angles.</a:t>
             </a:r>
           </a:p>
           <a:p>
@@ -6936,19 +8636,11 @@
             </a:r>
             <a:r>
               <a:rPr lang="en-ZA" dirty="0" err="1"/>
-              <a:t>K</a:t>
-            </a:r>
-            <a:r>
-              <a:rPr lang="en-ZA" dirty="0" err="1" smtClean="0"/>
-              <a:t>aggle</a:t>
-            </a:r>
-            <a:r>
-              <a:rPr lang="en-ZA" dirty="0" smtClean="0"/>
-              <a:t> </a:t>
+              <a:t>Kaggle</a:t>
             </a:r>
             <a:r>
               <a:rPr lang="en-ZA" dirty="0"/>
-              <a:t>challenge website)</a:t>
+              <a:t> challenge website)</a:t>
             </a:r>
           </a:p>
           <a:p>
@@ -7010,6 +8702,35 @@
           </a:extLst>
         </p:spPr>
       </p:pic>
+      <p:sp>
+        <p:nvSpPr>
+          <p:cNvPr id="4" name="Slide Number Placeholder 3">
+            <a:extLst>
+              <a:ext uri="{FF2B5EF4-FFF2-40B4-BE49-F238E27FC236}">
+                <a16:creationId xmlns:a16="http://schemas.microsoft.com/office/drawing/2014/main" id="{A1974E2C-FF1B-40D6-A56D-2B45BED5ECAA}"/>
+              </a:ext>
+            </a:extLst>
+          </p:cNvPr>
+          <p:cNvSpPr>
+            <a:spLocks noGrp="1"/>
+          </p:cNvSpPr>
+          <p:nvPr>
+            <p:ph type="sldNum" sz="quarter" idx="11"/>
+          </p:nvPr>
+        </p:nvSpPr>
+        <p:spPr/>
+        <p:txBody>
+          <a:bodyPr/>
+          <a:lstStyle/>
+          <a:p>
+            <a:fld id="{D27E33E7-AE20-4AF7-9F7C-3359FB83C8D6}" type="slidenum">
+              <a:rPr lang="en-ZA" smtClean="0"/>
+              <a:t>5</a:t>
+            </a:fld>
+            <a:endParaRPr lang="en-ZA"/>
+          </a:p>
+        </p:txBody>
+      </p:sp>
     </p:spTree>
     <p:extLst>
       <p:ext uri="{BB962C8B-B14F-4D97-AF65-F5344CB8AC3E}">
@@ -7023,7 +8744,7 @@
 </p:sld>
 </file>
 
-<file path=ppt/slides/slide5.xml><?xml version="1.0" encoding="utf-8"?>
+<file path=ppt/slides/slide6.xml><?xml version="1.0" encoding="utf-8"?>
 <p:sld xmlns:a="http://schemas.openxmlformats.org/drawingml/2006/main" xmlns:r="http://schemas.openxmlformats.org/officeDocument/2006/relationships" xmlns:p="http://schemas.openxmlformats.org/presentationml/2006/main">
   <p:cSld>
     <p:spTree>
@@ -7056,10 +8777,9 @@
           <a:lstStyle/>
           <a:p>
             <a:r>
-              <a:rPr lang="en-ZA" dirty="0" smtClean="0"/>
+              <a:rPr lang="en-ZA" dirty="0"/>
               <a:t>TOOLS</a:t>
             </a:r>
-            <a:endParaRPr lang="en-ZA" dirty="0"/>
           </a:p>
         </p:txBody>
       </p:sp>
@@ -7079,46 +8799,52 @@
           <a:lstStyle/>
           <a:p>
             <a:r>
-              <a:rPr lang="en-ZA" dirty="0" err="1" smtClean="0"/>
+              <a:rPr lang="en-ZA" dirty="0" err="1"/>
               <a:t>Jupyter</a:t>
             </a:r>
             <a:r>
-              <a:rPr lang="en-ZA" dirty="0" smtClean="0"/>
+              <a:rPr lang="en-ZA" dirty="0"/>
               <a:t> Notebook</a:t>
             </a:r>
           </a:p>
           <a:p>
             <a:r>
-              <a:rPr lang="en-ZA" dirty="0" smtClean="0"/>
+              <a:rPr lang="en-ZA" dirty="0"/>
+              <a:t>Google </a:t>
+            </a:r>
+            <a:r>
+              <a:rPr lang="en-ZA" dirty="0" err="1"/>
+              <a:t>Colab</a:t>
+            </a:r>
+            <a:endParaRPr lang="en-ZA" dirty="0"/>
+          </a:p>
+          <a:p>
+            <a:r>
+              <a:rPr lang="en-ZA" dirty="0"/>
               <a:t>GitHub</a:t>
             </a:r>
           </a:p>
           <a:p>
             <a:r>
-              <a:rPr lang="en-ZA" dirty="0" smtClean="0"/>
-              <a:t>Google </a:t>
-            </a:r>
-            <a:r>
-              <a:rPr lang="en-ZA" dirty="0" err="1" smtClean="0"/>
-              <a:t>Colab</a:t>
-            </a:r>
-            <a:endParaRPr lang="en-ZA" dirty="0" smtClean="0"/>
-          </a:p>
-          <a:p>
-            <a:r>
-              <a:rPr lang="en-ZA" dirty="0" err="1" smtClean="0"/>
+              <a:rPr lang="en-ZA" dirty="0"/>
+              <a:t>Google Drive</a:t>
+            </a:r>
+          </a:p>
+          <a:p>
+            <a:r>
+              <a:rPr lang="en-ZA" dirty="0" err="1"/>
               <a:t>Carvana</a:t>
             </a:r>
             <a:r>
-              <a:rPr lang="en-ZA" dirty="0" smtClean="0"/>
+              <a:rPr lang="en-ZA" dirty="0"/>
               <a:t> Masking Challenge Dataset from </a:t>
             </a:r>
             <a:r>
-              <a:rPr lang="en-ZA" dirty="0" err="1" smtClean="0"/>
+              <a:rPr lang="en-ZA" dirty="0" err="1"/>
               <a:t>Kaggle</a:t>
             </a:r>
             <a:r>
-              <a:rPr lang="en-ZA" dirty="0" smtClean="0"/>
+              <a:rPr lang="en-ZA" dirty="0"/>
               <a:t>.</a:t>
             </a:r>
           </a:p>
@@ -7153,8 +8879,8 @@
         </p:blipFill>
         <p:spPr bwMode="auto">
           <a:xfrm>
-            <a:off x="1115616" y="3789039"/>
-            <a:ext cx="2328255" cy="2698835"/>
+            <a:off x="509868" y="4452152"/>
+            <a:ext cx="1541899" cy="1787317"/>
           </a:xfrm>
           <a:prstGeom prst="rect">
             <a:avLst/>
@@ -7181,6 +8907,16 @@
         </p:nvPicPr>
         <p:blipFill>
           <a:blip r:embed="rId3">
+            <a:clrChange>
+              <a:clrFrom>
+                <a:srgbClr val="FFFFFF"/>
+              </a:clrFrom>
+              <a:clrTo>
+                <a:srgbClr val="FFFFFF">
+                  <a:alpha val="0"/>
+                </a:srgbClr>
+              </a:clrTo>
+            </a:clrChange>
             <a:extLst>
               <a:ext uri="{28A0092B-C50C-407E-A947-70E740481C1C}">
                 <a14:useLocalDpi xmlns:a14="http://schemas.microsoft.com/office/drawing/2010/main" val="0"/>
@@ -7194,8 +8930,8 @@
         </p:blipFill>
         <p:spPr bwMode="auto">
           <a:xfrm>
-            <a:off x="4283968" y="4042937"/>
-            <a:ext cx="3968155" cy="2191040"/>
+            <a:off x="4196141" y="4452152"/>
+            <a:ext cx="3227029" cy="1781823"/>
           </a:xfrm>
           <a:prstGeom prst="rect">
             <a:avLst/>
@@ -7251,114 +8987,177 @@
           </a:p>
         </p:txBody>
       </p:sp>
+      <p:pic>
+        <p:nvPicPr>
+          <p:cNvPr id="8" name="Picture 7">
+            <a:extLst>
+              <a:ext uri="{FF2B5EF4-FFF2-40B4-BE49-F238E27FC236}">
+                <a16:creationId xmlns:a16="http://schemas.microsoft.com/office/drawing/2014/main" id="{586B7453-81DF-4131-85D3-98F19821B263}"/>
+              </a:ext>
+            </a:extLst>
+          </p:cNvPr>
+          <p:cNvPicPr>
+            <a:picLocks noChangeAspect="1"/>
+          </p:cNvPicPr>
+          <p:nvPr/>
+        </p:nvPicPr>
+        <p:blipFill>
+          <a:blip r:embed="rId4" cstate="print">
+            <a:clrChange>
+              <a:clrFrom>
+                <a:srgbClr val="FFFFFF"/>
+              </a:clrFrom>
+              <a:clrTo>
+                <a:srgbClr val="FFFFFF">
+                  <a:alpha val="0"/>
+                </a:srgbClr>
+              </a:clrTo>
+            </a:clrChange>
+            <a:extLst>
+              <a:ext uri="{28A0092B-C50C-407E-A947-70E740481C1C}">
+                <a14:useLocalDpi xmlns:a14="http://schemas.microsoft.com/office/drawing/2010/main" val="0"/>
+              </a:ext>
+            </a:extLst>
+          </a:blip>
+          <a:stretch>
+            <a:fillRect/>
+          </a:stretch>
+        </p:blipFill>
+        <p:spPr>
+          <a:xfrm>
+            <a:off x="2171593" y="4452152"/>
+            <a:ext cx="1584176" cy="985621"/>
+          </a:xfrm>
+          <a:prstGeom prst="rect">
+            <a:avLst/>
+          </a:prstGeom>
+        </p:spPr>
+      </p:pic>
+      <p:pic>
+        <p:nvPicPr>
+          <p:cNvPr id="12" name="Picture 11">
+            <a:extLst>
+              <a:ext uri="{FF2B5EF4-FFF2-40B4-BE49-F238E27FC236}">
+                <a16:creationId xmlns:a16="http://schemas.microsoft.com/office/drawing/2014/main" id="{85FBE151-CECD-4639-A144-2C1DBE44F737}"/>
+              </a:ext>
+            </a:extLst>
+          </p:cNvPr>
+          <p:cNvPicPr>
+            <a:picLocks noChangeAspect="1"/>
+          </p:cNvPicPr>
+          <p:nvPr/>
+        </p:nvPicPr>
+        <p:blipFill>
+          <a:blip r:embed="rId5" cstate="print">
+            <a:clrChange>
+              <a:clrFrom>
+                <a:srgbClr val="FFFFFF"/>
+              </a:clrFrom>
+              <a:clrTo>
+                <a:srgbClr val="FFFFFF">
+                  <a:alpha val="0"/>
+                </a:srgbClr>
+              </a:clrTo>
+            </a:clrChange>
+            <a:extLst>
+              <a:ext uri="{28A0092B-C50C-407E-A947-70E740481C1C}">
+                <a14:useLocalDpi xmlns:a14="http://schemas.microsoft.com/office/drawing/2010/main" val="0"/>
+              </a:ext>
+            </a:extLst>
+          </a:blip>
+          <a:stretch>
+            <a:fillRect/>
+          </a:stretch>
+        </p:blipFill>
+        <p:spPr>
+          <a:xfrm>
+            <a:off x="3317001" y="5061789"/>
+            <a:ext cx="1758279" cy="1172186"/>
+          </a:xfrm>
+          <a:prstGeom prst="rect">
+            <a:avLst/>
+          </a:prstGeom>
+        </p:spPr>
+      </p:pic>
+      <p:pic>
+        <p:nvPicPr>
+          <p:cNvPr id="16" name="Picture 15">
+            <a:extLst>
+              <a:ext uri="{FF2B5EF4-FFF2-40B4-BE49-F238E27FC236}">
+                <a16:creationId xmlns:a16="http://schemas.microsoft.com/office/drawing/2014/main" id="{451BB688-379E-40FB-ADED-C96120CC7460}"/>
+              </a:ext>
+            </a:extLst>
+          </p:cNvPr>
+          <p:cNvPicPr>
+            <a:picLocks noChangeAspect="1"/>
+          </p:cNvPicPr>
+          <p:nvPr/>
+        </p:nvPicPr>
+        <p:blipFill>
+          <a:blip r:embed="rId6" cstate="print">
+            <a:clrChange>
+              <a:clrFrom>
+                <a:srgbClr val="FFFFFF"/>
+              </a:clrFrom>
+              <a:clrTo>
+                <a:srgbClr val="FFFFFF">
+                  <a:alpha val="0"/>
+                </a:srgbClr>
+              </a:clrTo>
+            </a:clrChange>
+            <a:extLst>
+              <a:ext uri="{28A0092B-C50C-407E-A947-70E740481C1C}">
+                <a14:useLocalDpi xmlns:a14="http://schemas.microsoft.com/office/drawing/2010/main" val="0"/>
+              </a:ext>
+            </a:extLst>
+          </a:blip>
+          <a:stretch>
+            <a:fillRect/>
+          </a:stretch>
+        </p:blipFill>
+        <p:spPr>
+          <a:xfrm>
+            <a:off x="6861788" y="5044338"/>
+            <a:ext cx="2045198" cy="786870"/>
+          </a:xfrm>
+          <a:prstGeom prst="rect">
+            <a:avLst/>
+          </a:prstGeom>
+        </p:spPr>
+      </p:pic>
+      <p:sp>
+        <p:nvSpPr>
+          <p:cNvPr id="17" name="Slide Number Placeholder 16">
+            <a:extLst>
+              <a:ext uri="{FF2B5EF4-FFF2-40B4-BE49-F238E27FC236}">
+                <a16:creationId xmlns:a16="http://schemas.microsoft.com/office/drawing/2014/main" id="{0C21D3CC-5845-45B0-BE1C-22ED5855E90D}"/>
+              </a:ext>
+            </a:extLst>
+          </p:cNvPr>
+          <p:cNvSpPr>
+            <a:spLocks noGrp="1"/>
+          </p:cNvSpPr>
+          <p:nvPr>
+            <p:ph type="sldNum" sz="quarter" idx="11"/>
+          </p:nvPr>
+        </p:nvSpPr>
+        <p:spPr/>
+        <p:txBody>
+          <a:bodyPr/>
+          <a:lstStyle/>
+          <a:p>
+            <a:fld id="{D27E33E7-AE20-4AF7-9F7C-3359FB83C8D6}" type="slidenum">
+              <a:rPr lang="en-ZA" smtClean="0"/>
+              <a:t>6</a:t>
+            </a:fld>
+            <a:endParaRPr lang="en-ZA"/>
+          </a:p>
+        </p:txBody>
+      </p:sp>
     </p:spTree>
     <p:extLst>
       <p:ext uri="{BB962C8B-B14F-4D97-AF65-F5344CB8AC3E}">
         <p14:creationId xmlns:p14="http://schemas.microsoft.com/office/powerpoint/2010/main" val="2607938579"/>
-      </p:ext>
-    </p:extLst>
-  </p:cSld>
-  <p:clrMapOvr>
-    <a:masterClrMapping/>
-  </p:clrMapOvr>
-</p:sld>
-</file>
-
-<file path=ppt/slides/slide6.xml><?xml version="1.0" encoding="utf-8"?>
-<p:sld xmlns:a="http://schemas.openxmlformats.org/drawingml/2006/main" xmlns:r="http://schemas.openxmlformats.org/officeDocument/2006/relationships" xmlns:p="http://schemas.openxmlformats.org/presentationml/2006/main">
-  <p:cSld>
-    <p:spTree>
-      <p:nvGrpSpPr>
-        <p:cNvPr id="1" name=""/>
-        <p:cNvGrpSpPr/>
-        <p:nvPr/>
-      </p:nvGrpSpPr>
-      <p:grpSpPr>
-        <a:xfrm>
-          <a:off x="0" y="0"/>
-          <a:ext cx="0" cy="0"/>
-          <a:chOff x="0" y="0"/>
-          <a:chExt cx="0" cy="0"/>
-        </a:xfrm>
-      </p:grpSpPr>
-      <p:sp>
-        <p:nvSpPr>
-          <p:cNvPr id="2" name="Title 1"/>
-          <p:cNvSpPr>
-            <a:spLocks noGrp="1"/>
-          </p:cNvSpPr>
-          <p:nvPr>
-            <p:ph type="title"/>
-          </p:nvPr>
-        </p:nvSpPr>
-        <p:spPr/>
-        <p:txBody>
-          <a:bodyPr/>
-          <a:lstStyle/>
-          <a:p>
-            <a:r>
-              <a:rPr lang="en-ZA" dirty="0" smtClean="0"/>
-              <a:t>ARCHITECTURE:</a:t>
-            </a:r>
-            <a:endParaRPr lang="en-ZA" dirty="0"/>
-          </a:p>
-        </p:txBody>
-      </p:sp>
-      <p:sp>
-        <p:nvSpPr>
-          <p:cNvPr id="3" name="Content Placeholder 2"/>
-          <p:cNvSpPr>
-            <a:spLocks noGrp="1"/>
-          </p:cNvSpPr>
-          <p:nvPr>
-            <p:ph idx="1"/>
-          </p:nvPr>
-        </p:nvSpPr>
-        <p:spPr/>
-        <p:txBody>
-          <a:bodyPr/>
-          <a:lstStyle/>
-          <a:p>
-            <a:r>
-              <a:rPr lang="en-ZA" dirty="0" smtClean="0"/>
-              <a:t>We first started with uploading the dataset and some image pre-processing and augmentation to generate a few more training examples.</a:t>
-            </a:r>
-          </a:p>
-          <a:p>
-            <a:r>
-              <a:rPr lang="en-ZA" dirty="0" smtClean="0"/>
-              <a:t>We had to do this as the original dataset was a bit too large. </a:t>
-            </a:r>
-          </a:p>
-          <a:p>
-            <a:r>
-              <a:rPr lang="en-ZA" dirty="0" smtClean="0"/>
-              <a:t>Therefore, we only used some of the training dataset and split this into a training and test set.</a:t>
-            </a:r>
-          </a:p>
-          <a:p>
-            <a:r>
-              <a:rPr lang="en-ZA" dirty="0"/>
-              <a:t>We then attempted to train our model using UNET (developed by </a:t>
-            </a:r>
-            <a:r>
-              <a:rPr lang="en-ZA" dirty="0" err="1"/>
-              <a:t>Ronneberger</a:t>
-            </a:r>
-            <a:r>
-              <a:rPr lang="en-ZA" dirty="0"/>
-              <a:t> et al.) .</a:t>
-            </a:r>
-          </a:p>
-          <a:p>
-            <a:endParaRPr lang="en-ZA" dirty="0"/>
-          </a:p>
-        </p:txBody>
-      </p:sp>
-    </p:spTree>
-    <p:extLst>
-      <p:ext uri="{BB962C8B-B14F-4D97-AF65-F5344CB8AC3E}">
-        <p14:creationId xmlns:p14="http://schemas.microsoft.com/office/powerpoint/2010/main" val="1492939519"/>
       </p:ext>
     </p:extLst>
   </p:cSld>
@@ -7387,7 +9186,13 @@
       </p:grpSpPr>
       <p:sp>
         <p:nvSpPr>
-          <p:cNvPr id="2" name="Title 1"/>
+          <p:cNvPr id="2" name="Title 1">
+            <a:extLst>
+              <a:ext uri="{FF2B5EF4-FFF2-40B4-BE49-F238E27FC236}">
+                <a16:creationId xmlns:a16="http://schemas.microsoft.com/office/drawing/2014/main" id="{F90AB4CD-6CD0-4E3A-9F75-5C45BFDD386A}"/>
+              </a:ext>
+            </a:extLst>
+          </p:cNvPr>
           <p:cNvSpPr>
             <a:spLocks noGrp="1"/>
           </p:cNvSpPr>
@@ -7401,16 +9206,21 @@
           <a:lstStyle/>
           <a:p>
             <a:r>
-              <a:rPr lang="en-ZA" dirty="0" smtClean="0"/>
-              <a:t>ARCHITECTURE (cont.):</a:t>
-            </a:r>
-            <a:endParaRPr lang="en-ZA" dirty="0"/>
-          </a:p>
-        </p:txBody>
-      </p:sp>
-      <p:sp>
-        <p:nvSpPr>
-          <p:cNvPr id="3" name="Content Placeholder 2"/>
+              <a:rPr lang="de-DE" dirty="0"/>
+              <a:t>OUTLINE</a:t>
+            </a:r>
+          </a:p>
+        </p:txBody>
+      </p:sp>
+      <p:sp>
+        <p:nvSpPr>
+          <p:cNvPr id="3" name="Content Placeholder 2">
+            <a:extLst>
+              <a:ext uri="{FF2B5EF4-FFF2-40B4-BE49-F238E27FC236}">
+                <a16:creationId xmlns:a16="http://schemas.microsoft.com/office/drawing/2014/main" id="{BEB42B8B-1604-4437-884D-B60D0E4239A4}"/>
+              </a:ext>
+            </a:extLst>
+          </p:cNvPr>
           <p:cNvSpPr>
             <a:spLocks noGrp="1"/>
           </p:cNvSpPr>
@@ -7424,78 +9234,180 @@
           <a:lstStyle/>
           <a:p>
             <a:r>
-              <a:rPr lang="en-ZA" dirty="0" smtClean="0"/>
-              <a:t>This is a end-to-end fully convolutional network: it has no dense later = so as to accept images of any size.</a:t>
-            </a:r>
-          </a:p>
-          <a:p>
-            <a:r>
-              <a:rPr lang="en-ZA" dirty="0" smtClean="0"/>
-              <a:t>This is especially useful for image segmentation tasks.</a:t>
-            </a:r>
-          </a:p>
-          <a:p>
-            <a:r>
-              <a:rPr lang="en-ZA" dirty="0" smtClean="0"/>
-              <a:t>It works through repeated applications of convolutions, each followed by a rectified linear unit (</a:t>
-            </a:r>
-            <a:r>
-              <a:rPr lang="en-ZA" dirty="0" err="1" smtClean="0"/>
-              <a:t>ReLU</a:t>
-            </a:r>
-            <a:r>
-              <a:rPr lang="en-ZA" dirty="0" smtClean="0"/>
-              <a:t>) and max pooling (up-sampling). </a:t>
-            </a:r>
-            <a:endParaRPr lang="en-ZA" dirty="0"/>
-          </a:p>
-        </p:txBody>
-      </p:sp>
-      <p:pic>
-        <p:nvPicPr>
-          <p:cNvPr id="5122" name="Picture 2" descr="Convolutional neural network (CNN) architecture, based on UNET... |  Download Scientific Diagram"/>
-          <p:cNvPicPr>
-            <a:picLocks noChangeAspect="1" noChangeArrowheads="1"/>
-          </p:cNvPicPr>
-          <p:nvPr/>
-        </p:nvPicPr>
-        <p:blipFill>
-          <a:blip r:embed="rId2">
+              <a:rPr lang="de-DE" dirty="0"/>
+              <a:t>Data </a:t>
+            </a:r>
+            <a:r>
+              <a:rPr lang="de-DE" dirty="0" err="1"/>
+              <a:t>Preparation</a:t>
+            </a:r>
+            <a:endParaRPr lang="de-DE" dirty="0"/>
+          </a:p>
+          <a:p>
+            <a:r>
+              <a:rPr lang="de-DE" dirty="0"/>
+              <a:t>Network Architecture U-Net: </a:t>
+            </a:r>
+            <a:r>
+              <a:rPr lang="en-ZA" dirty="0"/>
+              <a:t>developed by </a:t>
+            </a:r>
+            <a:r>
+              <a:rPr lang="en-ZA" dirty="0" err="1">
+                <a:solidFill>
+                  <a:srgbClr val="0070C0"/>
+                </a:solidFill>
+                <a:hlinkClick r:id="rId2">
+                  <a:extLst>
+                    <a:ext uri="{A12FA001-AC4F-418D-AE19-62706E023703}">
+                      <ahyp:hlinkClr xmlns:ahyp="http://schemas.microsoft.com/office/drawing/2018/hyperlinkcolor" val="tx"/>
+                    </a:ext>
+                  </a:extLst>
+                </a:hlinkClick>
+              </a:rPr>
+              <a:t>Ronneberger</a:t>
+            </a:r>
+            <a:r>
+              <a:rPr lang="en-ZA" dirty="0">
+                <a:solidFill>
+                  <a:srgbClr val="0070C0"/>
+                </a:solidFill>
+                <a:hlinkClick r:id="rId2">
+                  <a:extLst>
+                    <a:ext uri="{A12FA001-AC4F-418D-AE19-62706E023703}">
+                      <ahyp:hlinkClr xmlns:ahyp="http://schemas.microsoft.com/office/drawing/2018/hyperlinkcolor" val="tx"/>
+                    </a:ext>
+                  </a:extLst>
+                </a:hlinkClick>
+              </a:rPr>
+              <a:t> et al., 2015</a:t>
+            </a:r>
+            <a:endParaRPr lang="de-DE" dirty="0"/>
+          </a:p>
+          <a:p>
+            <a:r>
+              <a:rPr lang="de-DE" dirty="0" err="1"/>
+              <a:t>Results</a:t>
+            </a:r>
+            <a:r>
+              <a:rPr lang="de-DE" dirty="0"/>
+              <a:t>: Model </a:t>
+            </a:r>
+            <a:r>
+              <a:rPr lang="de-DE" dirty="0" err="1"/>
+              <a:t>preformance</a:t>
+            </a:r>
+            <a:endParaRPr lang="de-DE" dirty="0"/>
+          </a:p>
+          <a:p>
+            <a:r>
+              <a:rPr lang="de-DE" dirty="0" err="1"/>
+              <a:t>Examples</a:t>
+            </a:r>
+            <a:r>
+              <a:rPr lang="de-DE" dirty="0"/>
+              <a:t> </a:t>
+            </a:r>
+            <a:r>
+              <a:rPr lang="de-DE" dirty="0" err="1"/>
+              <a:t>from</a:t>
+            </a:r>
+            <a:r>
+              <a:rPr lang="de-DE" dirty="0"/>
+              <a:t> </a:t>
+            </a:r>
+            <a:r>
+              <a:rPr lang="de-DE" dirty="0">
+                <a:solidFill>
+                  <a:srgbClr val="0070C0"/>
+                </a:solidFill>
+                <a:hlinkClick r:id="rId3">
+                  <a:extLst>
+                    <a:ext uri="{A12FA001-AC4F-418D-AE19-62706E023703}">
+                      <ahyp:hlinkClr xmlns:ahyp="http://schemas.microsoft.com/office/drawing/2018/hyperlinkcolor" val="tx"/>
+                    </a:ext>
+                  </a:extLst>
+                </a:hlinkClick>
+              </a:rPr>
+              <a:t>Mercedes-Benz </a:t>
+            </a:r>
+            <a:r>
+              <a:rPr lang="de-DE" dirty="0" err="1">
+                <a:solidFill>
+                  <a:srgbClr val="0070C0"/>
+                </a:solidFill>
+                <a:hlinkClick r:id="rId3">
+                  <a:extLst>
+                    <a:ext uri="{A12FA001-AC4F-418D-AE19-62706E023703}">
+                      <ahyp:hlinkClr xmlns:ahyp="http://schemas.microsoft.com/office/drawing/2018/hyperlinkcolor" val="tx"/>
+                    </a:ext>
+                  </a:extLst>
+                </a:hlinkClick>
+              </a:rPr>
+              <a:t>website</a:t>
+            </a:r>
+            <a:endParaRPr lang="de-DE" dirty="0">
+              <a:solidFill>
+                <a:srgbClr val="0070C0"/>
+              </a:solidFill>
+            </a:endParaRPr>
+          </a:p>
+          <a:p>
+            <a:r>
+              <a:rPr lang="de-DE" dirty="0"/>
+              <a:t>Story Behind</a:t>
+            </a:r>
+          </a:p>
+          <a:p>
+            <a:r>
+              <a:rPr lang="de-DE" dirty="0"/>
+              <a:t>Future Work</a:t>
+            </a:r>
+          </a:p>
+          <a:p>
+            <a:endParaRPr lang="de-DE" dirty="0"/>
+          </a:p>
+          <a:p>
+            <a:endParaRPr lang="de-DE" dirty="0"/>
+          </a:p>
+          <a:p>
+            <a:endParaRPr lang="de-DE" dirty="0"/>
+          </a:p>
+        </p:txBody>
+      </p:sp>
+      <p:sp>
+        <p:nvSpPr>
+          <p:cNvPr id="4" name="Slide Number Placeholder 3">
             <a:extLst>
-              <a:ext uri="{28A0092B-C50C-407E-A947-70E740481C1C}">
-                <a14:useLocalDpi xmlns:a14="http://schemas.microsoft.com/office/drawing/2010/main" val="0"/>
+              <a:ext uri="{FF2B5EF4-FFF2-40B4-BE49-F238E27FC236}">
+                <a16:creationId xmlns:a16="http://schemas.microsoft.com/office/drawing/2014/main" id="{D5D70D01-4805-4DBD-AB87-D3C281C988BE}"/>
               </a:ext>
             </a:extLst>
-          </a:blip>
-          <a:srcRect/>
-          <a:stretch>
-            <a:fillRect/>
-          </a:stretch>
-        </p:blipFill>
-        <p:spPr bwMode="auto">
-          <a:xfrm>
-            <a:off x="2411760" y="4005064"/>
-            <a:ext cx="3860912" cy="2448272"/>
-          </a:xfrm>
-          <a:prstGeom prst="rect">
-            <a:avLst/>
-          </a:prstGeom>
-          <a:noFill/>
-          <a:extLst>
-            <a:ext uri="{909E8E84-426E-40DD-AFC4-6F175D3DCCD1}">
-              <a14:hiddenFill xmlns:a14="http://schemas.microsoft.com/office/drawing/2010/main">
-                <a:solidFill>
-                  <a:srgbClr val="FFFFFF"/>
-                </a:solidFill>
-              </a14:hiddenFill>
-            </a:ext>
-          </a:extLst>
-        </p:spPr>
-      </p:pic>
+          </p:cNvPr>
+          <p:cNvSpPr>
+            <a:spLocks noGrp="1"/>
+          </p:cNvSpPr>
+          <p:nvPr>
+            <p:ph type="sldNum" sz="quarter" idx="11"/>
+          </p:nvPr>
+        </p:nvSpPr>
+        <p:spPr/>
+        <p:txBody>
+          <a:bodyPr/>
+          <a:lstStyle/>
+          <a:p>
+            <a:fld id="{D27E33E7-AE20-4AF7-9F7C-3359FB83C8D6}" type="slidenum">
+              <a:rPr lang="en-ZA" smtClean="0"/>
+              <a:t>7</a:t>
+            </a:fld>
+            <a:endParaRPr lang="en-ZA"/>
+          </a:p>
+        </p:txBody>
+      </p:sp>
     </p:spTree>
     <p:extLst>
       <p:ext uri="{BB962C8B-B14F-4D97-AF65-F5344CB8AC3E}">
-        <p14:creationId xmlns:p14="http://schemas.microsoft.com/office/powerpoint/2010/main" val="704688067"/>
+        <p14:creationId xmlns:p14="http://schemas.microsoft.com/office/powerpoint/2010/main" val="1043334720"/>
       </p:ext>
     </p:extLst>
   </p:cSld>
@@ -7539,7 +9451,7 @@
           <a:p>
             <a:r>
               <a:rPr lang="en-ZA" dirty="0"/>
-              <a:t>ARCHITECTURE (cont.):</a:t>
+              <a:t>DATA PREPARATION (1/2)</a:t>
             </a:r>
           </a:p>
         </p:txBody>
@@ -7559,92 +9471,103 @@
           <a:bodyPr/>
           <a:lstStyle/>
           <a:p>
-            <a:r>
-              <a:rPr lang="en-ZA" dirty="0" smtClean="0"/>
-              <a:t>We then compiled our model by using the following standard elements: </a:t>
-            </a:r>
+            <a:pPr marL="457200" indent="-457200">
+              <a:buFont typeface="+mj-lt"/>
+              <a:buAutoNum type="arabicPeriod"/>
+            </a:pPr>
+            <a:r>
+              <a:rPr lang="en-ZA" dirty="0"/>
+              <a:t>Upload the dataset to a shared google drive</a:t>
+            </a:r>
+          </a:p>
+          <a:p>
+            <a:pPr marL="457200" indent="-457200">
+              <a:buFont typeface="+mj-lt"/>
+              <a:buAutoNum type="arabicPeriod"/>
+            </a:pPr>
+            <a:r>
+              <a:rPr lang="en-ZA" dirty="0"/>
+              <a:t>A glimpse of the dataset</a:t>
+            </a:r>
+          </a:p>
+          <a:p>
+            <a:pPr marL="457200" indent="-457200">
+              <a:buFont typeface="+mj-lt"/>
+              <a:buAutoNum type="arabicPeriod"/>
+            </a:pPr>
+            <a:endParaRPr lang="en-ZA" dirty="0"/>
           </a:p>
           <a:p>
             <a:pPr marL="0" indent="0">
               <a:buNone/>
             </a:pPr>
-            <a:endParaRPr lang="en-ZA" dirty="0" smtClean="0"/>
-          </a:p>
-          <a:p>
-            <a:endParaRPr lang="en-ZA" dirty="0" smtClean="0"/>
-          </a:p>
-          <a:p>
-            <a:r>
-              <a:rPr lang="en-ZA" dirty="0" smtClean="0"/>
-              <a:t>Our loss function (as suggested by literature): a Sigmoid Activation + Cross-Entropy Loss  (Why? =) the loss is computed for every CNN output vector component, independent of the other components.</a:t>
-            </a:r>
-          </a:p>
-          <a:p>
-            <a:r>
-              <a:rPr lang="en-ZA" dirty="0" smtClean="0"/>
-              <a:t>This is how we attempted to measure our performance.</a:t>
-            </a:r>
+            <a:endParaRPr lang="en-ZA" dirty="0"/>
           </a:p>
         </p:txBody>
       </p:sp>
       <p:pic>
         <p:nvPicPr>
-          <p:cNvPr id="2050" name="Picture 2"/>
+          <p:cNvPr id="4" name="Picture 3">
+            <a:extLst>
+              <a:ext uri="{FF2B5EF4-FFF2-40B4-BE49-F238E27FC236}">
+                <a16:creationId xmlns:a16="http://schemas.microsoft.com/office/drawing/2014/main" id="{089C7177-3FC3-4070-A9F8-897063056231}"/>
+              </a:ext>
+            </a:extLst>
+          </p:cNvPr>
           <p:cNvPicPr>
-            <a:picLocks noChangeAspect="1" noChangeArrowheads="1"/>
+            <a:picLocks noChangeAspect="1"/>
           </p:cNvPicPr>
           <p:nvPr/>
         </p:nvPicPr>
         <p:blipFill>
-          <a:blip r:embed="rId2">
-            <a:extLst>
-              <a:ext uri="{28A0092B-C50C-407E-A947-70E740481C1C}">
-                <a14:useLocalDpi xmlns:a14="http://schemas.microsoft.com/office/drawing/2010/main" val="0"/>
-              </a:ext>
-            </a:extLst>
-          </a:blip>
-          <a:srcRect/>
+          <a:blip r:embed="rId2"/>
           <a:stretch>
             <a:fillRect/>
           </a:stretch>
         </p:blipFill>
-        <p:spPr bwMode="auto">
+        <p:spPr>
           <a:xfrm>
-            <a:off x="827584" y="2447430"/>
-            <a:ext cx="4392488" cy="771022"/>
+            <a:off x="1673932" y="2924944"/>
+            <a:ext cx="5796136" cy="3318931"/>
           </a:xfrm>
           <a:prstGeom prst="rect">
             <a:avLst/>
           </a:prstGeom>
-          <a:noFill/>
-          <a:ln>
-            <a:noFill/>
-          </a:ln>
-          <a:extLst>
-            <a:ext uri="{909E8E84-426E-40DD-AFC4-6F175D3DCCD1}">
-              <a14:hiddenFill xmlns:a14="http://schemas.microsoft.com/office/drawing/2010/main">
-                <a:solidFill>
-                  <a:schemeClr val="accent1"/>
-                </a:solidFill>
-              </a14:hiddenFill>
-            </a:ext>
-            <a:ext uri="{91240B29-F687-4F45-9708-019B960494DF}">
-              <a14:hiddenLine xmlns:a14="http://schemas.microsoft.com/office/drawing/2010/main" w="9525">
-                <a:solidFill>
-                  <a:schemeClr val="tx1"/>
-                </a:solidFill>
-                <a:miter lim="800000"/>
-                <a:headEnd/>
-                <a:tailEnd/>
-              </a14:hiddenLine>
-            </a:ext>
-          </a:extLst>
         </p:spPr>
       </p:pic>
+      <p:sp>
+        <p:nvSpPr>
+          <p:cNvPr id="5" name="Slide Number Placeholder 4">
+            <a:extLst>
+              <a:ext uri="{FF2B5EF4-FFF2-40B4-BE49-F238E27FC236}">
+                <a16:creationId xmlns:a16="http://schemas.microsoft.com/office/drawing/2014/main" id="{70679591-7B2A-4438-847F-D5A90B527D2C}"/>
+              </a:ext>
+            </a:extLst>
+          </p:cNvPr>
+          <p:cNvSpPr>
+            <a:spLocks noGrp="1"/>
+          </p:cNvSpPr>
+          <p:nvPr>
+            <p:ph type="sldNum" sz="quarter" idx="11"/>
+          </p:nvPr>
+        </p:nvSpPr>
+        <p:spPr/>
+        <p:txBody>
+          <a:bodyPr/>
+          <a:lstStyle/>
+          <a:p>
+            <a:fld id="{D27E33E7-AE20-4AF7-9F7C-3359FB83C8D6}" type="slidenum">
+              <a:rPr lang="en-ZA" smtClean="0"/>
+              <a:t>8</a:t>
+            </a:fld>
+            <a:endParaRPr lang="en-ZA"/>
+          </a:p>
+        </p:txBody>
+      </p:sp>
     </p:spTree>
     <p:extLst>
       <p:ext uri="{BB962C8B-B14F-4D97-AF65-F5344CB8AC3E}">
-        <p14:creationId xmlns:p14="http://schemas.microsoft.com/office/powerpoint/2010/main" val="2033276548"/>
+        <p14:creationId xmlns:p14="http://schemas.microsoft.com/office/powerpoint/2010/main" val="1492939519"/>
       </p:ext>
     </p:extLst>
   </p:cSld>
@@ -7687,10 +9610,9 @@
           <a:lstStyle/>
           <a:p>
             <a:r>
-              <a:rPr lang="en-ZA" dirty="0" smtClean="0"/>
-              <a:t>STORY:</a:t>
-            </a:r>
-            <a:endParaRPr lang="en-ZA" dirty="0"/>
+              <a:rPr lang="en-ZA" dirty="0"/>
+              <a:t>DATA PREPARATION (2/2)</a:t>
+            </a:r>
           </a:p>
         </p:txBody>
       </p:sp>
@@ -7704,67 +9626,777 @@
             <p:ph idx="1"/>
           </p:nvPr>
         </p:nvSpPr>
-        <p:spPr/>
+        <p:spPr>
+          <a:xfrm>
+            <a:off x="457200" y="1981200"/>
+            <a:ext cx="8363272" cy="4144963"/>
+          </a:xfrm>
+        </p:spPr>
         <p:txBody>
           <a:bodyPr/>
           <a:lstStyle/>
           <a:p>
-            <a:r>
-              <a:rPr lang="en-ZA" dirty="0" smtClean="0"/>
-              <a:t>We initially wanted to do image segmentation on a cloud dataset.</a:t>
-            </a:r>
-          </a:p>
-          <a:p>
-            <a:r>
-              <a:rPr lang="en-ZA" dirty="0" smtClean="0"/>
-              <a:t>This may have been useful in many applications such as in agriculture.</a:t>
-            </a:r>
-          </a:p>
-          <a:p>
-            <a:r>
-              <a:rPr lang="en-ZA" dirty="0" smtClean="0"/>
-              <a:t>We found this a bit too challenging as beginners.</a:t>
-            </a:r>
-          </a:p>
-          <a:p>
-            <a:r>
-              <a:rPr lang="en-ZA" dirty="0" smtClean="0"/>
-              <a:t>We decided to first try something a bit simpler as practice.</a:t>
-            </a:r>
-          </a:p>
-          <a:p>
-            <a:r>
-              <a:rPr lang="en-ZA" dirty="0" smtClean="0"/>
-              <a:t>This led us to the </a:t>
-            </a:r>
-            <a:r>
-              <a:rPr lang="en-ZA" dirty="0" err="1" smtClean="0"/>
-              <a:t>Carvana</a:t>
-            </a:r>
-            <a:r>
-              <a:rPr lang="en-ZA" dirty="0" smtClean="0"/>
-              <a:t> Image Segmentation Challenge.</a:t>
-            </a:r>
-          </a:p>
-          <a:p>
-            <a:r>
-              <a:rPr lang="en-ZA" dirty="0" smtClean="0"/>
-              <a:t>We experienced quite some difficulty in training our model with some average accuracy.</a:t>
-            </a:r>
-          </a:p>
-          <a:p>
-            <a:r>
-              <a:rPr lang="en-ZA" dirty="0" smtClean="0"/>
-              <a:t>We had some problems with your loss function.</a:t>
-            </a:r>
+            <a:pPr marL="457200" indent="-457200">
+              <a:buFont typeface="+mj-lt"/>
+              <a:buAutoNum type="arabicPeriod" startAt="3"/>
+            </a:pPr>
+            <a:r>
+              <a:rPr lang="en-ZA" dirty="0"/>
+              <a:t>Resize the image into (256, 256)</a:t>
+            </a:r>
+          </a:p>
+          <a:p>
+            <a:pPr marL="457200" indent="-457200">
+              <a:buFont typeface="+mj-lt"/>
+              <a:buAutoNum type="arabicPeriod" startAt="3"/>
+            </a:pPr>
             <a:endParaRPr lang="en-ZA" dirty="0"/>
+          </a:p>
+          <a:p>
+            <a:pPr marL="457200" indent="-457200">
+              <a:buFont typeface="+mj-lt"/>
+              <a:buAutoNum type="arabicPeriod" startAt="3"/>
+            </a:pPr>
+            <a:endParaRPr lang="en-ZA" dirty="0"/>
+          </a:p>
+          <a:p>
+            <a:pPr marL="457200" indent="-457200">
+              <a:buFont typeface="+mj-lt"/>
+              <a:buAutoNum type="arabicPeriod" startAt="3"/>
+            </a:pPr>
+            <a:endParaRPr lang="en-ZA" dirty="0"/>
+          </a:p>
+          <a:p>
+            <a:pPr marL="457200" indent="-457200">
+              <a:buFont typeface="+mj-lt"/>
+              <a:buAutoNum type="arabicPeriod" startAt="3"/>
+            </a:pPr>
+            <a:r>
+              <a:rPr lang="en-ZA" dirty="0"/>
+              <a:t>Data augmentation with </a:t>
+            </a:r>
+            <a:r>
+              <a:rPr lang="en-ZA" dirty="0" err="1">
+                <a:latin typeface="Consolas" panose="020B0609020204030204" pitchFamily="49" charset="0"/>
+                <a:ea typeface="Verdana" panose="020B0604030504040204" pitchFamily="34" charset="0"/>
+              </a:rPr>
+              <a:t>ImageDataGenerator</a:t>
+            </a:r>
+            <a:r>
+              <a:rPr lang="en-ZA" dirty="0">
+                <a:latin typeface="Consolas" panose="020B0609020204030204" pitchFamily="49" charset="0"/>
+                <a:ea typeface="Verdana" panose="020B0604030504040204" pitchFamily="34" charset="0"/>
+              </a:rPr>
+              <a:t> </a:t>
+            </a:r>
+            <a:r>
+              <a:rPr lang="en-ZA" dirty="0"/>
+              <a:t>the following parameters</a:t>
+            </a:r>
+          </a:p>
+          <a:p>
+            <a:pPr marL="0" indent="0">
+              <a:buNone/>
+            </a:pPr>
+            <a:br>
+              <a:rPr lang="en-ZA" dirty="0"/>
+            </a:br>
+            <a:endParaRPr lang="en-ZA" dirty="0"/>
+          </a:p>
+          <a:p>
+            <a:pPr marL="457200" indent="-457200">
+              <a:buFont typeface="+mj-lt"/>
+              <a:buAutoNum type="arabicPeriod" startAt="3"/>
+            </a:pPr>
+            <a:endParaRPr lang="en-ZA" dirty="0"/>
+          </a:p>
+          <a:p>
+            <a:pPr marL="0" indent="0">
+              <a:buNone/>
+            </a:pPr>
+            <a:endParaRPr lang="en-ZA" dirty="0"/>
+          </a:p>
+        </p:txBody>
+      </p:sp>
+      <p:pic>
+        <p:nvPicPr>
+          <p:cNvPr id="5" name="Picture 4">
+            <a:extLst>
+              <a:ext uri="{FF2B5EF4-FFF2-40B4-BE49-F238E27FC236}">
+                <a16:creationId xmlns:a16="http://schemas.microsoft.com/office/drawing/2014/main" id="{728B335D-77CD-4DA5-8C0D-2836BD9C852D}"/>
+              </a:ext>
+            </a:extLst>
+          </p:cNvPr>
+          <p:cNvPicPr>
+            <a:picLocks noChangeAspect="1"/>
+          </p:cNvPicPr>
+          <p:nvPr/>
+        </p:nvPicPr>
+        <p:blipFill rotWithShape="1">
+          <a:blip r:embed="rId2">
+            <a:extLst>
+              <a:ext uri="{28A0092B-C50C-407E-A947-70E740481C1C}">
+                <a14:useLocalDpi xmlns:a14="http://schemas.microsoft.com/office/drawing/2010/main" val="0"/>
+              </a:ext>
+            </a:extLst>
+          </a:blip>
+          <a:srcRect l="5814" t="17806" r="3643" b="17441"/>
+          <a:stretch/>
+        </p:blipFill>
+        <p:spPr>
+          <a:xfrm>
+            <a:off x="4716016" y="1912842"/>
+            <a:ext cx="3759785" cy="1792560"/>
+          </a:xfrm>
+          <a:prstGeom prst="rect">
+            <a:avLst/>
+          </a:prstGeom>
+        </p:spPr>
+      </p:pic>
+      <p:graphicFrame>
+        <p:nvGraphicFramePr>
+          <p:cNvPr id="11" name="Table 10">
+            <a:extLst>
+              <a:ext uri="{FF2B5EF4-FFF2-40B4-BE49-F238E27FC236}">
+                <a16:creationId xmlns:a16="http://schemas.microsoft.com/office/drawing/2014/main" id="{DBAF5383-1072-48AC-95AC-1E418DDDA268}"/>
+              </a:ext>
+            </a:extLst>
+          </p:cNvPr>
+          <p:cNvGraphicFramePr>
+            <a:graphicFrameLocks noGrp="1"/>
+          </p:cNvGraphicFramePr>
+          <p:nvPr>
+            <p:extLst>
+              <p:ext uri="{D42A27DB-BD31-4B8C-83A1-F6EECF244321}">
+                <p14:modId xmlns:p14="http://schemas.microsoft.com/office/powerpoint/2010/main" val="3696813889"/>
+              </p:ext>
+            </p:extLst>
+          </p:nvPr>
+        </p:nvGraphicFramePr>
+        <p:xfrm>
+          <a:off x="2411760" y="4246174"/>
+          <a:ext cx="4232920" cy="2135154"/>
+        </p:xfrm>
+        <a:graphic>
+          <a:graphicData uri="http://schemas.openxmlformats.org/drawingml/2006/table">
+            <a:tbl>
+              <a:tblPr firstRow="1" bandRow="1">
+                <a:tableStyleId>{2D5ABB26-0587-4C30-8999-92F81FD0307C}</a:tableStyleId>
+              </a:tblPr>
+              <a:tblGrid>
+                <a:gridCol w="2116460">
+                  <a:extLst>
+                    <a:ext uri="{9D8B030D-6E8A-4147-A177-3AD203B41FA5}">
+                      <a16:colId xmlns:a16="http://schemas.microsoft.com/office/drawing/2014/main" val="663947692"/>
+                    </a:ext>
+                  </a:extLst>
+                </a:gridCol>
+                <a:gridCol w="2116460">
+                  <a:extLst>
+                    <a:ext uri="{9D8B030D-6E8A-4147-A177-3AD203B41FA5}">
+                      <a16:colId xmlns:a16="http://schemas.microsoft.com/office/drawing/2014/main" val="1114816683"/>
+                    </a:ext>
+                  </a:extLst>
+                </a:gridCol>
+              </a:tblGrid>
+              <a:tr h="305022">
+                <a:tc>
+                  <a:txBody>
+                    <a:bodyPr/>
+                    <a:lstStyle/>
+                    <a:p>
+                      <a:r>
+                        <a:rPr lang="en-US" sz="1400" dirty="0" err="1">
+                          <a:latin typeface="Consolas" panose="020B0609020204030204" pitchFamily="49" charset="0"/>
+                        </a:rPr>
+                        <a:t>rotation_range</a:t>
+                      </a:r>
+                      <a:r>
+                        <a:rPr lang="en-US" sz="1400" dirty="0">
+                          <a:latin typeface="Consolas" panose="020B0609020204030204" pitchFamily="49" charset="0"/>
+                        </a:rPr>
+                        <a:t> </a:t>
+                      </a:r>
+                      <a:endParaRPr lang="de-DE" sz="1400" dirty="0">
+                        <a:latin typeface="Consolas" panose="020B0609020204030204" pitchFamily="49" charset="0"/>
+                      </a:endParaRPr>
+                    </a:p>
+                  </a:txBody>
+                  <a:tcPr>
+                    <a:lnB w="12700" cap="flat" cmpd="sng" algn="ctr">
+                      <a:solidFill>
+                        <a:schemeClr val="tx1"/>
+                      </a:solidFill>
+                      <a:prstDash val="solid"/>
+                      <a:round/>
+                      <a:headEnd type="none" w="med" len="med"/>
+                      <a:tailEnd type="none" w="med" len="med"/>
+                    </a:lnB>
+                  </a:tcPr>
+                </a:tc>
+                <a:tc>
+                  <a:txBody>
+                    <a:bodyPr/>
+                    <a:lstStyle/>
+                    <a:p>
+                      <a:r>
+                        <a:rPr lang="en-US" sz="1400" dirty="0">
+                          <a:latin typeface="Consolas" panose="020B0609020204030204" pitchFamily="49" charset="0"/>
+                        </a:rPr>
+                        <a:t>90</a:t>
+                      </a:r>
+                      <a:endParaRPr lang="de-DE" sz="1400" dirty="0">
+                        <a:latin typeface="Consolas" panose="020B0609020204030204" pitchFamily="49" charset="0"/>
+                      </a:endParaRPr>
+                    </a:p>
+                  </a:txBody>
+                  <a:tcPr>
+                    <a:lnB w="12700" cap="flat" cmpd="sng" algn="ctr">
+                      <a:solidFill>
+                        <a:schemeClr val="tx1"/>
+                      </a:solidFill>
+                      <a:prstDash val="solid"/>
+                      <a:round/>
+                      <a:headEnd type="none" w="med" len="med"/>
+                      <a:tailEnd type="none" w="med" len="med"/>
+                    </a:lnB>
+                  </a:tcPr>
+                </a:tc>
+                <a:extLst>
+                  <a:ext uri="{0D108BD9-81ED-4DB2-BD59-A6C34878D82A}">
+                    <a16:rowId xmlns:a16="http://schemas.microsoft.com/office/drawing/2014/main" val="1459214795"/>
+                  </a:ext>
+                </a:extLst>
+              </a:tr>
+              <a:tr h="305022">
+                <a:tc>
+                  <a:txBody>
+                    <a:bodyPr/>
+                    <a:lstStyle/>
+                    <a:p>
+                      <a:r>
+                        <a:rPr lang="en-US" sz="1400" dirty="0" err="1">
+                          <a:latin typeface="Consolas" panose="020B0609020204030204" pitchFamily="49" charset="0"/>
+                        </a:rPr>
+                        <a:t>width_shift_range</a:t>
+                      </a:r>
+                      <a:r>
+                        <a:rPr lang="en-US" sz="1400" dirty="0">
+                          <a:latin typeface="Consolas" panose="020B0609020204030204" pitchFamily="49" charset="0"/>
+                        </a:rPr>
+                        <a:t> </a:t>
+                      </a:r>
+                      <a:endParaRPr lang="de-DE" sz="1400" dirty="0">
+                        <a:latin typeface="Consolas" panose="020B0609020204030204" pitchFamily="49" charset="0"/>
+                      </a:endParaRPr>
+                    </a:p>
+                  </a:txBody>
+                  <a:tcPr>
+                    <a:lnT w="12700" cap="flat" cmpd="sng" algn="ctr">
+                      <a:solidFill>
+                        <a:schemeClr val="tx1"/>
+                      </a:solidFill>
+                      <a:prstDash val="solid"/>
+                      <a:round/>
+                      <a:headEnd type="none" w="med" len="med"/>
+                      <a:tailEnd type="none" w="med" len="med"/>
+                    </a:lnT>
+                    <a:lnB w="12700" cap="flat" cmpd="sng" algn="ctr">
+                      <a:solidFill>
+                        <a:schemeClr val="tx1"/>
+                      </a:solidFill>
+                      <a:prstDash val="solid"/>
+                      <a:round/>
+                      <a:headEnd type="none" w="med" len="med"/>
+                      <a:tailEnd type="none" w="med" len="med"/>
+                    </a:lnB>
+                  </a:tcPr>
+                </a:tc>
+                <a:tc>
+                  <a:txBody>
+                    <a:bodyPr/>
+                    <a:lstStyle/>
+                    <a:p>
+                      <a:r>
+                        <a:rPr lang="de-DE" sz="1400" dirty="0">
+                          <a:latin typeface="Consolas" panose="020B0609020204030204" pitchFamily="49" charset="0"/>
+                        </a:rPr>
+                        <a:t>0.2</a:t>
+                      </a:r>
+                    </a:p>
+                  </a:txBody>
+                  <a:tcPr>
+                    <a:lnT w="12700" cap="flat" cmpd="sng" algn="ctr">
+                      <a:solidFill>
+                        <a:schemeClr val="tx1"/>
+                      </a:solidFill>
+                      <a:prstDash val="solid"/>
+                      <a:round/>
+                      <a:headEnd type="none" w="med" len="med"/>
+                      <a:tailEnd type="none" w="med" len="med"/>
+                    </a:lnT>
+                    <a:lnB w="12700" cap="flat" cmpd="sng" algn="ctr">
+                      <a:solidFill>
+                        <a:schemeClr val="tx1"/>
+                      </a:solidFill>
+                      <a:prstDash val="solid"/>
+                      <a:round/>
+                      <a:headEnd type="none" w="med" len="med"/>
+                      <a:tailEnd type="none" w="med" len="med"/>
+                    </a:lnB>
+                  </a:tcPr>
+                </a:tc>
+                <a:extLst>
+                  <a:ext uri="{0D108BD9-81ED-4DB2-BD59-A6C34878D82A}">
+                    <a16:rowId xmlns:a16="http://schemas.microsoft.com/office/drawing/2014/main" val="834894620"/>
+                  </a:ext>
+                </a:extLst>
+              </a:tr>
+              <a:tr h="305022">
+                <a:tc>
+                  <a:txBody>
+                    <a:bodyPr/>
+                    <a:lstStyle/>
+                    <a:p>
+                      <a:r>
+                        <a:rPr lang="en-US" sz="1400" dirty="0" err="1">
+                          <a:latin typeface="Consolas" panose="020B0609020204030204" pitchFamily="49" charset="0"/>
+                        </a:rPr>
+                        <a:t>height_shift_range</a:t>
+                      </a:r>
+                      <a:r>
+                        <a:rPr lang="en-US" sz="1400" dirty="0">
+                          <a:latin typeface="Consolas" panose="020B0609020204030204" pitchFamily="49" charset="0"/>
+                        </a:rPr>
+                        <a:t> </a:t>
+                      </a:r>
+                      <a:endParaRPr lang="de-DE" sz="1400" dirty="0">
+                        <a:latin typeface="Consolas" panose="020B0609020204030204" pitchFamily="49" charset="0"/>
+                      </a:endParaRPr>
+                    </a:p>
+                  </a:txBody>
+                  <a:tcPr>
+                    <a:lnT w="12700" cap="flat" cmpd="sng" algn="ctr">
+                      <a:solidFill>
+                        <a:schemeClr val="tx1"/>
+                      </a:solidFill>
+                      <a:prstDash val="solid"/>
+                      <a:round/>
+                      <a:headEnd type="none" w="med" len="med"/>
+                      <a:tailEnd type="none" w="med" len="med"/>
+                    </a:lnT>
+                    <a:lnB w="12700" cap="flat" cmpd="sng" algn="ctr">
+                      <a:solidFill>
+                        <a:schemeClr val="tx1"/>
+                      </a:solidFill>
+                      <a:prstDash val="solid"/>
+                      <a:round/>
+                      <a:headEnd type="none" w="med" len="med"/>
+                      <a:tailEnd type="none" w="med" len="med"/>
+                    </a:lnB>
+                  </a:tcPr>
+                </a:tc>
+                <a:tc>
+                  <a:txBody>
+                    <a:bodyPr/>
+                    <a:lstStyle/>
+                    <a:p>
+                      <a:r>
+                        <a:rPr lang="de-DE" sz="1400" dirty="0">
+                          <a:latin typeface="Consolas" panose="020B0609020204030204" pitchFamily="49" charset="0"/>
+                        </a:rPr>
+                        <a:t>0.2</a:t>
+                      </a:r>
+                    </a:p>
+                  </a:txBody>
+                  <a:tcPr>
+                    <a:lnT w="12700" cap="flat" cmpd="sng" algn="ctr">
+                      <a:solidFill>
+                        <a:schemeClr val="tx1"/>
+                      </a:solidFill>
+                      <a:prstDash val="solid"/>
+                      <a:round/>
+                      <a:headEnd type="none" w="med" len="med"/>
+                      <a:tailEnd type="none" w="med" len="med"/>
+                    </a:lnT>
+                    <a:lnB w="12700" cap="flat" cmpd="sng" algn="ctr">
+                      <a:solidFill>
+                        <a:schemeClr val="tx1"/>
+                      </a:solidFill>
+                      <a:prstDash val="solid"/>
+                      <a:round/>
+                      <a:headEnd type="none" w="med" len="med"/>
+                      <a:tailEnd type="none" w="med" len="med"/>
+                    </a:lnB>
+                  </a:tcPr>
+                </a:tc>
+                <a:extLst>
+                  <a:ext uri="{0D108BD9-81ED-4DB2-BD59-A6C34878D82A}">
+                    <a16:rowId xmlns:a16="http://schemas.microsoft.com/office/drawing/2014/main" val="3824534293"/>
+                  </a:ext>
+                </a:extLst>
+              </a:tr>
+              <a:tr h="305022">
+                <a:tc>
+                  <a:txBody>
+                    <a:bodyPr/>
+                    <a:lstStyle/>
+                    <a:p>
+                      <a:r>
+                        <a:rPr lang="en-US" sz="1400" dirty="0" err="1">
+                          <a:latin typeface="Consolas" panose="020B0609020204030204" pitchFamily="49" charset="0"/>
+                        </a:rPr>
+                        <a:t>shear_range</a:t>
+                      </a:r>
+                      <a:r>
+                        <a:rPr lang="en-US" sz="1400" dirty="0">
+                          <a:latin typeface="Consolas" panose="020B0609020204030204" pitchFamily="49" charset="0"/>
+                        </a:rPr>
+                        <a:t> </a:t>
+                      </a:r>
+                      <a:endParaRPr lang="de-DE" sz="1400" dirty="0">
+                        <a:latin typeface="Consolas" panose="020B0609020204030204" pitchFamily="49" charset="0"/>
+                      </a:endParaRPr>
+                    </a:p>
+                  </a:txBody>
+                  <a:tcPr>
+                    <a:lnT w="12700" cap="flat" cmpd="sng" algn="ctr">
+                      <a:solidFill>
+                        <a:schemeClr val="tx1"/>
+                      </a:solidFill>
+                      <a:prstDash val="solid"/>
+                      <a:round/>
+                      <a:headEnd type="none" w="med" len="med"/>
+                      <a:tailEnd type="none" w="med" len="med"/>
+                    </a:lnT>
+                    <a:lnB w="12700" cap="flat" cmpd="sng" algn="ctr">
+                      <a:solidFill>
+                        <a:schemeClr val="tx1"/>
+                      </a:solidFill>
+                      <a:prstDash val="solid"/>
+                      <a:round/>
+                      <a:headEnd type="none" w="med" len="med"/>
+                      <a:tailEnd type="none" w="med" len="med"/>
+                    </a:lnB>
+                  </a:tcPr>
+                </a:tc>
+                <a:tc>
+                  <a:txBody>
+                    <a:bodyPr/>
+                    <a:lstStyle/>
+                    <a:p>
+                      <a:r>
+                        <a:rPr lang="de-DE" sz="1400" dirty="0">
+                          <a:latin typeface="Consolas" panose="020B0609020204030204" pitchFamily="49" charset="0"/>
+                        </a:rPr>
+                        <a:t>0.2</a:t>
+                      </a:r>
+                    </a:p>
+                  </a:txBody>
+                  <a:tcPr>
+                    <a:lnT w="12700" cap="flat" cmpd="sng" algn="ctr">
+                      <a:solidFill>
+                        <a:schemeClr val="tx1"/>
+                      </a:solidFill>
+                      <a:prstDash val="solid"/>
+                      <a:round/>
+                      <a:headEnd type="none" w="med" len="med"/>
+                      <a:tailEnd type="none" w="med" len="med"/>
+                    </a:lnT>
+                    <a:lnB w="12700" cap="flat" cmpd="sng" algn="ctr">
+                      <a:solidFill>
+                        <a:schemeClr val="tx1"/>
+                      </a:solidFill>
+                      <a:prstDash val="solid"/>
+                      <a:round/>
+                      <a:headEnd type="none" w="med" len="med"/>
+                      <a:tailEnd type="none" w="med" len="med"/>
+                    </a:lnB>
+                  </a:tcPr>
+                </a:tc>
+                <a:extLst>
+                  <a:ext uri="{0D108BD9-81ED-4DB2-BD59-A6C34878D82A}">
+                    <a16:rowId xmlns:a16="http://schemas.microsoft.com/office/drawing/2014/main" val="3778218015"/>
+                  </a:ext>
+                </a:extLst>
+              </a:tr>
+              <a:tr h="305022">
+                <a:tc>
+                  <a:txBody>
+                    <a:bodyPr/>
+                    <a:lstStyle/>
+                    <a:p>
+                      <a:r>
+                        <a:rPr lang="en-US" sz="1400" dirty="0" err="1">
+                          <a:latin typeface="Consolas" panose="020B0609020204030204" pitchFamily="49" charset="0"/>
+                        </a:rPr>
+                        <a:t>zoom_range</a:t>
+                      </a:r>
+                      <a:r>
+                        <a:rPr lang="en-US" sz="1400" dirty="0">
+                          <a:latin typeface="Consolas" panose="020B0609020204030204" pitchFamily="49" charset="0"/>
+                        </a:rPr>
+                        <a:t> </a:t>
+                      </a:r>
+                      <a:endParaRPr lang="de-DE" sz="1400" dirty="0">
+                        <a:latin typeface="Consolas" panose="020B0609020204030204" pitchFamily="49" charset="0"/>
+                      </a:endParaRPr>
+                    </a:p>
+                  </a:txBody>
+                  <a:tcPr>
+                    <a:lnT w="12700" cap="flat" cmpd="sng" algn="ctr">
+                      <a:solidFill>
+                        <a:schemeClr val="tx1"/>
+                      </a:solidFill>
+                      <a:prstDash val="solid"/>
+                      <a:round/>
+                      <a:headEnd type="none" w="med" len="med"/>
+                      <a:tailEnd type="none" w="med" len="med"/>
+                    </a:lnT>
+                    <a:lnB w="12700" cap="flat" cmpd="sng" algn="ctr">
+                      <a:solidFill>
+                        <a:schemeClr val="tx1"/>
+                      </a:solidFill>
+                      <a:prstDash val="solid"/>
+                      <a:round/>
+                      <a:headEnd type="none" w="med" len="med"/>
+                      <a:tailEnd type="none" w="med" len="med"/>
+                    </a:lnB>
+                  </a:tcPr>
+                </a:tc>
+                <a:tc>
+                  <a:txBody>
+                    <a:bodyPr/>
+                    <a:lstStyle/>
+                    <a:p>
+                      <a:r>
+                        <a:rPr lang="de-DE" sz="1400" dirty="0">
+                          <a:latin typeface="Consolas" panose="020B0609020204030204" pitchFamily="49" charset="0"/>
+                        </a:rPr>
+                        <a:t>0.2</a:t>
+                      </a:r>
+                    </a:p>
+                  </a:txBody>
+                  <a:tcPr>
+                    <a:lnT w="12700" cap="flat" cmpd="sng" algn="ctr">
+                      <a:solidFill>
+                        <a:schemeClr val="tx1"/>
+                      </a:solidFill>
+                      <a:prstDash val="solid"/>
+                      <a:round/>
+                      <a:headEnd type="none" w="med" len="med"/>
+                      <a:tailEnd type="none" w="med" len="med"/>
+                    </a:lnT>
+                    <a:lnB w="12700" cap="flat" cmpd="sng" algn="ctr">
+                      <a:solidFill>
+                        <a:schemeClr val="tx1"/>
+                      </a:solidFill>
+                      <a:prstDash val="solid"/>
+                      <a:round/>
+                      <a:headEnd type="none" w="med" len="med"/>
+                      <a:tailEnd type="none" w="med" len="med"/>
+                    </a:lnB>
+                  </a:tcPr>
+                </a:tc>
+                <a:extLst>
+                  <a:ext uri="{0D108BD9-81ED-4DB2-BD59-A6C34878D82A}">
+                    <a16:rowId xmlns:a16="http://schemas.microsoft.com/office/drawing/2014/main" val="2388393228"/>
+                  </a:ext>
+                </a:extLst>
+              </a:tr>
+              <a:tr h="305022">
+                <a:tc>
+                  <a:txBody>
+                    <a:bodyPr/>
+                    <a:lstStyle/>
+                    <a:p>
+                      <a:r>
+                        <a:rPr lang="en-US" sz="1400" dirty="0" err="1">
+                          <a:latin typeface="Consolas" panose="020B0609020204030204" pitchFamily="49" charset="0"/>
+                        </a:rPr>
+                        <a:t>horizontal_flip</a:t>
+                      </a:r>
+                      <a:r>
+                        <a:rPr lang="en-US" sz="1400" dirty="0">
+                          <a:latin typeface="Consolas" panose="020B0609020204030204" pitchFamily="49" charset="0"/>
+                        </a:rPr>
+                        <a:t> </a:t>
+                      </a:r>
+                      <a:endParaRPr lang="de-DE" sz="1400" dirty="0">
+                        <a:latin typeface="Consolas" panose="020B0609020204030204" pitchFamily="49" charset="0"/>
+                      </a:endParaRPr>
+                    </a:p>
+                  </a:txBody>
+                  <a:tcPr>
+                    <a:lnT w="12700" cap="flat" cmpd="sng" algn="ctr">
+                      <a:solidFill>
+                        <a:schemeClr val="tx1"/>
+                      </a:solidFill>
+                      <a:prstDash val="solid"/>
+                      <a:round/>
+                      <a:headEnd type="none" w="med" len="med"/>
+                      <a:tailEnd type="none" w="med" len="med"/>
+                    </a:lnT>
+                    <a:lnB w="12700" cap="flat" cmpd="sng" algn="ctr">
+                      <a:solidFill>
+                        <a:schemeClr val="tx1"/>
+                      </a:solidFill>
+                      <a:prstDash val="solid"/>
+                      <a:round/>
+                      <a:headEnd type="none" w="med" len="med"/>
+                      <a:tailEnd type="none" w="med" len="med"/>
+                    </a:lnB>
+                  </a:tcPr>
+                </a:tc>
+                <a:tc>
+                  <a:txBody>
+                    <a:bodyPr/>
+                    <a:lstStyle/>
+                    <a:p>
+                      <a:r>
+                        <a:rPr lang="en-US" sz="1400" dirty="0">
+                          <a:latin typeface="Consolas" panose="020B0609020204030204" pitchFamily="49" charset="0"/>
+                        </a:rPr>
+                        <a:t>True</a:t>
+                      </a:r>
+                      <a:endParaRPr lang="de-DE" sz="1400" dirty="0">
+                        <a:latin typeface="Consolas" panose="020B0609020204030204" pitchFamily="49" charset="0"/>
+                      </a:endParaRPr>
+                    </a:p>
+                  </a:txBody>
+                  <a:tcPr>
+                    <a:lnT w="12700" cap="flat" cmpd="sng" algn="ctr">
+                      <a:solidFill>
+                        <a:schemeClr val="tx1"/>
+                      </a:solidFill>
+                      <a:prstDash val="solid"/>
+                      <a:round/>
+                      <a:headEnd type="none" w="med" len="med"/>
+                      <a:tailEnd type="none" w="med" len="med"/>
+                    </a:lnT>
+                    <a:lnB w="12700" cap="flat" cmpd="sng" algn="ctr">
+                      <a:solidFill>
+                        <a:schemeClr val="tx1"/>
+                      </a:solidFill>
+                      <a:prstDash val="solid"/>
+                      <a:round/>
+                      <a:headEnd type="none" w="med" len="med"/>
+                      <a:tailEnd type="none" w="med" len="med"/>
+                    </a:lnB>
+                  </a:tcPr>
+                </a:tc>
+                <a:extLst>
+                  <a:ext uri="{0D108BD9-81ED-4DB2-BD59-A6C34878D82A}">
+                    <a16:rowId xmlns:a16="http://schemas.microsoft.com/office/drawing/2014/main" val="1909016859"/>
+                  </a:ext>
+                </a:extLst>
+              </a:tr>
+              <a:tr h="305022">
+                <a:tc>
+                  <a:txBody>
+                    <a:bodyPr/>
+                    <a:lstStyle/>
+                    <a:p>
+                      <a:r>
+                        <a:rPr lang="en-US" sz="1400" dirty="0" err="1">
+                          <a:latin typeface="Consolas" panose="020B0609020204030204" pitchFamily="49" charset="0"/>
+                        </a:rPr>
+                        <a:t>fill_mode</a:t>
+                      </a:r>
+                      <a:r>
+                        <a:rPr lang="en-US" sz="1400" dirty="0">
+                          <a:latin typeface="Consolas" panose="020B0609020204030204" pitchFamily="49" charset="0"/>
+                        </a:rPr>
+                        <a:t> </a:t>
+                      </a:r>
+                      <a:endParaRPr lang="de-DE" sz="1400" dirty="0">
+                        <a:latin typeface="Consolas" panose="020B0609020204030204" pitchFamily="49" charset="0"/>
+                      </a:endParaRPr>
+                    </a:p>
+                  </a:txBody>
+                  <a:tcPr>
+                    <a:lnT w="12700" cap="flat" cmpd="sng" algn="ctr">
+                      <a:solidFill>
+                        <a:schemeClr val="tx1"/>
+                      </a:solidFill>
+                      <a:prstDash val="solid"/>
+                      <a:round/>
+                      <a:headEnd type="none" w="med" len="med"/>
+                      <a:tailEnd type="none" w="med" len="med"/>
+                    </a:lnT>
+                  </a:tcPr>
+                </a:tc>
+                <a:tc>
+                  <a:txBody>
+                    <a:bodyPr/>
+                    <a:lstStyle/>
+                    <a:p>
+                      <a:r>
+                        <a:rPr lang="en-US" sz="1400" dirty="0">
+                          <a:latin typeface="Consolas" panose="020B0609020204030204" pitchFamily="49" charset="0"/>
+                        </a:rPr>
+                        <a:t>'nearest'</a:t>
+                      </a:r>
+                      <a:endParaRPr lang="de-DE" sz="1400" dirty="0">
+                        <a:latin typeface="Consolas" panose="020B0609020204030204" pitchFamily="49" charset="0"/>
+                      </a:endParaRPr>
+                    </a:p>
+                  </a:txBody>
+                  <a:tcPr>
+                    <a:lnT w="12700" cap="flat" cmpd="sng" algn="ctr">
+                      <a:solidFill>
+                        <a:schemeClr val="tx1"/>
+                      </a:solidFill>
+                      <a:prstDash val="solid"/>
+                      <a:round/>
+                      <a:headEnd type="none" w="med" len="med"/>
+                      <a:tailEnd type="none" w="med" len="med"/>
+                    </a:lnT>
+                  </a:tcPr>
+                </a:tc>
+                <a:extLst>
+                  <a:ext uri="{0D108BD9-81ED-4DB2-BD59-A6C34878D82A}">
+                    <a16:rowId xmlns:a16="http://schemas.microsoft.com/office/drawing/2014/main" val="231941777"/>
+                  </a:ext>
+                </a:extLst>
+              </a:tr>
+            </a:tbl>
+          </a:graphicData>
+        </a:graphic>
+      </p:graphicFrame>
+      <p:sp>
+        <p:nvSpPr>
+          <p:cNvPr id="12" name="Slide Number Placeholder 11">
+            <a:extLst>
+              <a:ext uri="{FF2B5EF4-FFF2-40B4-BE49-F238E27FC236}">
+                <a16:creationId xmlns:a16="http://schemas.microsoft.com/office/drawing/2014/main" id="{6A3E0091-E815-44BD-A5F8-C25D262C1FB4}"/>
+              </a:ext>
+            </a:extLst>
+          </p:cNvPr>
+          <p:cNvSpPr>
+            <a:spLocks noGrp="1"/>
+          </p:cNvSpPr>
+          <p:nvPr>
+            <p:ph type="sldNum" sz="quarter" idx="11"/>
+          </p:nvPr>
+        </p:nvSpPr>
+        <p:spPr/>
+        <p:txBody>
+          <a:bodyPr/>
+          <a:lstStyle/>
+          <a:p>
+            <a:fld id="{D27E33E7-AE20-4AF7-9F7C-3359FB83C8D6}" type="slidenum">
+              <a:rPr lang="en-ZA" smtClean="0"/>
+              <a:t>9</a:t>
+            </a:fld>
+            <a:endParaRPr lang="en-ZA"/>
           </a:p>
         </p:txBody>
       </p:sp>
     </p:spTree>
     <p:extLst>
       <p:ext uri="{BB962C8B-B14F-4D97-AF65-F5344CB8AC3E}">
-        <p14:creationId xmlns:p14="http://schemas.microsoft.com/office/powerpoint/2010/main" val="715285250"/>
+        <p14:creationId xmlns:p14="http://schemas.microsoft.com/office/powerpoint/2010/main" val="1152935750"/>
       </p:ext>
     </p:extLst>
   </p:cSld>
@@ -8071,4 +10703,299 @@
   <a:objectDefaults/>
   <a:extraClrSchemeLst/>
 </a:theme>
+</file>
+
+<file path=ppt/theme/theme2.xml><?xml version="1.0" encoding="utf-8"?>
+<a:theme xmlns:a="http://schemas.openxmlformats.org/drawingml/2006/main" name="Office Theme">
+  <a:themeElements>
+    <a:clrScheme name="Office">
+      <a:dk1>
+        <a:sysClr val="windowText" lastClr="000000"/>
+      </a:dk1>
+      <a:lt1>
+        <a:sysClr val="window" lastClr="FFFFFF"/>
+      </a:lt1>
+      <a:dk2>
+        <a:srgbClr val="44546A"/>
+      </a:dk2>
+      <a:lt2>
+        <a:srgbClr val="E7E6E6"/>
+      </a:lt2>
+      <a:accent1>
+        <a:srgbClr val="4472C4"/>
+      </a:accent1>
+      <a:accent2>
+        <a:srgbClr val="ED7D31"/>
+      </a:accent2>
+      <a:accent3>
+        <a:srgbClr val="A5A5A5"/>
+      </a:accent3>
+      <a:accent4>
+        <a:srgbClr val="FFC000"/>
+      </a:accent4>
+      <a:accent5>
+        <a:srgbClr val="5B9BD5"/>
+      </a:accent5>
+      <a:accent6>
+        <a:srgbClr val="70AD47"/>
+      </a:accent6>
+      <a:hlink>
+        <a:srgbClr val="0563C1"/>
+      </a:hlink>
+      <a:folHlink>
+        <a:srgbClr val="954F72"/>
+      </a:folHlink>
+    </a:clrScheme>
+    <a:fontScheme name="Office">
+      <a:majorFont>
+        <a:latin typeface="Calibri Light" panose="020F0302020204030204"/>
+        <a:ea typeface=""/>
+        <a:cs typeface=""/>
+        <a:font script="Jpan" typeface="游ゴシック Light"/>
+        <a:font script="Hang" typeface="맑은 고딕"/>
+        <a:font script="Hans" typeface="等线 Light"/>
+        <a:font script="Hant" typeface="新細明體"/>
+        <a:font script="Arab" typeface="Times New Roman"/>
+        <a:font script="Hebr" typeface="Times New Roman"/>
+        <a:font script="Thai" typeface="Angsana New"/>
+        <a:font script="Ethi" typeface="Nyala"/>
+        <a:font script="Beng" typeface="Vrinda"/>
+        <a:font script="Gujr" typeface="Shruti"/>
+        <a:font script="Khmr" typeface="MoolBoran"/>
+        <a:font script="Knda" typeface="Tunga"/>
+        <a:font script="Guru" typeface="Raavi"/>
+        <a:font script="Cans" typeface="Euphemia"/>
+        <a:font script="Cher" typeface="Plantagenet Cherokee"/>
+        <a:font script="Yiii" typeface="Microsoft Yi Baiti"/>
+        <a:font script="Tibt" typeface="Microsoft Himalaya"/>
+        <a:font script="Thaa" typeface="MV Boli"/>
+        <a:font script="Deva" typeface="Mangal"/>
+        <a:font script="Telu" typeface="Gautami"/>
+        <a:font script="Taml" typeface="Latha"/>
+        <a:font script="Syrc" typeface="Estrangelo Edessa"/>
+        <a:font script="Orya" typeface="Kalinga"/>
+        <a:font script="Mlym" typeface="Kartika"/>
+        <a:font script="Laoo" typeface="DokChampa"/>
+        <a:font script="Sinh" typeface="Iskoola Pota"/>
+        <a:font script="Mong" typeface="Mongolian Baiti"/>
+        <a:font script="Viet" typeface="Times New Roman"/>
+        <a:font script="Uigh" typeface="Microsoft Uighur"/>
+        <a:font script="Geor" typeface="Sylfaen"/>
+        <a:font script="Armn" typeface="Arial"/>
+        <a:font script="Bugi" typeface="Leelawadee UI"/>
+        <a:font script="Bopo" typeface="Microsoft JhengHei"/>
+        <a:font script="Java" typeface="Javanese Text"/>
+        <a:font script="Lisu" typeface="Segoe UI"/>
+        <a:font script="Mymr" typeface="Myanmar Text"/>
+        <a:font script="Nkoo" typeface="Ebrima"/>
+        <a:font script="Olck" typeface="Nirmala UI"/>
+        <a:font script="Osma" typeface="Ebrima"/>
+        <a:font script="Phag" typeface="Phagspa"/>
+        <a:font script="Syrn" typeface="Estrangelo Edessa"/>
+        <a:font script="Syrj" typeface="Estrangelo Edessa"/>
+        <a:font script="Syre" typeface="Estrangelo Edessa"/>
+        <a:font script="Sora" typeface="Nirmala UI"/>
+        <a:font script="Tale" typeface="Microsoft Tai Le"/>
+        <a:font script="Talu" typeface="Microsoft New Tai Lue"/>
+        <a:font script="Tfng" typeface="Ebrima"/>
+      </a:majorFont>
+      <a:minorFont>
+        <a:latin typeface="Calibri" panose="020F0502020204030204"/>
+        <a:ea typeface=""/>
+        <a:cs typeface=""/>
+        <a:font script="Jpan" typeface="游ゴシック"/>
+        <a:font script="Hang" typeface="맑은 고딕"/>
+        <a:font script="Hans" typeface="等线"/>
+        <a:font script="Hant" typeface="新細明體"/>
+        <a:font script="Arab" typeface="Arial"/>
+        <a:font script="Hebr" typeface="Arial"/>
+        <a:font script="Thai" typeface="Cordia New"/>
+        <a:font script="Ethi" typeface="Nyala"/>
+        <a:font script="Beng" typeface="Vrinda"/>
+        <a:font script="Gujr" typeface="Shruti"/>
+        <a:font script="Khmr" typeface="DaunPenh"/>
+        <a:font script="Knda" typeface="Tunga"/>
+        <a:font script="Guru" typeface="Raavi"/>
+        <a:font script="Cans" typeface="Euphemia"/>
+        <a:font script="Cher" typeface="Plantagenet Cherokee"/>
+        <a:font script="Yiii" typeface="Microsoft Yi Baiti"/>
+        <a:font script="Tibt" typeface="Microsoft Himalaya"/>
+        <a:font script="Thaa" typeface="MV Boli"/>
+        <a:font script="Deva" typeface="Mangal"/>
+        <a:font script="Telu" typeface="Gautami"/>
+        <a:font script="Taml" typeface="Latha"/>
+        <a:font script="Syrc" typeface="Estrangelo Edessa"/>
+        <a:font script="Orya" typeface="Kalinga"/>
+        <a:font script="Mlym" typeface="Kartika"/>
+        <a:font script="Laoo" typeface="DokChampa"/>
+        <a:font script="Sinh" typeface="Iskoola Pota"/>
+        <a:font script="Mong" typeface="Mongolian Baiti"/>
+        <a:font script="Viet" typeface="Arial"/>
+        <a:font script="Uigh" typeface="Microsoft Uighur"/>
+        <a:font script="Geor" typeface="Sylfaen"/>
+        <a:font script="Armn" typeface="Arial"/>
+        <a:font script="Bugi" typeface="Leelawadee UI"/>
+        <a:font script="Bopo" typeface="Microsoft JhengHei"/>
+        <a:font script="Java" typeface="Javanese Text"/>
+        <a:font script="Lisu" typeface="Segoe UI"/>
+        <a:font script="Mymr" typeface="Myanmar Text"/>
+        <a:font script="Nkoo" typeface="Ebrima"/>
+        <a:font script="Olck" typeface="Nirmala UI"/>
+        <a:font script="Osma" typeface="Ebrima"/>
+        <a:font script="Phag" typeface="Phagspa"/>
+        <a:font script="Syrn" typeface="Estrangelo Edessa"/>
+        <a:font script="Syrj" typeface="Estrangelo Edessa"/>
+        <a:font script="Syre" typeface="Estrangelo Edessa"/>
+        <a:font script="Sora" typeface="Nirmala UI"/>
+        <a:font script="Tale" typeface="Microsoft Tai Le"/>
+        <a:font script="Talu" typeface="Microsoft New Tai Lue"/>
+        <a:font script="Tfng" typeface="Ebrima"/>
+      </a:minorFont>
+    </a:fontScheme>
+    <a:fmtScheme name="Office">
+      <a:fillStyleLst>
+        <a:solidFill>
+          <a:schemeClr val="phClr"/>
+        </a:solidFill>
+        <a:gradFill rotWithShape="1">
+          <a:gsLst>
+            <a:gs pos="0">
+              <a:schemeClr val="phClr">
+                <a:lumMod val="110000"/>
+                <a:satMod val="105000"/>
+                <a:tint val="67000"/>
+              </a:schemeClr>
+            </a:gs>
+            <a:gs pos="50000">
+              <a:schemeClr val="phClr">
+                <a:lumMod val="105000"/>
+                <a:satMod val="103000"/>
+                <a:tint val="73000"/>
+              </a:schemeClr>
+            </a:gs>
+            <a:gs pos="100000">
+              <a:schemeClr val="phClr">
+                <a:lumMod val="105000"/>
+                <a:satMod val="109000"/>
+                <a:tint val="81000"/>
+              </a:schemeClr>
+            </a:gs>
+          </a:gsLst>
+          <a:lin ang="5400000" scaled="0"/>
+        </a:gradFill>
+        <a:gradFill rotWithShape="1">
+          <a:gsLst>
+            <a:gs pos="0">
+              <a:schemeClr val="phClr">
+                <a:satMod val="103000"/>
+                <a:lumMod val="102000"/>
+                <a:tint val="94000"/>
+              </a:schemeClr>
+            </a:gs>
+            <a:gs pos="50000">
+              <a:schemeClr val="phClr">
+                <a:satMod val="110000"/>
+                <a:lumMod val="100000"/>
+                <a:shade val="100000"/>
+              </a:schemeClr>
+            </a:gs>
+            <a:gs pos="100000">
+              <a:schemeClr val="phClr">
+                <a:lumMod val="99000"/>
+                <a:satMod val="120000"/>
+                <a:shade val="78000"/>
+              </a:schemeClr>
+            </a:gs>
+          </a:gsLst>
+          <a:lin ang="5400000" scaled="0"/>
+        </a:gradFill>
+      </a:fillStyleLst>
+      <a:lnStyleLst>
+        <a:ln w="6350" cap="flat" cmpd="sng" algn="ctr">
+          <a:solidFill>
+            <a:schemeClr val="phClr"/>
+          </a:solidFill>
+          <a:prstDash val="solid"/>
+          <a:miter lim="800000"/>
+        </a:ln>
+        <a:ln w="12700" cap="flat" cmpd="sng" algn="ctr">
+          <a:solidFill>
+            <a:schemeClr val="phClr"/>
+          </a:solidFill>
+          <a:prstDash val="solid"/>
+          <a:miter lim="800000"/>
+        </a:ln>
+        <a:ln w="19050" cap="flat" cmpd="sng" algn="ctr">
+          <a:solidFill>
+            <a:schemeClr val="phClr"/>
+          </a:solidFill>
+          <a:prstDash val="solid"/>
+          <a:miter lim="800000"/>
+        </a:ln>
+      </a:lnStyleLst>
+      <a:effectStyleLst>
+        <a:effectStyle>
+          <a:effectLst/>
+        </a:effectStyle>
+        <a:effectStyle>
+          <a:effectLst/>
+        </a:effectStyle>
+        <a:effectStyle>
+          <a:effectLst>
+            <a:outerShdw blurRad="57150" dist="19050" dir="5400000" algn="ctr" rotWithShape="0">
+              <a:srgbClr val="000000">
+                <a:alpha val="63000"/>
+              </a:srgbClr>
+            </a:outerShdw>
+          </a:effectLst>
+        </a:effectStyle>
+      </a:effectStyleLst>
+      <a:bgFillStyleLst>
+        <a:solidFill>
+          <a:schemeClr val="phClr"/>
+        </a:solidFill>
+        <a:solidFill>
+          <a:schemeClr val="phClr">
+            <a:tint val="95000"/>
+            <a:satMod val="170000"/>
+          </a:schemeClr>
+        </a:solidFill>
+        <a:gradFill rotWithShape="1">
+          <a:gsLst>
+            <a:gs pos="0">
+              <a:schemeClr val="phClr">
+                <a:tint val="93000"/>
+                <a:satMod val="150000"/>
+                <a:shade val="98000"/>
+                <a:lumMod val="102000"/>
+              </a:schemeClr>
+            </a:gs>
+            <a:gs pos="50000">
+              <a:schemeClr val="phClr">
+                <a:tint val="98000"/>
+                <a:satMod val="130000"/>
+                <a:shade val="90000"/>
+                <a:lumMod val="103000"/>
+              </a:schemeClr>
+            </a:gs>
+            <a:gs pos="100000">
+              <a:schemeClr val="phClr">
+                <a:shade val="63000"/>
+                <a:satMod val="120000"/>
+              </a:schemeClr>
+            </a:gs>
+          </a:gsLst>
+          <a:lin ang="5400000" scaled="0"/>
+        </a:gradFill>
+      </a:bgFillStyleLst>
+    </a:fmtScheme>
+  </a:themeElements>
+  <a:objectDefaults/>
+  <a:extraClrSchemeLst/>
+  <a:extLst>
+    <a:ext uri="{05A4C25C-085E-4340-85A3-A5531E510DB2}">
+      <thm15:themeFamily xmlns:thm15="http://schemas.microsoft.com/office/thememl/2012/main" name="Office Theme" id="{62F939B6-93AF-4DB8-9C6B-D6C7DFDC589F}" vid="{4A3C46E8-61CC-4603-A589-7422A47A8E4A}"/>
+    </a:ext>
+  </a:extLst>
+</a:theme>
 </file>